--- a/en/ProgrammingLessons/PIDLineFollower.pptx
+++ b/en/ProgrammingLessons/PIDLineFollower.pptx
@@ -2,7 +2,7 @@
 <file path=ppt/presentation.xml><?xml version="1.0" encoding="utf-8"?>
 <p:presentation xmlns:a="http://schemas.openxmlformats.org/drawingml/2006/main" xmlns:r="http://schemas.openxmlformats.org/officeDocument/2006/relationships" xmlns:p="http://schemas.openxmlformats.org/presentationml/2006/main" showSpecialPlsOnTitleSld="0" saveSubsetFonts="1" autoCompressPictures="0">
   <p:sldMasterIdLst>
-    <p:sldMasterId id="2147483761" r:id="rId1"/>
+    <p:sldMasterId id="2147483773" r:id="rId1"/>
   </p:sldMasterIdLst>
   <p:notesMasterIdLst>
     <p:notesMasterId r:id="rId21"/>
@@ -212,7 +212,7 @@
               <a:cs typeface="+mn-cs"/>
             </a:defRPr>
           </a:pPr>
-          <a:endParaRPr lang="es-419"/>
+          <a:endParaRPr lang="en-US"/>
         </a:p>
       </c:txPr>
     </c:title>
@@ -734,7 +734,7 @@
                   <a:cs typeface="+mn-cs"/>
                 </a:defRPr>
               </a:pPr>
-              <a:endParaRPr lang="es-419"/>
+              <a:endParaRPr lang="en-US"/>
             </a:p>
           </c:txPr>
         </c:title>
@@ -772,7 +772,7 @@
                 <a:cs typeface="+mn-cs"/>
               </a:defRPr>
             </a:pPr>
-            <a:endParaRPr lang="es-419"/>
+            <a:endParaRPr lang="en-US"/>
           </a:p>
         </c:txPr>
         <c:crossAx val="1853584704"/>
@@ -837,7 +837,7 @@
                 <a:cs typeface="+mn-cs"/>
               </a:defRPr>
             </a:pPr>
-            <a:endParaRPr lang="es-419"/>
+            <a:endParaRPr lang="en-US"/>
           </a:p>
         </c:txPr>
         <c:crossAx val="1887436800"/>
@@ -878,7 +878,7 @@
       <a:pPr>
         <a:defRPr sz="1400"/>
       </a:pPr>
-      <a:endParaRPr lang="es-419"/>
+      <a:endParaRPr lang="en-US"/>
     </a:p>
   </c:txPr>
   <c:externalData r:id="rId3">
@@ -952,7 +952,7 @@
               <a:cs typeface="+mn-cs"/>
             </a:defRPr>
           </a:pPr>
-          <a:endParaRPr lang="es-419"/>
+          <a:endParaRPr lang="en-US"/>
         </a:p>
       </c:txPr>
     </c:title>
@@ -1452,7 +1452,7 @@
                   <a:cs typeface="+mn-cs"/>
                 </a:defRPr>
               </a:pPr>
-              <a:endParaRPr lang="es-419"/>
+              <a:endParaRPr lang="en-US"/>
             </a:p>
           </c:txPr>
         </c:title>
@@ -1490,7 +1490,7 @@
                 <a:cs typeface="+mn-cs"/>
               </a:defRPr>
             </a:pPr>
-            <a:endParaRPr lang="es-419"/>
+            <a:endParaRPr lang="en-US"/>
           </a:p>
         </c:txPr>
         <c:crossAx val="1853584704"/>
@@ -1553,7 +1553,7 @@
                 <a:cs typeface="+mn-cs"/>
               </a:defRPr>
             </a:pPr>
-            <a:endParaRPr lang="es-419"/>
+            <a:endParaRPr lang="en-US"/>
           </a:p>
         </c:txPr>
         <c:crossAx val="1887436800"/>
@@ -1593,7 +1593,7 @@
       <a:pPr>
         <a:defRPr sz="1400"/>
       </a:pPr>
-      <a:endParaRPr lang="es-419"/>
+      <a:endParaRPr lang="en-US"/>
     </a:p>
   </c:txPr>
   <c:externalData r:id="rId3">
@@ -2232,7 +2232,7 @@
                   <a:cs typeface="+mn-cs"/>
                 </a:defRPr>
               </a:pPr>
-              <a:endParaRPr lang="es-419"/>
+              <a:endParaRPr lang="en-US"/>
             </a:p>
           </c:txPr>
         </c:title>
@@ -2270,7 +2270,7 @@
                 <a:cs typeface="+mn-cs"/>
               </a:defRPr>
             </a:pPr>
-            <a:endParaRPr lang="es-419"/>
+            <a:endParaRPr lang="en-US"/>
           </a:p>
         </c:txPr>
         <c:crossAx val="1853584704"/>
@@ -2357,7 +2357,7 @@
                   <a:cs typeface="+mn-cs"/>
                 </a:defRPr>
               </a:pPr>
-              <a:endParaRPr lang="es-419"/>
+              <a:endParaRPr lang="en-US"/>
             </a:p>
           </c:txPr>
         </c:title>
@@ -2395,7 +2395,7 @@
                 <a:cs typeface="+mn-cs"/>
               </a:defRPr>
             </a:pPr>
-            <a:endParaRPr lang="es-419"/>
+            <a:endParaRPr lang="en-US"/>
           </a:p>
         </c:txPr>
         <c:crossAx val="1887436800"/>
@@ -2435,7 +2435,7 @@
       <a:pPr>
         <a:defRPr sz="2400"/>
       </a:pPr>
-      <a:endParaRPr lang="es-419"/>
+      <a:endParaRPr lang="en-US"/>
     </a:p>
   </c:txPr>
   <c:externalData r:id="rId3">
@@ -2955,7 +2955,7 @@
                   <a:cs typeface="+mn-cs"/>
                 </a:defRPr>
               </a:pPr>
-              <a:endParaRPr lang="es-419"/>
+              <a:endParaRPr lang="en-US"/>
             </a:p>
           </c:txPr>
         </c:title>
@@ -2993,7 +2993,7 @@
                 <a:cs typeface="+mn-cs"/>
               </a:defRPr>
             </a:pPr>
-            <a:endParaRPr lang="es-419"/>
+            <a:endParaRPr lang="en-US"/>
           </a:p>
         </c:txPr>
         <c:crossAx val="1853584704"/>
@@ -3076,7 +3076,7 @@
                   <a:cs typeface="+mn-cs"/>
                 </a:defRPr>
               </a:pPr>
-              <a:endParaRPr lang="es-419"/>
+              <a:endParaRPr lang="en-US"/>
             </a:p>
           </c:txPr>
         </c:title>
@@ -3114,7 +3114,7 @@
                 <a:cs typeface="+mn-cs"/>
               </a:defRPr>
             </a:pPr>
-            <a:endParaRPr lang="es-419"/>
+            <a:endParaRPr lang="en-US"/>
           </a:p>
         </c:txPr>
         <c:crossAx val="1887436800"/>
@@ -3154,7 +3154,7 @@
       <a:pPr>
         <a:defRPr sz="2400"/>
       </a:pPr>
-      <a:endParaRPr lang="es-419"/>
+      <a:endParaRPr lang="en-US"/>
     </a:p>
   </c:txPr>
   <c:externalData r:id="rId3">
@@ -3696,7 +3696,7 @@
                   <a:cs typeface="+mn-cs"/>
                 </a:defRPr>
               </a:pPr>
-              <a:endParaRPr lang="es-419"/>
+              <a:endParaRPr lang="en-US"/>
             </a:p>
           </c:txPr>
         </c:title>
@@ -3734,7 +3734,7 @@
                 <a:cs typeface="+mn-cs"/>
               </a:defRPr>
             </a:pPr>
-            <a:endParaRPr lang="es-419"/>
+            <a:endParaRPr lang="en-US"/>
           </a:p>
         </c:txPr>
         <c:crossAx val="1853584704"/>
@@ -3816,7 +3816,7 @@
                   <a:cs typeface="+mn-cs"/>
                 </a:defRPr>
               </a:pPr>
-              <a:endParaRPr lang="es-419"/>
+              <a:endParaRPr lang="en-US"/>
             </a:p>
           </c:txPr>
         </c:title>
@@ -3854,7 +3854,7 @@
                 <a:cs typeface="+mn-cs"/>
               </a:defRPr>
             </a:pPr>
-            <a:endParaRPr lang="es-419"/>
+            <a:endParaRPr lang="en-US"/>
           </a:p>
         </c:txPr>
         <c:crossAx val="1887436800"/>
@@ -3894,7 +3894,7 @@
       <a:pPr>
         <a:defRPr sz="1400"/>
       </a:pPr>
-      <a:endParaRPr lang="es-419"/>
+      <a:endParaRPr lang="en-US"/>
     </a:p>
   </c:txPr>
   <c:externalData r:id="rId3">
@@ -4412,7 +4412,7 @@
                   <a:cs typeface="+mn-cs"/>
                 </a:defRPr>
               </a:pPr>
-              <a:endParaRPr lang="es-419"/>
+              <a:endParaRPr lang="en-US"/>
             </a:p>
           </c:txPr>
         </c:title>
@@ -4450,7 +4450,7 @@
                 <a:cs typeface="+mn-cs"/>
               </a:defRPr>
             </a:pPr>
-            <a:endParaRPr lang="es-419"/>
+            <a:endParaRPr lang="en-US"/>
           </a:p>
         </c:txPr>
         <c:crossAx val="1853584704"/>
@@ -4530,7 +4530,7 @@
                   <a:cs typeface="+mn-cs"/>
                 </a:defRPr>
               </a:pPr>
-              <a:endParaRPr lang="es-419"/>
+              <a:endParaRPr lang="en-US"/>
             </a:p>
           </c:txPr>
         </c:title>
@@ -4568,7 +4568,7 @@
                 <a:cs typeface="+mn-cs"/>
               </a:defRPr>
             </a:pPr>
-            <a:endParaRPr lang="es-419"/>
+            <a:endParaRPr lang="en-US"/>
           </a:p>
         </c:txPr>
         <c:crossAx val="1887436800"/>
@@ -4608,7 +4608,7 @@
       <a:pPr>
         <a:defRPr sz="1400"/>
       </a:pPr>
-      <a:endParaRPr lang="es-419"/>
+      <a:endParaRPr lang="en-US"/>
     </a:p>
   </c:txPr>
   <c:externalData r:id="rId3">
@@ -8035,7 +8035,7 @@
           <a:p>
             <a:fld id="{58040048-1E4D-CD41-AC49-0750EB72586B}" type="datetimeFigureOut">
               <a:rPr lang="en-US" smtClean="0"/>
-              <a:t>5/25/2020</a:t>
+              <a:t>12/17/20</a:t>
             </a:fld>
             <a:endParaRPr lang="en-US"/>
           </a:p>
@@ -8201,7 +8201,7 @@
           <a:p>
             <a:fld id="{2B8484CF-5098-F24E-8881-583515D5C406}" type="datetimeFigureOut">
               <a:rPr lang="en-US" smtClean="0"/>
-              <a:t>5/25/2020</a:t>
+              <a:t>12/17/20</a:t>
             </a:fld>
             <a:endParaRPr lang="en-US"/>
           </a:p>
@@ -8494,7 +8494,7 @@
         </p:nvSpPr>
         <p:spPr>
           <a:xfrm>
-            <a:off x="182241" y="2203290"/>
+            <a:off x="182241" y="2579003"/>
             <a:ext cx="8787652" cy="2468585"/>
           </a:xfrm>
           <a:prstGeom prst="rect">
@@ -8535,8 +8535,8 @@
         </p:nvSpPr>
         <p:spPr>
           <a:xfrm>
-            <a:off x="242754" y="2300865"/>
-            <a:ext cx="5815852" cy="1504844"/>
+            <a:off x="242754" y="2676578"/>
+            <a:ext cx="8584534" cy="1504844"/>
           </a:xfrm>
           <a:effectLst/>
         </p:spPr>
@@ -8554,6 +8554,10 @@
             </a:lvl1pPr>
           </a:lstStyle>
           <a:p>
+            <a:r>
+              <a:rPr lang="en-US"/>
+              <a:t>Click to edit Master title style</a:t>
+            </a:r>
             <a:endParaRPr lang="en-US" dirty="0"/>
           </a:p>
         </p:txBody>
@@ -8570,7 +8574,7 @@
         </p:nvSpPr>
         <p:spPr>
           <a:xfrm>
-            <a:off x="316712" y="3800535"/>
+            <a:off x="316712" y="4176248"/>
             <a:ext cx="5741894" cy="590321"/>
           </a:xfrm>
         </p:spPr>
@@ -8583,7 +8587,7 @@
               <a:buNone/>
               <a:defRPr sz="1600" cap="all">
                 <a:solidFill>
-                  <a:schemeClr val="accent2"/>
+                  <a:srgbClr val="0EAE9F"/>
                 </a:solidFill>
               </a:defRPr>
             </a:lvl1pPr>
@@ -8682,6 +8686,356 @@
             <a:extLst>
               <a:ext uri="{FF2B5EF4-FFF2-40B4-BE49-F238E27FC236}">
                 <a16:creationId xmlns:a16="http://schemas.microsoft.com/office/drawing/2014/main" id="{227F28FB-346D-45F5-A52C-A1B7DBC13191}"/>
+              </a:ext>
+            </a:extLst>
+          </p:cNvPr>
+          <p:cNvSpPr txBox="1">
+            <a:spLocks/>
+          </p:cNvSpPr>
+          <p:nvPr/>
+        </p:nvSpPr>
+        <p:spPr>
+          <a:xfrm>
+            <a:off x="4808377" y="357846"/>
+            <a:ext cx="4161516" cy="509489"/>
+          </a:xfrm>
+          <a:prstGeom prst="rect">
+            <a:avLst/>
+          </a:prstGeom>
+        </p:spPr>
+        <p:txBody>
+          <a:bodyPr vert="horz" lIns="91440" tIns="45720" rIns="91440" bIns="45720" rtlCol="0" anchor="t">
+            <a:normAutofit fontScale="92500" lnSpcReduction="10000"/>
+          </a:bodyPr>
+          <a:lstStyle>
+            <a:lvl1pPr marL="306000" indent="-306000" algn="l" defTabSz="457200" rtl="0" eaLnBrk="1" latinLnBrk="0" hangingPunct="1">
+              <a:spcBef>
+                <a:spcPct val="20000"/>
+              </a:spcBef>
+              <a:spcAft>
+                <a:spcPts val="600"/>
+              </a:spcAft>
+              <a:buClr>
+                <a:schemeClr val="accent2"/>
+              </a:buClr>
+              <a:buSzPct val="92000"/>
+              <a:buFont typeface="Wingdings 2" charset="2"/>
+              <a:buChar char=""/>
+              <a:defRPr sz="1800" kern="1200">
+                <a:solidFill>
+                  <a:schemeClr val="tx2"/>
+                </a:solidFill>
+                <a:latin typeface="+mn-lt"/>
+                <a:ea typeface="+mn-ea"/>
+                <a:cs typeface="+mn-cs"/>
+              </a:defRPr>
+            </a:lvl1pPr>
+            <a:lvl2pPr marL="630000" indent="-306000" algn="l" defTabSz="457200" rtl="0" eaLnBrk="1" latinLnBrk="0" hangingPunct="1">
+              <a:spcBef>
+                <a:spcPct val="20000"/>
+              </a:spcBef>
+              <a:spcAft>
+                <a:spcPts val="600"/>
+              </a:spcAft>
+              <a:buClr>
+                <a:schemeClr val="accent2"/>
+              </a:buClr>
+              <a:buSzPct val="92000"/>
+              <a:buFont typeface="Wingdings 2" charset="2"/>
+              <a:buChar char=""/>
+              <a:defRPr sz="1600" kern="1200">
+                <a:solidFill>
+                  <a:schemeClr val="tx2"/>
+                </a:solidFill>
+                <a:latin typeface="+mn-lt"/>
+                <a:ea typeface="+mn-ea"/>
+                <a:cs typeface="+mn-cs"/>
+              </a:defRPr>
+            </a:lvl2pPr>
+            <a:lvl3pPr marL="900000" indent="-270000" algn="l" defTabSz="457200" rtl="0" eaLnBrk="1" latinLnBrk="0" hangingPunct="1">
+              <a:spcBef>
+                <a:spcPct val="20000"/>
+              </a:spcBef>
+              <a:spcAft>
+                <a:spcPts val="600"/>
+              </a:spcAft>
+              <a:buClr>
+                <a:schemeClr val="accent2"/>
+              </a:buClr>
+              <a:buSzPct val="92000"/>
+              <a:buFont typeface="Wingdings 2" charset="2"/>
+              <a:buChar char=""/>
+              <a:defRPr sz="1400" kern="1200">
+                <a:solidFill>
+                  <a:schemeClr val="tx2"/>
+                </a:solidFill>
+                <a:latin typeface="+mn-lt"/>
+                <a:ea typeface="+mn-ea"/>
+                <a:cs typeface="+mn-cs"/>
+              </a:defRPr>
+            </a:lvl3pPr>
+            <a:lvl4pPr marL="1242000" indent="-234000" algn="l" defTabSz="457200" rtl="0" eaLnBrk="1" latinLnBrk="0" hangingPunct="1">
+              <a:spcBef>
+                <a:spcPct val="20000"/>
+              </a:spcBef>
+              <a:spcAft>
+                <a:spcPts val="600"/>
+              </a:spcAft>
+              <a:buClr>
+                <a:schemeClr val="accent2"/>
+              </a:buClr>
+              <a:buSzPct val="92000"/>
+              <a:buFont typeface="Wingdings 2" charset="2"/>
+              <a:buChar char=""/>
+              <a:defRPr sz="1200" kern="1200">
+                <a:solidFill>
+                  <a:schemeClr val="tx2"/>
+                </a:solidFill>
+                <a:latin typeface="+mn-lt"/>
+                <a:ea typeface="+mn-ea"/>
+                <a:cs typeface="+mn-cs"/>
+              </a:defRPr>
+            </a:lvl4pPr>
+            <a:lvl5pPr marL="1602000" indent="-234000" algn="l" defTabSz="457200" rtl="0" eaLnBrk="1" latinLnBrk="0" hangingPunct="1">
+              <a:spcBef>
+                <a:spcPct val="20000"/>
+              </a:spcBef>
+              <a:spcAft>
+                <a:spcPts val="600"/>
+              </a:spcAft>
+              <a:buClr>
+                <a:schemeClr val="accent2"/>
+              </a:buClr>
+              <a:buSzPct val="92000"/>
+              <a:buFont typeface="Wingdings 2" charset="2"/>
+              <a:buChar char=""/>
+              <a:defRPr sz="1200" kern="1200">
+                <a:solidFill>
+                  <a:schemeClr val="tx2"/>
+                </a:solidFill>
+                <a:latin typeface="+mn-lt"/>
+                <a:ea typeface="+mn-ea"/>
+                <a:cs typeface="+mn-cs"/>
+              </a:defRPr>
+            </a:lvl5pPr>
+            <a:lvl6pPr marL="1900000" indent="-228600" algn="l" defTabSz="457200" rtl="0" eaLnBrk="1" latinLnBrk="0" hangingPunct="1">
+              <a:spcBef>
+                <a:spcPct val="20000"/>
+              </a:spcBef>
+              <a:spcAft>
+                <a:spcPts val="600"/>
+              </a:spcAft>
+              <a:buClr>
+                <a:schemeClr val="accent2"/>
+              </a:buClr>
+              <a:buSzPct val="92000"/>
+              <a:buFont typeface="Wingdings 2" charset="2"/>
+              <a:buChar char=""/>
+              <a:defRPr sz="1200" kern="1200">
+                <a:solidFill>
+                  <a:schemeClr val="tx2"/>
+                </a:solidFill>
+                <a:latin typeface="+mn-lt"/>
+                <a:ea typeface="+mn-ea"/>
+                <a:cs typeface="+mn-cs"/>
+              </a:defRPr>
+            </a:lvl6pPr>
+            <a:lvl7pPr marL="2200000" indent="-228600" algn="l" defTabSz="457200" rtl="0" eaLnBrk="1" latinLnBrk="0" hangingPunct="1">
+              <a:spcBef>
+                <a:spcPct val="20000"/>
+              </a:spcBef>
+              <a:spcAft>
+                <a:spcPts val="600"/>
+              </a:spcAft>
+              <a:buClr>
+                <a:schemeClr val="accent2"/>
+              </a:buClr>
+              <a:buSzPct val="92000"/>
+              <a:buFont typeface="Wingdings 2" charset="2"/>
+              <a:buChar char=""/>
+              <a:defRPr sz="1200" kern="1200">
+                <a:solidFill>
+                  <a:schemeClr val="tx2"/>
+                </a:solidFill>
+                <a:latin typeface="+mn-lt"/>
+                <a:ea typeface="+mn-ea"/>
+                <a:cs typeface="+mn-cs"/>
+              </a:defRPr>
+            </a:lvl7pPr>
+            <a:lvl8pPr marL="2500000" indent="-228600" algn="l" defTabSz="457200" rtl="0" eaLnBrk="1" latinLnBrk="0" hangingPunct="1">
+              <a:spcBef>
+                <a:spcPct val="20000"/>
+              </a:spcBef>
+              <a:spcAft>
+                <a:spcPts val="600"/>
+              </a:spcAft>
+              <a:buClr>
+                <a:schemeClr val="accent2"/>
+              </a:buClr>
+              <a:buSzPct val="92000"/>
+              <a:buFont typeface="Wingdings 2" charset="2"/>
+              <a:buChar char=""/>
+              <a:defRPr sz="1200" kern="1200">
+                <a:solidFill>
+                  <a:schemeClr val="tx2"/>
+                </a:solidFill>
+                <a:latin typeface="+mn-lt"/>
+                <a:ea typeface="+mn-ea"/>
+                <a:cs typeface="+mn-cs"/>
+              </a:defRPr>
+            </a:lvl8pPr>
+            <a:lvl9pPr marL="2800000" indent="-228600" algn="l" defTabSz="457200" rtl="0" eaLnBrk="1" latinLnBrk="0" hangingPunct="1">
+              <a:spcBef>
+                <a:spcPct val="20000"/>
+              </a:spcBef>
+              <a:spcAft>
+                <a:spcPts val="600"/>
+              </a:spcAft>
+              <a:buClr>
+                <a:schemeClr val="accent2"/>
+              </a:buClr>
+              <a:buSzPct val="92000"/>
+              <a:buFont typeface="Wingdings 2" panose="05020102010507070707" pitchFamily="18" charset="2"/>
+              <a:buChar char=""/>
+              <a:defRPr sz="1200" kern="1200">
+                <a:solidFill>
+                  <a:schemeClr val="tx2"/>
+                </a:solidFill>
+                <a:latin typeface="+mn-lt"/>
+                <a:ea typeface="+mn-ea"/>
+                <a:cs typeface="+mn-cs"/>
+              </a:defRPr>
+            </a:lvl9pPr>
+          </a:lstStyle>
+          <a:p>
+            <a:pPr marL="0" indent="0" algn="r">
+              <a:buNone/>
+            </a:pPr>
+            <a:r>
+              <a:rPr lang="en-US" sz="3200" dirty="0"/>
+              <a:t>PRIME LESSONS</a:t>
+            </a:r>
+          </a:p>
+        </p:txBody>
+      </p:sp>
+      <p:sp>
+        <p:nvSpPr>
+          <p:cNvPr id="11" name="TextBox 10">
+            <a:extLst>
+              <a:ext uri="{FF2B5EF4-FFF2-40B4-BE49-F238E27FC236}">
+                <a16:creationId xmlns:a16="http://schemas.microsoft.com/office/drawing/2014/main" id="{8613C618-BE4E-4AD7-9CD9-0AB9F17BD5D4}"/>
+              </a:ext>
+            </a:extLst>
+          </p:cNvPr>
+          <p:cNvSpPr txBox="1"/>
+          <p:nvPr/>
+        </p:nvSpPr>
+        <p:spPr>
+          <a:xfrm>
+            <a:off x="6331000" y="685891"/>
+            <a:ext cx="2440110" cy="307777"/>
+          </a:xfrm>
+          <a:prstGeom prst="rect">
+            <a:avLst/>
+          </a:prstGeom>
+          <a:noFill/>
+        </p:spPr>
+        <p:txBody>
+          <a:bodyPr wrap="square" rtlCol="0">
+            <a:spAutoFit/>
+          </a:bodyPr>
+          <a:lstStyle/>
+          <a:p>
+            <a:pPr marL="0" marR="0" lvl="0" indent="0" algn="ctr" defTabSz="914400" rtl="0" eaLnBrk="1" fontAlgn="auto" latinLnBrk="0" hangingPunct="1">
+              <a:lnSpc>
+                <a:spcPct val="100000"/>
+              </a:lnSpc>
+              <a:spcBef>
+                <a:spcPts val="0"/>
+              </a:spcBef>
+              <a:spcAft>
+                <a:spcPts val="0"/>
+              </a:spcAft>
+              <a:buClrTx/>
+              <a:buSzTx/>
+              <a:buFontTx/>
+              <a:buNone/>
+              <a:tabLst/>
+              <a:defRPr/>
+            </a:pPr>
+            <a:r>
+              <a:rPr lang="en-US" sz="1400" dirty="0"/>
+              <a:t>By the Makers of EV3Lessons</a:t>
+            </a:r>
+          </a:p>
+        </p:txBody>
+      </p:sp>
+      <p:pic>
+        <p:nvPicPr>
+          <p:cNvPr id="18" name="Picture 17" descr="A picture containing application&#10;&#10;Description automatically generated">
+            <a:extLst>
+              <a:ext uri="{FF2B5EF4-FFF2-40B4-BE49-F238E27FC236}">
+                <a16:creationId xmlns:a16="http://schemas.microsoft.com/office/drawing/2014/main" id="{69DF8FC2-9ED1-BB44-8E96-5B069F6C6497}"/>
+              </a:ext>
+            </a:extLst>
+          </p:cNvPr>
+          <p:cNvPicPr>
+            <a:picLocks noChangeAspect="1"/>
+          </p:cNvPicPr>
+          <p:nvPr/>
+        </p:nvPicPr>
+        <p:blipFill>
+          <a:blip r:embed="rId2"/>
+          <a:stretch>
+            <a:fillRect/>
+          </a:stretch>
+        </p:blipFill>
+        <p:spPr>
+          <a:xfrm>
+            <a:off x="7612649" y="993668"/>
+            <a:ext cx="1158461" cy="1158461"/>
+          </a:xfrm>
+          <a:prstGeom prst="rect">
+            <a:avLst/>
+          </a:prstGeom>
+        </p:spPr>
+      </p:pic>
+      <p:pic>
+        <p:nvPicPr>
+          <p:cNvPr id="19" name="Picture 18" descr="Shape, square&#10;&#10;Description automatically generated">
+            <a:extLst>
+              <a:ext uri="{FF2B5EF4-FFF2-40B4-BE49-F238E27FC236}">
+                <a16:creationId xmlns:a16="http://schemas.microsoft.com/office/drawing/2014/main" id="{2D46D815-081F-064A-AFA6-098A6E7A3DD2}"/>
+              </a:ext>
+            </a:extLst>
+          </p:cNvPr>
+          <p:cNvPicPr>
+            <a:picLocks noChangeAspect="1"/>
+          </p:cNvPicPr>
+          <p:nvPr/>
+        </p:nvPicPr>
+        <p:blipFill>
+          <a:blip r:embed="rId3"/>
+          <a:stretch>
+            <a:fillRect/>
+          </a:stretch>
+        </p:blipFill>
+        <p:spPr>
+          <a:xfrm>
+            <a:off x="6399647" y="993669"/>
+            <a:ext cx="1158461" cy="1158461"/>
+          </a:xfrm>
+          <a:prstGeom prst="rect">
+            <a:avLst/>
+          </a:prstGeom>
+        </p:spPr>
+      </p:pic>
+      <p:sp>
+        <p:nvSpPr>
+          <p:cNvPr id="9" name="Subtitle 1">
+            <a:extLst>
+              <a:ext uri="{FF2B5EF4-FFF2-40B4-BE49-F238E27FC236}">
+                <a16:creationId xmlns:a16="http://schemas.microsoft.com/office/drawing/2014/main" id="{C19B2F05-44B2-F149-B8F2-0D283AF09769}"/>
               </a:ext>
             </a:extLst>
           </p:cNvPr>
@@ -8909,282 +9263,15 @@
             </a:pPr>
             <a:r>
               <a:rPr lang="en-US" sz="3200" dirty="0"/>
-              <a:t>SPIKE PRIME LESSONS</a:t>
+              <a:t>PRIME LESSONS</a:t>
             </a:r>
           </a:p>
         </p:txBody>
       </p:sp>
-      <p:pic>
-        <p:nvPicPr>
-          <p:cNvPr id="9" name="Picture 8" descr="A picture containing drawing&#10;&#10;Description automatically generated">
-            <a:extLst>
-              <a:ext uri="{FF2B5EF4-FFF2-40B4-BE49-F238E27FC236}">
-                <a16:creationId xmlns:a16="http://schemas.microsoft.com/office/drawing/2014/main" id="{26780A6E-BC42-443E-B6EE-CF18D754C376}"/>
-              </a:ext>
-            </a:extLst>
-          </p:cNvPr>
-          <p:cNvPicPr>
-            <a:picLocks noChangeAspect="1"/>
-          </p:cNvPicPr>
-          <p:nvPr userDrawn="1"/>
-        </p:nvPicPr>
-        <p:blipFill rotWithShape="1">
-          <a:blip r:embed="rId2">
-            <a:clrChange>
-              <a:clrFrom>
-                <a:srgbClr val="000000"/>
-              </a:clrFrom>
-              <a:clrTo>
-                <a:srgbClr val="000000">
-                  <a:alpha val="0"/>
-                </a:srgbClr>
-              </a:clrTo>
-            </a:clrChange>
-          </a:blip>
-          <a:srcRect b="32885"/>
-          <a:stretch/>
-        </p:blipFill>
-        <p:spPr>
-          <a:xfrm>
-            <a:off x="179837" y="1052244"/>
-            <a:ext cx="1668346" cy="1119706"/>
-          </a:xfrm>
-          <a:prstGeom prst="rect">
-            <a:avLst/>
-          </a:prstGeom>
-        </p:spPr>
-      </p:pic>
-      <p:sp>
-        <p:nvSpPr>
-          <p:cNvPr id="11" name="TextBox 10">
-            <a:extLst>
-              <a:ext uri="{FF2B5EF4-FFF2-40B4-BE49-F238E27FC236}">
-                <a16:creationId xmlns:a16="http://schemas.microsoft.com/office/drawing/2014/main" id="{8613C618-BE4E-4AD7-9CD9-0AB9F17BD5D4}"/>
-              </a:ext>
-            </a:extLst>
-          </p:cNvPr>
-          <p:cNvSpPr txBox="1"/>
-          <p:nvPr userDrawn="1"/>
-        </p:nvSpPr>
-        <p:spPr>
-          <a:xfrm>
-            <a:off x="6058605" y="737053"/>
-            <a:ext cx="2911288" cy="584775"/>
-          </a:xfrm>
-          <a:prstGeom prst="rect">
-            <a:avLst/>
-          </a:prstGeom>
-          <a:noFill/>
-        </p:spPr>
-        <p:txBody>
-          <a:bodyPr wrap="square" rtlCol="0">
-            <a:spAutoFit/>
-          </a:bodyPr>
-          <a:lstStyle/>
-          <a:p>
-            <a:pPr marL="0" marR="0" lvl="0" indent="0" algn="l" defTabSz="914400" rtl="0" eaLnBrk="1" fontAlgn="auto" latinLnBrk="0" hangingPunct="1">
-              <a:lnSpc>
-                <a:spcPct val="100000"/>
-              </a:lnSpc>
-              <a:spcBef>
-                <a:spcPts val="0"/>
-              </a:spcBef>
-              <a:spcAft>
-                <a:spcPts val="0"/>
-              </a:spcAft>
-              <a:buClrTx/>
-              <a:buSzTx/>
-              <a:buFontTx/>
-              <a:buNone/>
-              <a:tabLst/>
-              <a:defRPr/>
-            </a:pPr>
-            <a:r>
-              <a:rPr lang="en-US" sz="1600" dirty="0"/>
-              <a:t>By the Creators of EV3Lessons</a:t>
-            </a:r>
-          </a:p>
-          <a:p>
-            <a:endParaRPr lang="en-US" sz="1600" dirty="0"/>
-          </a:p>
-        </p:txBody>
-      </p:sp>
-      <p:pic>
-        <p:nvPicPr>
-          <p:cNvPr id="12" name="Picture 11" descr="A picture containing sitting, game, remote, video&#10;&#10;Description automatically generated">
-            <a:extLst>
-              <a:ext uri="{FF2B5EF4-FFF2-40B4-BE49-F238E27FC236}">
-                <a16:creationId xmlns:a16="http://schemas.microsoft.com/office/drawing/2014/main" id="{19D0660C-C674-40CA-9A39-C1E73533C99D}"/>
-              </a:ext>
-            </a:extLst>
-          </p:cNvPr>
-          <p:cNvPicPr>
-            <a:picLocks noChangeAspect="1"/>
-          </p:cNvPicPr>
-          <p:nvPr userDrawn="1"/>
-        </p:nvPicPr>
-        <p:blipFill rotWithShape="1">
-          <a:blip r:embed="rId3">
-            <a:alphaModFix/>
-          </a:blip>
-          <a:srcRect l="24583" t="2888" r="29917" b="4667"/>
-          <a:stretch/>
-        </p:blipFill>
-        <p:spPr>
-          <a:xfrm>
-            <a:off x="6058605" y="1349909"/>
-            <a:ext cx="2672408" cy="4072241"/>
-          </a:xfrm>
-          <a:prstGeom prst="rect">
-            <a:avLst/>
-          </a:prstGeom>
-        </p:spPr>
-      </p:pic>
-      <p:grpSp>
-        <p:nvGrpSpPr>
-          <p:cNvPr id="10" name="Group 9">
-            <a:extLst>
-              <a:ext uri="{FF2B5EF4-FFF2-40B4-BE49-F238E27FC236}">
-                <a16:creationId xmlns:a16="http://schemas.microsoft.com/office/drawing/2014/main" id="{4B69029F-0264-491E-B811-65F7DA3CBBB0}"/>
-              </a:ext>
-            </a:extLst>
-          </p:cNvPr>
-          <p:cNvGrpSpPr/>
-          <p:nvPr userDrawn="1"/>
-        </p:nvGrpSpPr>
-        <p:grpSpPr>
-          <a:xfrm>
-            <a:off x="179837" y="5060305"/>
-            <a:ext cx="4773538" cy="1188622"/>
-            <a:chOff x="131592" y="5034964"/>
-            <a:chExt cx="4773538" cy="1188622"/>
-          </a:xfrm>
-        </p:grpSpPr>
-        <p:pic>
-          <p:nvPicPr>
-            <p:cNvPr id="13" name="Picture 12" descr="A picture containing drawing, window&#10;&#10;Description automatically generated">
-              <a:extLst>
-                <a:ext uri="{FF2B5EF4-FFF2-40B4-BE49-F238E27FC236}">
-                  <a16:creationId xmlns:a16="http://schemas.microsoft.com/office/drawing/2014/main" id="{ABD06244-04F9-463D-A4DB-628C04BB8546}"/>
-                </a:ext>
-              </a:extLst>
-            </p:cNvPr>
-            <p:cNvPicPr>
-              <a:picLocks noChangeAspect="1"/>
-            </p:cNvPicPr>
-            <p:nvPr userDrawn="1"/>
-          </p:nvPicPr>
-          <p:blipFill>
-            <a:blip r:embed="rId4"/>
-            <a:stretch>
-              <a:fillRect/>
-            </a:stretch>
-          </p:blipFill>
-          <p:spPr>
-            <a:xfrm>
-              <a:off x="1326564" y="5034964"/>
-              <a:ext cx="1188622" cy="1188622"/>
-            </a:xfrm>
-            <a:prstGeom prst="rect">
-              <a:avLst/>
-            </a:prstGeom>
-          </p:spPr>
-        </p:pic>
-        <p:pic>
-          <p:nvPicPr>
-            <p:cNvPr id="14" name="Picture 13" descr="A picture containing building, drawing&#10;&#10;Description automatically generated">
-              <a:extLst>
-                <a:ext uri="{FF2B5EF4-FFF2-40B4-BE49-F238E27FC236}">
-                  <a16:creationId xmlns:a16="http://schemas.microsoft.com/office/drawing/2014/main" id="{63D75727-DAE8-4F50-8B40-C2AB0C6A949F}"/>
-                </a:ext>
-              </a:extLst>
-            </p:cNvPr>
-            <p:cNvPicPr>
-              <a:picLocks noChangeAspect="1"/>
-            </p:cNvPicPr>
-            <p:nvPr userDrawn="1"/>
-          </p:nvPicPr>
-          <p:blipFill>
-            <a:blip r:embed="rId5"/>
-            <a:stretch>
-              <a:fillRect/>
-            </a:stretch>
-          </p:blipFill>
-          <p:spPr>
-            <a:xfrm>
-              <a:off x="131592" y="5034964"/>
-              <a:ext cx="1188622" cy="1188622"/>
-            </a:xfrm>
-            <a:prstGeom prst="rect">
-              <a:avLst/>
-            </a:prstGeom>
-          </p:spPr>
-        </p:pic>
-        <p:pic>
-          <p:nvPicPr>
-            <p:cNvPr id="15" name="Picture 14" descr="A picture containing drawing, holding&#10;&#10;Description automatically generated">
-              <a:extLst>
-                <a:ext uri="{FF2B5EF4-FFF2-40B4-BE49-F238E27FC236}">
-                  <a16:creationId xmlns:a16="http://schemas.microsoft.com/office/drawing/2014/main" id="{65AA8D01-3E12-417C-866C-09E77342F6AA}"/>
-                </a:ext>
-              </a:extLst>
-            </p:cNvPr>
-            <p:cNvPicPr>
-              <a:picLocks noChangeAspect="1"/>
-            </p:cNvPicPr>
-            <p:nvPr userDrawn="1"/>
-          </p:nvPicPr>
-          <p:blipFill>
-            <a:blip r:embed="rId6"/>
-            <a:stretch>
-              <a:fillRect/>
-            </a:stretch>
-          </p:blipFill>
-          <p:spPr>
-            <a:xfrm>
-              <a:off x="3716508" y="5034964"/>
-              <a:ext cx="1188622" cy="1188622"/>
-            </a:xfrm>
-            <a:prstGeom prst="rect">
-              <a:avLst/>
-            </a:prstGeom>
-          </p:spPr>
-        </p:pic>
-        <p:pic>
-          <p:nvPicPr>
-            <p:cNvPr id="16" name="Picture 15" descr="A picture containing drawing, building, purple, window&#10;&#10;Description automatically generated">
-              <a:extLst>
-                <a:ext uri="{FF2B5EF4-FFF2-40B4-BE49-F238E27FC236}">
-                  <a16:creationId xmlns:a16="http://schemas.microsoft.com/office/drawing/2014/main" id="{BA4509F5-9711-4A35-B736-E2BAFCB547F0}"/>
-                </a:ext>
-              </a:extLst>
-            </p:cNvPr>
-            <p:cNvPicPr>
-              <a:picLocks noChangeAspect="1"/>
-            </p:cNvPicPr>
-            <p:nvPr userDrawn="1"/>
-          </p:nvPicPr>
-          <p:blipFill>
-            <a:blip r:embed="rId7"/>
-            <a:stretch>
-              <a:fillRect/>
-            </a:stretch>
-          </p:blipFill>
-          <p:spPr>
-            <a:xfrm>
-              <a:off x="2521536" y="5034964"/>
-              <a:ext cx="1188622" cy="1188622"/>
-            </a:xfrm>
-            <a:prstGeom prst="rect">
-              <a:avLst/>
-            </a:prstGeom>
-          </p:spPr>
-        </p:pic>
-      </p:grpSp>
     </p:spTree>
     <p:extLst>
       <p:ext uri="{BB962C8B-B14F-4D97-AF65-F5344CB8AC3E}">
-        <p14:creationId xmlns:p14="http://schemas.microsoft.com/office/powerpoint/2010/main" val="2462555266"/>
+        <p14:creationId xmlns:p14="http://schemas.microsoft.com/office/powerpoint/2010/main" val="1387952467"/>
       </p:ext>
     </p:extLst>
   </p:cSld>
@@ -9393,7 +9480,7 @@
           <a:p>
             <a:r>
               <a:rPr lang="en-US"/>
-              <a:t>© 2020 FLLTutorials, Last edit 05/25/2020</a:t>
+              <a:t>Copyright © 2020 Prime Lessons (primelessons.org) CC-BY-NC-SA.  (Last edit: 12/14/2020)</a:t>
             </a:r>
             <a:endParaRPr lang="en-US" dirty="0"/>
           </a:p>
@@ -9433,7 +9520,7 @@
     </p:spTree>
     <p:extLst>
       <p:ext uri="{BB962C8B-B14F-4D97-AF65-F5344CB8AC3E}">
-        <p14:creationId xmlns:p14="http://schemas.microsoft.com/office/powerpoint/2010/main" val="383043856"/>
+        <p14:creationId xmlns:p14="http://schemas.microsoft.com/office/powerpoint/2010/main" val="3245641889"/>
       </p:ext>
     </p:extLst>
   </p:cSld>
@@ -9647,7 +9734,7 @@
           <a:p>
             <a:r>
               <a:rPr lang="en-US"/>
-              <a:t>© 2020 FLLTutorials, Last edit 05/25/2020</a:t>
+              <a:t>Copyright © 2020 Prime Lessons (primelessons.org) CC-BY-NC-SA.  (Last edit: 12/14/2020)</a:t>
             </a:r>
             <a:endParaRPr lang="en-US" dirty="0"/>
           </a:p>
@@ -9698,7 +9785,1328 @@
     </p:spTree>
     <p:extLst>
       <p:ext uri="{BB962C8B-B14F-4D97-AF65-F5344CB8AC3E}">
-        <p14:creationId xmlns:p14="http://schemas.microsoft.com/office/powerpoint/2010/main" val="103737683"/>
+        <p14:creationId xmlns:p14="http://schemas.microsoft.com/office/powerpoint/2010/main" val="2642887316"/>
+      </p:ext>
+    </p:extLst>
+  </p:cSld>
+  <p:clrMapOvr>
+    <a:masterClrMapping/>
+  </p:clrMapOvr>
+</p:sldLayout>
+</file>
+
+<file path=ppt/slideLayouts/slideLayout12.xml><?xml version="1.0" encoding="utf-8"?>
+<p:sldLayout xmlns:a="http://schemas.openxmlformats.org/drawingml/2006/main" xmlns:r="http://schemas.openxmlformats.org/officeDocument/2006/relationships" xmlns:p="http://schemas.openxmlformats.org/presentationml/2006/main" preserve="1" userDrawn="1">
+  <p:cSld name="1_Two Content">
+    <p:spTree>
+      <p:nvGrpSpPr>
+        <p:cNvPr id="1" name=""/>
+        <p:cNvGrpSpPr/>
+        <p:nvPr/>
+      </p:nvGrpSpPr>
+      <p:grpSpPr>
+        <a:xfrm>
+          <a:off x="0" y="0"/>
+          <a:ext cx="0" cy="0"/>
+          <a:chOff x="0" y="0"/>
+          <a:chExt cx="0" cy="0"/>
+        </a:xfrm>
+      </p:grpSpPr>
+      <p:sp>
+        <p:nvSpPr>
+          <p:cNvPr id="3" name="Content Placeholder 2"/>
+          <p:cNvSpPr>
+            <a:spLocks noGrp="1"/>
+          </p:cNvSpPr>
+          <p:nvPr>
+            <p:ph sz="half" idx="1"/>
+          </p:nvPr>
+        </p:nvSpPr>
+        <p:spPr>
+          <a:xfrm>
+            <a:off x="142200" y="1174924"/>
+            <a:ext cx="4185204" cy="4967864"/>
+          </a:xfrm>
+        </p:spPr>
+        <p:txBody>
+          <a:bodyPr>
+            <a:normAutofit/>
+          </a:bodyPr>
+          <a:lstStyle>
+            <a:lvl1pPr algn="l">
+              <a:defRPr/>
+            </a:lvl1pPr>
+            <a:lvl2pPr algn="l">
+              <a:defRPr/>
+            </a:lvl2pPr>
+            <a:lvl3pPr algn="l">
+              <a:defRPr/>
+            </a:lvl3pPr>
+            <a:lvl4pPr algn="l">
+              <a:defRPr/>
+            </a:lvl4pPr>
+            <a:lvl5pPr algn="l">
+              <a:defRPr/>
+            </a:lvl5pPr>
+          </a:lstStyle>
+          <a:p>
+            <a:pPr lvl="0"/>
+            <a:r>
+              <a:rPr lang="en-US"/>
+              <a:t>Click to edit Master text styles</a:t>
+            </a:r>
+          </a:p>
+          <a:p>
+            <a:pPr lvl="1"/>
+            <a:r>
+              <a:rPr lang="en-US"/>
+              <a:t>Second level</a:t>
+            </a:r>
+          </a:p>
+          <a:p>
+            <a:pPr lvl="2"/>
+            <a:r>
+              <a:rPr lang="en-US"/>
+              <a:t>Third level</a:t>
+            </a:r>
+          </a:p>
+          <a:p>
+            <a:pPr lvl="3"/>
+            <a:r>
+              <a:rPr lang="en-US"/>
+              <a:t>Fourth level</a:t>
+            </a:r>
+          </a:p>
+          <a:p>
+            <a:pPr lvl="4"/>
+            <a:r>
+              <a:rPr lang="en-US"/>
+              <a:t>Fifth level</a:t>
+            </a:r>
+            <a:endParaRPr lang="en-US" dirty="0"/>
+          </a:p>
+        </p:txBody>
+      </p:sp>
+      <p:sp>
+        <p:nvSpPr>
+          <p:cNvPr id="4" name="Content Placeholder 3"/>
+          <p:cNvSpPr>
+            <a:spLocks noGrp="1"/>
+          </p:cNvSpPr>
+          <p:nvPr>
+            <p:ph sz="half" idx="2"/>
+          </p:nvPr>
+        </p:nvSpPr>
+        <p:spPr>
+          <a:xfrm>
+            <a:off x="4757752" y="1177439"/>
+            <a:ext cx="4226411" cy="4967864"/>
+          </a:xfrm>
+        </p:spPr>
+        <p:txBody>
+          <a:bodyPr>
+            <a:normAutofit/>
+          </a:bodyPr>
+          <a:lstStyle>
+            <a:lvl1pPr algn="l">
+              <a:defRPr/>
+            </a:lvl1pPr>
+            <a:lvl2pPr algn="l">
+              <a:defRPr/>
+            </a:lvl2pPr>
+            <a:lvl3pPr algn="l">
+              <a:defRPr/>
+            </a:lvl3pPr>
+            <a:lvl4pPr algn="l">
+              <a:defRPr/>
+            </a:lvl4pPr>
+            <a:lvl5pPr algn="l">
+              <a:defRPr/>
+            </a:lvl5pPr>
+          </a:lstStyle>
+          <a:p>
+            <a:pPr lvl="0"/>
+            <a:r>
+              <a:rPr lang="en-US"/>
+              <a:t>Click to edit Master text styles</a:t>
+            </a:r>
+          </a:p>
+          <a:p>
+            <a:pPr lvl="1"/>
+            <a:r>
+              <a:rPr lang="en-US"/>
+              <a:t>Second level</a:t>
+            </a:r>
+          </a:p>
+          <a:p>
+            <a:pPr lvl="2"/>
+            <a:r>
+              <a:rPr lang="en-US"/>
+              <a:t>Third level</a:t>
+            </a:r>
+          </a:p>
+          <a:p>
+            <a:pPr lvl="3"/>
+            <a:r>
+              <a:rPr lang="en-US"/>
+              <a:t>Fourth level</a:t>
+            </a:r>
+          </a:p>
+          <a:p>
+            <a:pPr lvl="4"/>
+            <a:r>
+              <a:rPr lang="en-US"/>
+              <a:t>Fifth level</a:t>
+            </a:r>
+            <a:endParaRPr lang="en-US" dirty="0"/>
+          </a:p>
+        </p:txBody>
+      </p:sp>
+      <p:sp>
+        <p:nvSpPr>
+          <p:cNvPr id="9" name="Footer Placeholder 4">
+            <a:extLst>
+              <a:ext uri="{FF2B5EF4-FFF2-40B4-BE49-F238E27FC236}">
+                <a16:creationId xmlns:a16="http://schemas.microsoft.com/office/drawing/2014/main" id="{593A4B09-24AC-454E-8A0C-D31EDE125503}"/>
+              </a:ext>
+            </a:extLst>
+          </p:cNvPr>
+          <p:cNvSpPr>
+            <a:spLocks noGrp="1"/>
+          </p:cNvSpPr>
+          <p:nvPr>
+            <p:ph type="ftr" sz="quarter" idx="11"/>
+          </p:nvPr>
+        </p:nvSpPr>
+        <p:spPr>
+          <a:xfrm>
+            <a:off x="88409" y="6266485"/>
+            <a:ext cx="4870585" cy="365125"/>
+          </a:xfrm>
+          <a:prstGeom prst="rect">
+            <a:avLst/>
+          </a:prstGeom>
+        </p:spPr>
+        <p:txBody>
+          <a:bodyPr/>
+          <a:lstStyle/>
+          <a:p>
+            <a:r>
+              <a:rPr lang="en-US"/>
+              <a:t>Copyright © 2020 Prime Lessons (primelessons.org) CC-BY-NC-SA.  (Last edit: 12/14/2020)</a:t>
+            </a:r>
+            <a:endParaRPr lang="en-US" dirty="0"/>
+          </a:p>
+        </p:txBody>
+      </p:sp>
+      <p:sp>
+        <p:nvSpPr>
+          <p:cNvPr id="10" name="Slide Number Placeholder 5">
+            <a:extLst>
+              <a:ext uri="{FF2B5EF4-FFF2-40B4-BE49-F238E27FC236}">
+                <a16:creationId xmlns:a16="http://schemas.microsoft.com/office/drawing/2014/main" id="{24EC4D01-901A-4258-A65D-27A4329F0F2D}"/>
+              </a:ext>
+            </a:extLst>
+          </p:cNvPr>
+          <p:cNvSpPr>
+            <a:spLocks noGrp="1"/>
+          </p:cNvSpPr>
+          <p:nvPr>
+            <p:ph type="sldNum" sz="quarter" idx="12"/>
+          </p:nvPr>
+        </p:nvSpPr>
+        <p:spPr>
+          <a:xfrm>
+            <a:off x="8236372" y="6280641"/>
+            <a:ext cx="770468" cy="365125"/>
+          </a:xfrm>
+          <a:prstGeom prst="rect">
+            <a:avLst/>
+          </a:prstGeom>
+        </p:spPr>
+        <p:txBody>
+          <a:bodyPr/>
+          <a:lstStyle/>
+          <a:p>
+            <a:fld id="{BBD74847-7BE4-4E4D-8159-51DF7B93C616}" type="slidenum">
+              <a:rPr lang="en-US" smtClean="0"/>
+              <a:t>‹#›</a:t>
+            </a:fld>
+            <a:endParaRPr lang="en-US"/>
+          </a:p>
+        </p:txBody>
+      </p:sp>
+      <p:cxnSp>
+        <p:nvCxnSpPr>
+          <p:cNvPr id="11" name="Straight Connector 10">
+            <a:extLst>
+              <a:ext uri="{FF2B5EF4-FFF2-40B4-BE49-F238E27FC236}">
+                <a16:creationId xmlns:a16="http://schemas.microsoft.com/office/drawing/2014/main" id="{BE3A7F9C-E99E-44C1-89A0-A6ED28ADCEF0}"/>
+              </a:ext>
+            </a:extLst>
+          </p:cNvPr>
+          <p:cNvCxnSpPr/>
+          <p:nvPr userDrawn="1"/>
+        </p:nvCxnSpPr>
+        <p:spPr>
+          <a:xfrm>
+            <a:off x="175260" y="6316935"/>
+            <a:ext cx="8831580" cy="0"/>
+          </a:xfrm>
+          <a:prstGeom prst="line">
+            <a:avLst/>
+          </a:prstGeom>
+        </p:spPr>
+        <p:style>
+          <a:lnRef idx="1">
+            <a:schemeClr val="dk1"/>
+          </a:lnRef>
+          <a:fillRef idx="0">
+            <a:schemeClr val="dk1"/>
+          </a:fillRef>
+          <a:effectRef idx="0">
+            <a:schemeClr val="dk1"/>
+          </a:effectRef>
+          <a:fontRef idx="minor">
+            <a:schemeClr val="tx1"/>
+          </a:fontRef>
+        </p:style>
+      </p:cxnSp>
+      <p:sp>
+        <p:nvSpPr>
+          <p:cNvPr id="15" name="Rectangle 14">
+            <a:extLst>
+              <a:ext uri="{FF2B5EF4-FFF2-40B4-BE49-F238E27FC236}">
+                <a16:creationId xmlns:a16="http://schemas.microsoft.com/office/drawing/2014/main" id="{8F86C8F5-3CD8-41C6-A6C4-EF53AE7214CB}"/>
+              </a:ext>
+            </a:extLst>
+          </p:cNvPr>
+          <p:cNvSpPr>
+            <a:spLocks noChangeAspect="1"/>
+          </p:cNvSpPr>
+          <p:nvPr userDrawn="1"/>
+        </p:nvSpPr>
+        <p:spPr>
+          <a:xfrm>
+            <a:off x="142200" y="249101"/>
+            <a:ext cx="8831579" cy="840455"/>
+          </a:xfrm>
+          <a:prstGeom prst="rect">
+            <a:avLst/>
+          </a:prstGeom>
+          <a:solidFill>
+            <a:schemeClr val="accent1"/>
+          </a:solidFill>
+          <a:ln>
+            <a:noFill/>
+          </a:ln>
+          <a:effectLst/>
+        </p:spPr>
+        <p:style>
+          <a:lnRef idx="1">
+            <a:schemeClr val="accent1"/>
+          </a:lnRef>
+          <a:fillRef idx="3">
+            <a:schemeClr val="accent1"/>
+          </a:fillRef>
+          <a:effectRef idx="2">
+            <a:schemeClr val="accent1"/>
+          </a:effectRef>
+          <a:fontRef idx="minor">
+            <a:schemeClr val="lt1"/>
+          </a:fontRef>
+        </p:style>
+        <p:txBody>
+          <a:bodyPr/>
+          <a:lstStyle/>
+          <a:p>
+            <a:endParaRPr lang="en-US" dirty="0"/>
+          </a:p>
+        </p:txBody>
+      </p:sp>
+      <p:sp>
+        <p:nvSpPr>
+          <p:cNvPr id="16" name="Title 1">
+            <a:extLst>
+              <a:ext uri="{FF2B5EF4-FFF2-40B4-BE49-F238E27FC236}">
+                <a16:creationId xmlns:a16="http://schemas.microsoft.com/office/drawing/2014/main" id="{389BF07E-558D-420A-943A-465BCC22754A}"/>
+              </a:ext>
+            </a:extLst>
+          </p:cNvPr>
+          <p:cNvSpPr>
+            <a:spLocks noGrp="1"/>
+          </p:cNvSpPr>
+          <p:nvPr>
+            <p:ph type="title"/>
+          </p:nvPr>
+        </p:nvSpPr>
+        <p:spPr>
+          <a:xfrm>
+            <a:off x="175260" y="292975"/>
+            <a:ext cx="8746864" cy="752706"/>
+          </a:xfrm>
+        </p:spPr>
+        <p:txBody>
+          <a:bodyPr anchor="t"/>
+          <a:lstStyle>
+            <a:lvl1pPr>
+              <a:defRPr>
+                <a:solidFill>
+                  <a:schemeClr val="tx1"/>
+                </a:solidFill>
+              </a:defRPr>
+            </a:lvl1pPr>
+          </a:lstStyle>
+          <a:p>
+            <a:r>
+              <a:rPr lang="en-US" dirty="0"/>
+              <a:t>Click to edit Master title style</a:t>
+            </a:r>
+          </a:p>
+        </p:txBody>
+      </p:sp>
+    </p:spTree>
+    <p:extLst>
+      <p:ext uri="{BB962C8B-B14F-4D97-AF65-F5344CB8AC3E}">
+        <p14:creationId xmlns:p14="http://schemas.microsoft.com/office/powerpoint/2010/main" val="2698762354"/>
+      </p:ext>
+    </p:extLst>
+  </p:cSld>
+  <p:clrMapOvr>
+    <a:masterClrMapping/>
+  </p:clrMapOvr>
+</p:sldLayout>
+</file>
+
+<file path=ppt/slideLayouts/slideLayout13.xml><?xml version="1.0" encoding="utf-8"?>
+<p:sldLayout xmlns:a="http://schemas.openxmlformats.org/drawingml/2006/main" xmlns:r="http://schemas.openxmlformats.org/officeDocument/2006/relationships" xmlns:p="http://schemas.openxmlformats.org/presentationml/2006/main" preserve="1" userDrawn="1">
+  <p:cSld name="1_Comparison">
+    <p:spTree>
+      <p:nvGrpSpPr>
+        <p:cNvPr id="1" name=""/>
+        <p:cNvGrpSpPr/>
+        <p:nvPr/>
+      </p:nvGrpSpPr>
+      <p:grpSpPr>
+        <a:xfrm>
+          <a:off x="0" y="0"/>
+          <a:ext cx="0" cy="0"/>
+          <a:chOff x="0" y="0"/>
+          <a:chExt cx="0" cy="0"/>
+        </a:xfrm>
+      </p:grpSpPr>
+      <p:sp>
+        <p:nvSpPr>
+          <p:cNvPr id="3" name="Text Placeholder 2"/>
+          <p:cNvSpPr>
+            <a:spLocks noGrp="1"/>
+          </p:cNvSpPr>
+          <p:nvPr>
+            <p:ph type="body" idx="1"/>
+          </p:nvPr>
+        </p:nvSpPr>
+        <p:spPr>
+          <a:xfrm>
+            <a:off x="887219" y="2228003"/>
+            <a:ext cx="3593500" cy="576262"/>
+          </a:xfrm>
+        </p:spPr>
+        <p:txBody>
+          <a:bodyPr anchor="b">
+            <a:noAutofit/>
+          </a:bodyPr>
+          <a:lstStyle>
+            <a:lvl1pPr marL="0" indent="0">
+              <a:buNone/>
+              <a:defRPr sz="2200" b="0">
+                <a:solidFill>
+                  <a:schemeClr val="accent2"/>
+                </a:solidFill>
+              </a:defRPr>
+            </a:lvl1pPr>
+            <a:lvl2pPr marL="457200" indent="0">
+              <a:buNone/>
+              <a:defRPr sz="2000" b="1"/>
+            </a:lvl2pPr>
+            <a:lvl3pPr marL="914400" indent="0">
+              <a:buNone/>
+              <a:defRPr sz="1800" b="1"/>
+            </a:lvl3pPr>
+            <a:lvl4pPr marL="1371600" indent="0">
+              <a:buNone/>
+              <a:defRPr sz="1600" b="1"/>
+            </a:lvl4pPr>
+            <a:lvl5pPr marL="1828800" indent="0">
+              <a:buNone/>
+              <a:defRPr sz="1600" b="1"/>
+            </a:lvl5pPr>
+            <a:lvl6pPr marL="2286000" indent="0">
+              <a:buNone/>
+              <a:defRPr sz="1600" b="1"/>
+            </a:lvl6pPr>
+            <a:lvl7pPr marL="2743200" indent="0">
+              <a:buNone/>
+              <a:defRPr sz="1600" b="1"/>
+            </a:lvl7pPr>
+            <a:lvl8pPr marL="3200400" indent="0">
+              <a:buNone/>
+              <a:defRPr sz="1600" b="1"/>
+            </a:lvl8pPr>
+            <a:lvl9pPr marL="3657600" indent="0">
+              <a:buNone/>
+              <a:defRPr sz="1600" b="1"/>
+            </a:lvl9pPr>
+          </a:lstStyle>
+          <a:p>
+            <a:pPr lvl="0"/>
+            <a:r>
+              <a:rPr lang="en-US"/>
+              <a:t>Click to edit Master text styles</a:t>
+            </a:r>
+          </a:p>
+        </p:txBody>
+      </p:sp>
+      <p:sp>
+        <p:nvSpPr>
+          <p:cNvPr id="4" name="Content Placeholder 3"/>
+          <p:cNvSpPr>
+            <a:spLocks noGrp="1"/>
+          </p:cNvSpPr>
+          <p:nvPr>
+            <p:ph sz="half" idx="2"/>
+          </p:nvPr>
+        </p:nvSpPr>
+        <p:spPr>
+          <a:xfrm>
+            <a:off x="581192" y="2926051"/>
+            <a:ext cx="3899527" cy="2934999"/>
+          </a:xfrm>
+        </p:spPr>
+        <p:txBody>
+          <a:bodyPr anchor="t">
+            <a:normAutofit/>
+          </a:bodyPr>
+          <a:lstStyle/>
+          <a:p>
+            <a:pPr lvl="0"/>
+            <a:r>
+              <a:rPr lang="en-US"/>
+              <a:t>Click to edit Master text styles</a:t>
+            </a:r>
+          </a:p>
+          <a:p>
+            <a:pPr lvl="1"/>
+            <a:r>
+              <a:rPr lang="en-US"/>
+              <a:t>Second level</a:t>
+            </a:r>
+          </a:p>
+          <a:p>
+            <a:pPr lvl="2"/>
+            <a:r>
+              <a:rPr lang="en-US"/>
+              <a:t>Third level</a:t>
+            </a:r>
+          </a:p>
+          <a:p>
+            <a:pPr lvl="3"/>
+            <a:r>
+              <a:rPr lang="en-US"/>
+              <a:t>Fourth level</a:t>
+            </a:r>
+          </a:p>
+          <a:p>
+            <a:pPr lvl="4"/>
+            <a:r>
+              <a:rPr lang="en-US"/>
+              <a:t>Fifth level</a:t>
+            </a:r>
+            <a:endParaRPr lang="en-US" dirty="0"/>
+          </a:p>
+        </p:txBody>
+      </p:sp>
+      <p:sp>
+        <p:nvSpPr>
+          <p:cNvPr id="5" name="Text Placeholder 4"/>
+          <p:cNvSpPr>
+            <a:spLocks noGrp="1"/>
+          </p:cNvSpPr>
+          <p:nvPr>
+            <p:ph type="body" sz="quarter" idx="3"/>
+          </p:nvPr>
+        </p:nvSpPr>
+        <p:spPr>
+          <a:xfrm>
+            <a:off x="4969308" y="2228003"/>
+            <a:ext cx="3601635" cy="576262"/>
+          </a:xfrm>
+        </p:spPr>
+        <p:txBody>
+          <a:bodyPr anchor="b">
+            <a:noAutofit/>
+          </a:bodyPr>
+          <a:lstStyle>
+            <a:lvl1pPr marL="0" indent="0">
+              <a:buNone/>
+              <a:defRPr sz="2200" b="0">
+                <a:solidFill>
+                  <a:schemeClr val="accent2"/>
+                </a:solidFill>
+              </a:defRPr>
+            </a:lvl1pPr>
+            <a:lvl2pPr marL="457200" indent="0">
+              <a:buNone/>
+              <a:defRPr sz="2000" b="1"/>
+            </a:lvl2pPr>
+            <a:lvl3pPr marL="914400" indent="0">
+              <a:buNone/>
+              <a:defRPr sz="1800" b="1"/>
+            </a:lvl3pPr>
+            <a:lvl4pPr marL="1371600" indent="0">
+              <a:buNone/>
+              <a:defRPr sz="1600" b="1"/>
+            </a:lvl4pPr>
+            <a:lvl5pPr marL="1828800" indent="0">
+              <a:buNone/>
+              <a:defRPr sz="1600" b="1"/>
+            </a:lvl5pPr>
+            <a:lvl6pPr marL="2286000" indent="0">
+              <a:buNone/>
+              <a:defRPr sz="1600" b="1"/>
+            </a:lvl6pPr>
+            <a:lvl7pPr marL="2743200" indent="0">
+              <a:buNone/>
+              <a:defRPr sz="1600" b="1"/>
+            </a:lvl7pPr>
+            <a:lvl8pPr marL="3200400" indent="0">
+              <a:buNone/>
+              <a:defRPr sz="1600" b="1"/>
+            </a:lvl8pPr>
+            <a:lvl9pPr marL="3657600" indent="0">
+              <a:buNone/>
+              <a:defRPr sz="1600" b="1"/>
+            </a:lvl9pPr>
+          </a:lstStyle>
+          <a:p>
+            <a:pPr lvl="0"/>
+            <a:r>
+              <a:rPr lang="en-US"/>
+              <a:t>Click to edit Master text styles</a:t>
+            </a:r>
+          </a:p>
+        </p:txBody>
+      </p:sp>
+      <p:sp>
+        <p:nvSpPr>
+          <p:cNvPr id="6" name="Content Placeholder 5"/>
+          <p:cNvSpPr>
+            <a:spLocks noGrp="1"/>
+          </p:cNvSpPr>
+          <p:nvPr>
+            <p:ph sz="quarter" idx="4"/>
+          </p:nvPr>
+        </p:nvSpPr>
+        <p:spPr>
+          <a:xfrm>
+            <a:off x="4663282" y="2926051"/>
+            <a:ext cx="3907662" cy="2934999"/>
+          </a:xfrm>
+        </p:spPr>
+        <p:txBody>
+          <a:bodyPr anchor="t">
+            <a:normAutofit/>
+          </a:bodyPr>
+          <a:lstStyle/>
+          <a:p>
+            <a:pPr lvl="0"/>
+            <a:r>
+              <a:rPr lang="en-US"/>
+              <a:t>Click to edit Master text styles</a:t>
+            </a:r>
+          </a:p>
+          <a:p>
+            <a:pPr lvl="1"/>
+            <a:r>
+              <a:rPr lang="en-US"/>
+              <a:t>Second level</a:t>
+            </a:r>
+          </a:p>
+          <a:p>
+            <a:pPr lvl="2"/>
+            <a:r>
+              <a:rPr lang="en-US"/>
+              <a:t>Third level</a:t>
+            </a:r>
+          </a:p>
+          <a:p>
+            <a:pPr lvl="3"/>
+            <a:r>
+              <a:rPr lang="en-US"/>
+              <a:t>Fourth level</a:t>
+            </a:r>
+          </a:p>
+          <a:p>
+            <a:pPr lvl="4"/>
+            <a:r>
+              <a:rPr lang="en-US"/>
+              <a:t>Fifth level</a:t>
+            </a:r>
+            <a:endParaRPr lang="en-US" dirty="0"/>
+          </a:p>
+        </p:txBody>
+      </p:sp>
+      <p:sp>
+        <p:nvSpPr>
+          <p:cNvPr id="7" name="Date Placeholder 6"/>
+          <p:cNvSpPr>
+            <a:spLocks noGrp="1"/>
+          </p:cNvSpPr>
+          <p:nvPr>
+            <p:ph type="dt" sz="half" idx="10"/>
+          </p:nvPr>
+        </p:nvSpPr>
+        <p:spPr>
+          <a:xfrm>
+            <a:off x="5559327" y="5956136"/>
+            <a:ext cx="2133600" cy="365125"/>
+          </a:xfrm>
+          <a:prstGeom prst="rect">
+            <a:avLst/>
+          </a:prstGeom>
+        </p:spPr>
+        <p:txBody>
+          <a:bodyPr/>
+          <a:lstStyle/>
+          <a:p>
+            <a:endParaRPr lang="en-US"/>
+          </a:p>
+        </p:txBody>
+      </p:sp>
+      <p:sp>
+        <p:nvSpPr>
+          <p:cNvPr id="8" name="Footer Placeholder 7"/>
+          <p:cNvSpPr>
+            <a:spLocks noGrp="1"/>
+          </p:cNvSpPr>
+          <p:nvPr>
+            <p:ph type="ftr" sz="quarter" idx="11"/>
+          </p:nvPr>
+        </p:nvSpPr>
+        <p:spPr>
+          <a:xfrm>
+            <a:off x="581192" y="5951810"/>
+            <a:ext cx="4870585" cy="365125"/>
+          </a:xfrm>
+          <a:prstGeom prst="rect">
+            <a:avLst/>
+          </a:prstGeom>
+        </p:spPr>
+        <p:txBody>
+          <a:bodyPr/>
+          <a:lstStyle/>
+          <a:p>
+            <a:r>
+              <a:rPr lang="en-US"/>
+              <a:t>Copyright © 2020 Prime Lessons (primelessons.org) CC-BY-NC-SA.  (Last edit: 12/14/2020)</a:t>
+            </a:r>
+            <a:endParaRPr lang="en-US" dirty="0"/>
+          </a:p>
+        </p:txBody>
+      </p:sp>
+      <p:sp>
+        <p:nvSpPr>
+          <p:cNvPr id="9" name="Slide Number Placeholder 8"/>
+          <p:cNvSpPr>
+            <a:spLocks noGrp="1"/>
+          </p:cNvSpPr>
+          <p:nvPr>
+            <p:ph type="sldNum" sz="quarter" idx="12"/>
+          </p:nvPr>
+        </p:nvSpPr>
+        <p:spPr>
+          <a:xfrm>
+            <a:off x="7800476" y="5956136"/>
+            <a:ext cx="770468" cy="365125"/>
+          </a:xfrm>
+          <a:prstGeom prst="rect">
+            <a:avLst/>
+          </a:prstGeom>
+        </p:spPr>
+        <p:txBody>
+          <a:bodyPr/>
+          <a:lstStyle/>
+          <a:p>
+            <a:fld id="{BBD74847-7BE4-4E4D-8159-51DF7B93C616}" type="slidenum">
+              <a:rPr lang="en-US" smtClean="0"/>
+              <a:t>‹#›</a:t>
+            </a:fld>
+            <a:endParaRPr lang="en-US"/>
+          </a:p>
+        </p:txBody>
+      </p:sp>
+      <p:sp>
+        <p:nvSpPr>
+          <p:cNvPr id="14" name="Rectangle 13">
+            <a:extLst>
+              <a:ext uri="{FF2B5EF4-FFF2-40B4-BE49-F238E27FC236}">
+                <a16:creationId xmlns:a16="http://schemas.microsoft.com/office/drawing/2014/main" id="{4E7E6853-34E8-4052-808F-422B5860D591}"/>
+              </a:ext>
+            </a:extLst>
+          </p:cNvPr>
+          <p:cNvSpPr>
+            <a:spLocks noChangeAspect="1"/>
+          </p:cNvSpPr>
+          <p:nvPr userDrawn="1"/>
+        </p:nvSpPr>
+        <p:spPr>
+          <a:xfrm>
+            <a:off x="142200" y="249101"/>
+            <a:ext cx="8831579" cy="840455"/>
+          </a:xfrm>
+          <a:prstGeom prst="rect">
+            <a:avLst/>
+          </a:prstGeom>
+          <a:solidFill>
+            <a:schemeClr val="accent1"/>
+          </a:solidFill>
+          <a:ln>
+            <a:noFill/>
+          </a:ln>
+          <a:effectLst/>
+        </p:spPr>
+        <p:style>
+          <a:lnRef idx="1">
+            <a:schemeClr val="accent1"/>
+          </a:lnRef>
+          <a:fillRef idx="3">
+            <a:schemeClr val="accent1"/>
+          </a:fillRef>
+          <a:effectRef idx="2">
+            <a:schemeClr val="accent1"/>
+          </a:effectRef>
+          <a:fontRef idx="minor">
+            <a:schemeClr val="lt1"/>
+          </a:fontRef>
+        </p:style>
+        <p:txBody>
+          <a:bodyPr/>
+          <a:lstStyle/>
+          <a:p>
+            <a:endParaRPr lang="en-US" dirty="0"/>
+          </a:p>
+        </p:txBody>
+      </p:sp>
+      <p:sp>
+        <p:nvSpPr>
+          <p:cNvPr id="15" name="Title 1">
+            <a:extLst>
+              <a:ext uri="{FF2B5EF4-FFF2-40B4-BE49-F238E27FC236}">
+                <a16:creationId xmlns:a16="http://schemas.microsoft.com/office/drawing/2014/main" id="{0EFA1566-CE68-450F-950A-CED460092EA8}"/>
+              </a:ext>
+            </a:extLst>
+          </p:cNvPr>
+          <p:cNvSpPr>
+            <a:spLocks noGrp="1"/>
+          </p:cNvSpPr>
+          <p:nvPr>
+            <p:ph type="title"/>
+          </p:nvPr>
+        </p:nvSpPr>
+        <p:spPr>
+          <a:xfrm>
+            <a:off x="175260" y="292975"/>
+            <a:ext cx="8746864" cy="752706"/>
+          </a:xfrm>
+        </p:spPr>
+        <p:txBody>
+          <a:bodyPr anchor="t"/>
+          <a:lstStyle>
+            <a:lvl1pPr>
+              <a:defRPr>
+                <a:solidFill>
+                  <a:schemeClr val="tx1"/>
+                </a:solidFill>
+              </a:defRPr>
+            </a:lvl1pPr>
+          </a:lstStyle>
+          <a:p>
+            <a:r>
+              <a:rPr lang="en-US" dirty="0"/>
+              <a:t>Click to edit Master title style</a:t>
+            </a:r>
+          </a:p>
+        </p:txBody>
+      </p:sp>
+    </p:spTree>
+    <p:extLst>
+      <p:ext uri="{BB962C8B-B14F-4D97-AF65-F5344CB8AC3E}">
+        <p14:creationId xmlns:p14="http://schemas.microsoft.com/office/powerpoint/2010/main" val="303082619"/>
+      </p:ext>
+    </p:extLst>
+  </p:cSld>
+  <p:clrMapOvr>
+    <a:masterClrMapping/>
+  </p:clrMapOvr>
+</p:sldLayout>
+</file>
+
+<file path=ppt/slideLayouts/slideLayout14.xml><?xml version="1.0" encoding="utf-8"?>
+<p:sldLayout xmlns:a="http://schemas.openxmlformats.org/drawingml/2006/main" xmlns:r="http://schemas.openxmlformats.org/officeDocument/2006/relationships" xmlns:p="http://schemas.openxmlformats.org/presentationml/2006/main" preserve="1" userDrawn="1">
+  <p:cSld name="1_Title Only">
+    <p:spTree>
+      <p:nvGrpSpPr>
+        <p:cNvPr id="1" name=""/>
+        <p:cNvGrpSpPr/>
+        <p:nvPr/>
+      </p:nvGrpSpPr>
+      <p:grpSpPr>
+        <a:xfrm>
+          <a:off x="0" y="0"/>
+          <a:ext cx="0" cy="0"/>
+          <a:chOff x="0" y="0"/>
+          <a:chExt cx="0" cy="0"/>
+        </a:xfrm>
+      </p:grpSpPr>
+      <p:sp>
+        <p:nvSpPr>
+          <p:cNvPr id="7" name="Footer Placeholder 4">
+            <a:extLst>
+              <a:ext uri="{FF2B5EF4-FFF2-40B4-BE49-F238E27FC236}">
+                <a16:creationId xmlns:a16="http://schemas.microsoft.com/office/drawing/2014/main" id="{42632993-FC7F-42E0-9D01-6C58965FB8BB}"/>
+              </a:ext>
+            </a:extLst>
+          </p:cNvPr>
+          <p:cNvSpPr>
+            <a:spLocks noGrp="1"/>
+          </p:cNvSpPr>
+          <p:nvPr>
+            <p:ph type="ftr" sz="quarter" idx="11"/>
+          </p:nvPr>
+        </p:nvSpPr>
+        <p:spPr>
+          <a:xfrm>
+            <a:off x="88409" y="6266485"/>
+            <a:ext cx="4870585" cy="365125"/>
+          </a:xfrm>
+          <a:prstGeom prst="rect">
+            <a:avLst/>
+          </a:prstGeom>
+        </p:spPr>
+        <p:txBody>
+          <a:bodyPr/>
+          <a:lstStyle/>
+          <a:p>
+            <a:r>
+              <a:rPr lang="en-US"/>
+              <a:t>Copyright © 2020 Prime Lessons (primelessons.org) CC-BY-NC-SA.  (Last edit: 12/14/2020)</a:t>
+            </a:r>
+            <a:endParaRPr lang="en-US" dirty="0"/>
+          </a:p>
+        </p:txBody>
+      </p:sp>
+      <p:sp>
+        <p:nvSpPr>
+          <p:cNvPr id="8" name="Slide Number Placeholder 5">
+            <a:extLst>
+              <a:ext uri="{FF2B5EF4-FFF2-40B4-BE49-F238E27FC236}">
+                <a16:creationId xmlns:a16="http://schemas.microsoft.com/office/drawing/2014/main" id="{57B8D68D-165F-4007-99ED-9807B7E8CBDC}"/>
+              </a:ext>
+            </a:extLst>
+          </p:cNvPr>
+          <p:cNvSpPr>
+            <a:spLocks noGrp="1"/>
+          </p:cNvSpPr>
+          <p:nvPr>
+            <p:ph type="sldNum" sz="quarter" idx="12"/>
+          </p:nvPr>
+        </p:nvSpPr>
+        <p:spPr>
+          <a:xfrm>
+            <a:off x="8236372" y="6280641"/>
+            <a:ext cx="770468" cy="365125"/>
+          </a:xfrm>
+          <a:prstGeom prst="rect">
+            <a:avLst/>
+          </a:prstGeom>
+        </p:spPr>
+        <p:txBody>
+          <a:bodyPr/>
+          <a:lstStyle/>
+          <a:p>
+            <a:fld id="{BBD74847-7BE4-4E4D-8159-51DF7B93C616}" type="slidenum">
+              <a:rPr lang="en-US" smtClean="0"/>
+              <a:t>‹#›</a:t>
+            </a:fld>
+            <a:endParaRPr lang="en-US"/>
+          </a:p>
+        </p:txBody>
+      </p:sp>
+      <p:cxnSp>
+        <p:nvCxnSpPr>
+          <p:cNvPr id="9" name="Straight Connector 8">
+            <a:extLst>
+              <a:ext uri="{FF2B5EF4-FFF2-40B4-BE49-F238E27FC236}">
+                <a16:creationId xmlns:a16="http://schemas.microsoft.com/office/drawing/2014/main" id="{72068E05-BA91-41C0-82CA-8F2AD35C67E8}"/>
+              </a:ext>
+            </a:extLst>
+          </p:cNvPr>
+          <p:cNvCxnSpPr/>
+          <p:nvPr userDrawn="1"/>
+        </p:nvCxnSpPr>
+        <p:spPr>
+          <a:xfrm>
+            <a:off x="175260" y="6316935"/>
+            <a:ext cx="8831580" cy="0"/>
+          </a:xfrm>
+          <a:prstGeom prst="line">
+            <a:avLst/>
+          </a:prstGeom>
+        </p:spPr>
+        <p:style>
+          <a:lnRef idx="1">
+            <a:schemeClr val="dk1"/>
+          </a:lnRef>
+          <a:fillRef idx="0">
+            <a:schemeClr val="dk1"/>
+          </a:fillRef>
+          <a:effectRef idx="0">
+            <a:schemeClr val="dk1"/>
+          </a:effectRef>
+          <a:fontRef idx="minor">
+            <a:schemeClr val="tx1"/>
+          </a:fontRef>
+        </p:style>
+      </p:cxnSp>
+      <p:sp>
+        <p:nvSpPr>
+          <p:cNvPr id="13" name="Rectangle 12">
+            <a:extLst>
+              <a:ext uri="{FF2B5EF4-FFF2-40B4-BE49-F238E27FC236}">
+                <a16:creationId xmlns:a16="http://schemas.microsoft.com/office/drawing/2014/main" id="{B2971BF8-D77B-4814-931D-48F5EB38C3C1}"/>
+              </a:ext>
+            </a:extLst>
+          </p:cNvPr>
+          <p:cNvSpPr>
+            <a:spLocks noChangeAspect="1"/>
+          </p:cNvSpPr>
+          <p:nvPr userDrawn="1"/>
+        </p:nvSpPr>
+        <p:spPr>
+          <a:xfrm>
+            <a:off x="142200" y="249101"/>
+            <a:ext cx="8831579" cy="840455"/>
+          </a:xfrm>
+          <a:prstGeom prst="rect">
+            <a:avLst/>
+          </a:prstGeom>
+          <a:solidFill>
+            <a:schemeClr val="accent1"/>
+          </a:solidFill>
+          <a:ln>
+            <a:noFill/>
+          </a:ln>
+          <a:effectLst/>
+        </p:spPr>
+        <p:style>
+          <a:lnRef idx="1">
+            <a:schemeClr val="accent1"/>
+          </a:lnRef>
+          <a:fillRef idx="3">
+            <a:schemeClr val="accent1"/>
+          </a:fillRef>
+          <a:effectRef idx="2">
+            <a:schemeClr val="accent1"/>
+          </a:effectRef>
+          <a:fontRef idx="minor">
+            <a:schemeClr val="lt1"/>
+          </a:fontRef>
+        </p:style>
+        <p:txBody>
+          <a:bodyPr/>
+          <a:lstStyle/>
+          <a:p>
+            <a:endParaRPr lang="en-US" dirty="0"/>
+          </a:p>
+        </p:txBody>
+      </p:sp>
+      <p:sp>
+        <p:nvSpPr>
+          <p:cNvPr id="14" name="Title 1">
+            <a:extLst>
+              <a:ext uri="{FF2B5EF4-FFF2-40B4-BE49-F238E27FC236}">
+                <a16:creationId xmlns:a16="http://schemas.microsoft.com/office/drawing/2014/main" id="{37D59584-71E8-443A-AF13-6C99AD60823A}"/>
+              </a:ext>
+            </a:extLst>
+          </p:cNvPr>
+          <p:cNvSpPr>
+            <a:spLocks noGrp="1"/>
+          </p:cNvSpPr>
+          <p:nvPr>
+            <p:ph type="title"/>
+          </p:nvPr>
+        </p:nvSpPr>
+        <p:spPr>
+          <a:xfrm>
+            <a:off x="175260" y="292975"/>
+            <a:ext cx="8746864" cy="752706"/>
+          </a:xfrm>
+        </p:spPr>
+        <p:txBody>
+          <a:bodyPr anchor="t"/>
+          <a:lstStyle>
+            <a:lvl1pPr>
+              <a:defRPr>
+                <a:solidFill>
+                  <a:schemeClr val="tx1"/>
+                </a:solidFill>
+              </a:defRPr>
+            </a:lvl1pPr>
+          </a:lstStyle>
+          <a:p>
+            <a:r>
+              <a:rPr lang="en-US" dirty="0"/>
+              <a:t>Click to edit Master title style</a:t>
+            </a:r>
+          </a:p>
+        </p:txBody>
+      </p:sp>
+    </p:spTree>
+    <p:extLst>
+      <p:ext uri="{BB962C8B-B14F-4D97-AF65-F5344CB8AC3E}">
+        <p14:creationId xmlns:p14="http://schemas.microsoft.com/office/powerpoint/2010/main" val="997795342"/>
+      </p:ext>
+    </p:extLst>
+  </p:cSld>
+  <p:clrMapOvr>
+    <a:masterClrMapping/>
+  </p:clrMapOvr>
+</p:sldLayout>
+</file>
+
+<file path=ppt/slideLayouts/slideLayout15.xml><?xml version="1.0" encoding="utf-8"?>
+<p:sldLayout xmlns:a="http://schemas.openxmlformats.org/drawingml/2006/main" xmlns:r="http://schemas.openxmlformats.org/officeDocument/2006/relationships" xmlns:p="http://schemas.openxmlformats.org/presentationml/2006/main" preserve="1" userDrawn="1">
+  <p:cSld name="1_Blank">
+    <p:spTree>
+      <p:nvGrpSpPr>
+        <p:cNvPr id="1" name=""/>
+        <p:cNvGrpSpPr/>
+        <p:nvPr/>
+      </p:nvGrpSpPr>
+      <p:grpSpPr>
+        <a:xfrm>
+          <a:off x="0" y="0"/>
+          <a:ext cx="0" cy="0"/>
+          <a:chOff x="0" y="0"/>
+          <a:chExt cx="0" cy="0"/>
+        </a:xfrm>
+      </p:grpSpPr>
+      <p:sp>
+        <p:nvSpPr>
+          <p:cNvPr id="8" name="Rectangle 7">
+            <a:extLst>
+              <a:ext uri="{FF2B5EF4-FFF2-40B4-BE49-F238E27FC236}">
+                <a16:creationId xmlns:a16="http://schemas.microsoft.com/office/drawing/2014/main" id="{8DE18750-3B08-429F-A276-D977DF7F7295}"/>
+              </a:ext>
+            </a:extLst>
+          </p:cNvPr>
+          <p:cNvSpPr>
+            <a:spLocks noChangeAspect="1"/>
+          </p:cNvSpPr>
+          <p:nvPr userDrawn="1"/>
+        </p:nvSpPr>
+        <p:spPr>
+          <a:xfrm>
+            <a:off x="142200" y="249101"/>
+            <a:ext cx="8831579" cy="840455"/>
+          </a:xfrm>
+          <a:prstGeom prst="rect">
+            <a:avLst/>
+          </a:prstGeom>
+          <a:solidFill>
+            <a:schemeClr val="accent1"/>
+          </a:solidFill>
+          <a:ln>
+            <a:noFill/>
+          </a:ln>
+          <a:effectLst/>
+        </p:spPr>
+        <p:style>
+          <a:lnRef idx="1">
+            <a:schemeClr val="accent1"/>
+          </a:lnRef>
+          <a:fillRef idx="3">
+            <a:schemeClr val="accent1"/>
+          </a:fillRef>
+          <a:effectRef idx="2">
+            <a:schemeClr val="accent1"/>
+          </a:effectRef>
+          <a:fontRef idx="minor">
+            <a:schemeClr val="lt1"/>
+          </a:fontRef>
+        </p:style>
+        <p:txBody>
+          <a:bodyPr/>
+          <a:lstStyle/>
+          <a:p>
+            <a:endParaRPr lang="en-US" dirty="0"/>
+          </a:p>
+        </p:txBody>
+      </p:sp>
+      <p:sp>
+        <p:nvSpPr>
+          <p:cNvPr id="9" name="Title 1">
+            <a:extLst>
+              <a:ext uri="{FF2B5EF4-FFF2-40B4-BE49-F238E27FC236}">
+                <a16:creationId xmlns:a16="http://schemas.microsoft.com/office/drawing/2014/main" id="{09B12976-4243-42C3-AD82-8647817437DB}"/>
+              </a:ext>
+            </a:extLst>
+          </p:cNvPr>
+          <p:cNvSpPr>
+            <a:spLocks noGrp="1"/>
+          </p:cNvSpPr>
+          <p:nvPr>
+            <p:ph type="title"/>
+          </p:nvPr>
+        </p:nvSpPr>
+        <p:spPr>
+          <a:xfrm>
+            <a:off x="175260" y="292975"/>
+            <a:ext cx="8746864" cy="752706"/>
+          </a:xfrm>
+        </p:spPr>
+        <p:txBody>
+          <a:bodyPr anchor="t"/>
+          <a:lstStyle>
+            <a:lvl1pPr>
+              <a:defRPr>
+                <a:solidFill>
+                  <a:schemeClr val="tx1"/>
+                </a:solidFill>
+              </a:defRPr>
+            </a:lvl1pPr>
+          </a:lstStyle>
+          <a:p>
+            <a:r>
+              <a:rPr lang="en-US" dirty="0"/>
+              <a:t>Click to edit Master title style</a:t>
+            </a:r>
+          </a:p>
+        </p:txBody>
+      </p:sp>
+      <p:sp>
+        <p:nvSpPr>
+          <p:cNvPr id="10" name="Slide Number Placeholder 5">
+            <a:extLst>
+              <a:ext uri="{FF2B5EF4-FFF2-40B4-BE49-F238E27FC236}">
+                <a16:creationId xmlns:a16="http://schemas.microsoft.com/office/drawing/2014/main" id="{AB5BF95A-3885-4491-876B-4C99D444A819}"/>
+              </a:ext>
+            </a:extLst>
+          </p:cNvPr>
+          <p:cNvSpPr>
+            <a:spLocks noGrp="1"/>
+          </p:cNvSpPr>
+          <p:nvPr>
+            <p:ph type="sldNum" sz="quarter" idx="12"/>
+          </p:nvPr>
+        </p:nvSpPr>
+        <p:spPr>
+          <a:xfrm>
+            <a:off x="8236372" y="6280641"/>
+            <a:ext cx="770468" cy="365125"/>
+          </a:xfrm>
+          <a:prstGeom prst="rect">
+            <a:avLst/>
+          </a:prstGeom>
+        </p:spPr>
+        <p:txBody>
+          <a:bodyPr/>
+          <a:lstStyle/>
+          <a:p>
+            <a:fld id="{BBD74847-7BE4-4E4D-8159-51DF7B93C616}" type="slidenum">
+              <a:rPr lang="en-US" smtClean="0"/>
+              <a:t>‹#›</a:t>
+            </a:fld>
+            <a:endParaRPr lang="en-US"/>
+          </a:p>
+        </p:txBody>
+      </p:sp>
+      <p:cxnSp>
+        <p:nvCxnSpPr>
+          <p:cNvPr id="11" name="Straight Connector 10">
+            <a:extLst>
+              <a:ext uri="{FF2B5EF4-FFF2-40B4-BE49-F238E27FC236}">
+                <a16:creationId xmlns:a16="http://schemas.microsoft.com/office/drawing/2014/main" id="{A625C0E0-87AD-4A9A-8CC2-D51E549C54AC}"/>
+              </a:ext>
+            </a:extLst>
+          </p:cNvPr>
+          <p:cNvCxnSpPr/>
+          <p:nvPr userDrawn="1"/>
+        </p:nvCxnSpPr>
+        <p:spPr>
+          <a:xfrm>
+            <a:off x="175260" y="6316935"/>
+            <a:ext cx="8831580" cy="0"/>
+          </a:xfrm>
+          <a:prstGeom prst="line">
+            <a:avLst/>
+          </a:prstGeom>
+        </p:spPr>
+        <p:style>
+          <a:lnRef idx="1">
+            <a:schemeClr val="dk1"/>
+          </a:lnRef>
+          <a:fillRef idx="0">
+            <a:schemeClr val="dk1"/>
+          </a:fillRef>
+          <a:effectRef idx="0">
+            <a:schemeClr val="dk1"/>
+          </a:effectRef>
+          <a:fontRef idx="minor">
+            <a:schemeClr val="tx1"/>
+          </a:fontRef>
+        </p:style>
+      </p:cxnSp>
+      <p:sp>
+        <p:nvSpPr>
+          <p:cNvPr id="12" name="Footer Placeholder 4">
+            <a:extLst>
+              <a:ext uri="{FF2B5EF4-FFF2-40B4-BE49-F238E27FC236}">
+                <a16:creationId xmlns:a16="http://schemas.microsoft.com/office/drawing/2014/main" id="{957F6DEB-B3FE-4632-A871-23BAA7FEADD1}"/>
+              </a:ext>
+            </a:extLst>
+          </p:cNvPr>
+          <p:cNvSpPr>
+            <a:spLocks noGrp="1"/>
+          </p:cNvSpPr>
+          <p:nvPr>
+            <p:ph type="ftr" sz="quarter" idx="11"/>
+          </p:nvPr>
+        </p:nvSpPr>
+        <p:spPr>
+          <a:xfrm>
+            <a:off x="88409" y="6266485"/>
+            <a:ext cx="4870585" cy="365125"/>
+          </a:xfrm>
+          <a:prstGeom prst="rect">
+            <a:avLst/>
+          </a:prstGeom>
+        </p:spPr>
+        <p:txBody>
+          <a:bodyPr/>
+          <a:lstStyle/>
+          <a:p>
+            <a:r>
+              <a:rPr lang="en-US"/>
+              <a:t>Copyright © 2020 Prime Lessons (primelessons.org) CC-BY-NC-SA.  (Last edit: 12/14/2020)</a:t>
+            </a:r>
+            <a:endParaRPr lang="en-US" dirty="0"/>
+          </a:p>
+        </p:txBody>
+      </p:sp>
+    </p:spTree>
+    <p:extLst>
+      <p:ext uri="{BB962C8B-B14F-4D97-AF65-F5344CB8AC3E}">
+        <p14:creationId xmlns:p14="http://schemas.microsoft.com/office/powerpoint/2010/main" val="2961518194"/>
       </p:ext>
     </p:extLst>
   </p:cSld>
@@ -9800,9 +11208,10 @@
           </a:lstStyle>
           <a:p>
             <a:r>
-              <a:rPr lang="en-US" dirty="0"/>
+              <a:rPr lang="en-US"/>
               <a:t>Click to edit Master title style</a:t>
             </a:r>
+            <a:endParaRPr lang="en-US" dirty="0"/>
           </a:p>
         </p:txBody>
       </p:sp>
@@ -9828,37 +11237,38 @@
           <a:p>
             <a:pPr lvl="0"/>
             <a:r>
-              <a:rPr lang="en-US" dirty="0"/>
+              <a:rPr lang="en-US"/>
               <a:t>Click to edit Master text styles</a:t>
             </a:r>
           </a:p>
           <a:p>
             <a:pPr lvl="1"/>
             <a:r>
-              <a:rPr lang="en-US" dirty="0"/>
+              <a:rPr lang="en-US"/>
               <a:t>Second level</a:t>
             </a:r>
           </a:p>
           <a:p>
             <a:pPr lvl="2"/>
             <a:r>
-              <a:rPr lang="en-US" dirty="0"/>
+              <a:rPr lang="en-US"/>
               <a:t>Third level</a:t>
             </a:r>
           </a:p>
           <a:p>
             <a:pPr lvl="3"/>
             <a:r>
-              <a:rPr lang="en-US" dirty="0"/>
+              <a:rPr lang="en-US"/>
               <a:t>Fourth level</a:t>
             </a:r>
           </a:p>
           <a:p>
             <a:pPr lvl="4"/>
             <a:r>
-              <a:rPr lang="en-US" dirty="0"/>
+              <a:rPr lang="en-US"/>
               <a:t>Fifth level</a:t>
             </a:r>
+            <a:endParaRPr lang="en-US" dirty="0"/>
           </a:p>
         </p:txBody>
       </p:sp>
@@ -9874,7 +11284,7 @@
         </p:nvSpPr>
         <p:spPr>
           <a:xfrm>
-            <a:off x="88409" y="6321349"/>
+            <a:off x="88409" y="6320275"/>
             <a:ext cx="4870585" cy="365125"/>
           </a:xfrm>
           <a:prstGeom prst="rect">
@@ -9891,7 +11301,7 @@
           <a:p>
             <a:r>
               <a:rPr lang="en-US"/>
-              <a:t>© 2020 FLLTutorials, Last edit 05/25/2020</a:t>
+              <a:t>Copyright © 2020 Prime Lessons (primelessons.org) CC-BY-NC-SA.  (Last edit: 12/14/2020)</a:t>
             </a:r>
             <a:endParaRPr lang="en-US" dirty="0"/>
           </a:p>
@@ -9909,7 +11319,7 @@
         </p:nvSpPr>
         <p:spPr>
           <a:xfrm>
-            <a:off x="8236372" y="6317217"/>
+            <a:off x="8236372" y="6316501"/>
             <a:ext cx="770468" cy="365125"/>
           </a:xfrm>
           <a:prstGeom prst="rect">
@@ -9934,6 +11344,42 @@
             <a:extLst>
               <a:ext uri="{FF2B5EF4-FFF2-40B4-BE49-F238E27FC236}">
                 <a16:creationId xmlns:a16="http://schemas.microsoft.com/office/drawing/2014/main" id="{D59C872A-C57F-4B1F-AFD0-FDF125C3C485}"/>
+              </a:ext>
+            </a:extLst>
+          </p:cNvPr>
+          <p:cNvCxnSpPr/>
+          <p:nvPr/>
+        </p:nvCxnSpPr>
+        <p:spPr>
+          <a:xfrm>
+            <a:off x="175260" y="6316935"/>
+            <a:ext cx="8831580" cy="0"/>
+          </a:xfrm>
+          <a:prstGeom prst="line">
+            <a:avLst/>
+          </a:prstGeom>
+        </p:spPr>
+        <p:style>
+          <a:lnRef idx="1">
+            <a:schemeClr val="dk1"/>
+          </a:lnRef>
+          <a:fillRef idx="0">
+            <a:schemeClr val="dk1"/>
+          </a:fillRef>
+          <a:effectRef idx="0">
+            <a:schemeClr val="dk1"/>
+          </a:effectRef>
+          <a:fontRef idx="minor">
+            <a:schemeClr val="tx1"/>
+          </a:fontRef>
+        </p:style>
+      </p:cxnSp>
+      <p:cxnSp>
+        <p:nvCxnSpPr>
+          <p:cNvPr id="8" name="Straight Connector 7">
+            <a:extLst>
+              <a:ext uri="{FF2B5EF4-FFF2-40B4-BE49-F238E27FC236}">
+                <a16:creationId xmlns:a16="http://schemas.microsoft.com/office/drawing/2014/main" id="{21C703BE-A8AF-4441-B60B-B277B0EBD576}"/>
               </a:ext>
             </a:extLst>
           </p:cNvPr>
@@ -9967,7 +11413,7 @@
     </p:spTree>
     <p:extLst>
       <p:ext uri="{BB962C8B-B14F-4D97-AF65-F5344CB8AC3E}">
-        <p14:creationId xmlns:p14="http://schemas.microsoft.com/office/powerpoint/2010/main" val="1690037162"/>
+        <p14:creationId xmlns:p14="http://schemas.microsoft.com/office/powerpoint/2010/main" val="3259608584"/>
       </p:ext>
     </p:extLst>
   </p:cSld>
@@ -10264,7 +11710,7 @@
           <a:p>
             <a:r>
               <a:rPr lang="en-US"/>
-              <a:t>© 2020 FLLTutorials, Last edit 05/25/2020</a:t>
+              <a:t>Copyright © 2020 Prime Lessons (primelessons.org) CC-BY-NC-SA.  (Last edit: 12/14/2020)</a:t>
             </a:r>
             <a:endParaRPr lang="en-US" dirty="0"/>
           </a:p>
@@ -10318,6 +11764,166 @@
             <a:extLst>
               <a:ext uri="{FF2B5EF4-FFF2-40B4-BE49-F238E27FC236}">
                 <a16:creationId xmlns:a16="http://schemas.microsoft.com/office/drawing/2014/main" id="{A9F621E0-AEE7-4799-81EB-EB99ED60C8DF}"/>
+              </a:ext>
+            </a:extLst>
+          </p:cNvPr>
+          <p:cNvSpPr>
+            <a:spLocks noChangeAspect="1"/>
+          </p:cNvSpPr>
+          <p:nvPr/>
+        </p:nvSpPr>
+        <p:spPr>
+          <a:xfrm>
+            <a:off x="142200" y="249101"/>
+            <a:ext cx="8831579" cy="840455"/>
+          </a:xfrm>
+          <a:prstGeom prst="rect">
+            <a:avLst/>
+          </a:prstGeom>
+          <a:solidFill>
+            <a:schemeClr val="accent1"/>
+          </a:solidFill>
+          <a:ln>
+            <a:noFill/>
+          </a:ln>
+          <a:effectLst/>
+        </p:spPr>
+        <p:style>
+          <a:lnRef idx="1">
+            <a:schemeClr val="accent1"/>
+          </a:lnRef>
+          <a:fillRef idx="3">
+            <a:schemeClr val="accent1"/>
+          </a:fillRef>
+          <a:effectRef idx="2">
+            <a:schemeClr val="accent1"/>
+          </a:effectRef>
+          <a:fontRef idx="minor">
+            <a:schemeClr val="lt1"/>
+          </a:fontRef>
+        </p:style>
+        <p:txBody>
+          <a:bodyPr/>
+          <a:lstStyle/>
+          <a:p>
+            <a:endParaRPr lang="en-US" dirty="0"/>
+          </a:p>
+        </p:txBody>
+      </p:sp>
+      <p:sp>
+        <p:nvSpPr>
+          <p:cNvPr id="12" name="Title 1">
+            <a:extLst>
+              <a:ext uri="{FF2B5EF4-FFF2-40B4-BE49-F238E27FC236}">
+                <a16:creationId xmlns:a16="http://schemas.microsoft.com/office/drawing/2014/main" id="{B40FAB25-E17C-4189-8846-137BC28A1EB3}"/>
+              </a:ext>
+            </a:extLst>
+          </p:cNvPr>
+          <p:cNvSpPr txBox="1">
+            <a:spLocks/>
+          </p:cNvSpPr>
+          <p:nvPr/>
+        </p:nvSpPr>
+        <p:spPr>
+          <a:xfrm>
+            <a:off x="175260" y="292975"/>
+            <a:ext cx="8746864" cy="752706"/>
+          </a:xfrm>
+          <a:prstGeom prst="rect">
+            <a:avLst/>
+          </a:prstGeom>
+        </p:spPr>
+        <p:txBody>
+          <a:bodyPr vert="horz" lIns="91440" tIns="45720" rIns="91440" bIns="45720" rtlCol="0" anchor="t">
+            <a:normAutofit/>
+          </a:bodyPr>
+          <a:lstStyle>
+            <a:lvl1pPr algn="l" defTabSz="457200" rtl="0" eaLnBrk="1" latinLnBrk="0" hangingPunct="1">
+              <a:spcBef>
+                <a:spcPct val="0"/>
+              </a:spcBef>
+              <a:buNone/>
+              <a:defRPr sz="2800" b="0" kern="1200" cap="all">
+                <a:solidFill>
+                  <a:schemeClr val="tx1"/>
+                </a:solidFill>
+                <a:latin typeface="+mj-lt"/>
+                <a:ea typeface="+mj-ea"/>
+                <a:cs typeface="+mj-cs"/>
+              </a:defRPr>
+            </a:lvl1pPr>
+            <a:lvl2pPr eaLnBrk="1" hangingPunct="1">
+              <a:defRPr>
+                <a:solidFill>
+                  <a:schemeClr val="tx2"/>
+                </a:solidFill>
+              </a:defRPr>
+            </a:lvl2pPr>
+            <a:lvl3pPr eaLnBrk="1" hangingPunct="1">
+              <a:defRPr>
+                <a:solidFill>
+                  <a:schemeClr val="tx2"/>
+                </a:solidFill>
+              </a:defRPr>
+            </a:lvl3pPr>
+            <a:lvl4pPr eaLnBrk="1" hangingPunct="1">
+              <a:defRPr>
+                <a:solidFill>
+                  <a:schemeClr val="tx2"/>
+                </a:solidFill>
+              </a:defRPr>
+            </a:lvl4pPr>
+            <a:lvl5pPr eaLnBrk="1" hangingPunct="1">
+              <a:defRPr>
+                <a:solidFill>
+                  <a:schemeClr val="tx2"/>
+                </a:solidFill>
+              </a:defRPr>
+            </a:lvl5pPr>
+            <a:lvl6pPr eaLnBrk="1" hangingPunct="1">
+              <a:defRPr>
+                <a:solidFill>
+                  <a:schemeClr val="tx2"/>
+                </a:solidFill>
+              </a:defRPr>
+            </a:lvl6pPr>
+            <a:lvl7pPr eaLnBrk="1" hangingPunct="1">
+              <a:defRPr>
+                <a:solidFill>
+                  <a:schemeClr val="tx2"/>
+                </a:solidFill>
+              </a:defRPr>
+            </a:lvl7pPr>
+            <a:lvl8pPr eaLnBrk="1" hangingPunct="1">
+              <a:defRPr>
+                <a:solidFill>
+                  <a:schemeClr val="tx2"/>
+                </a:solidFill>
+              </a:defRPr>
+            </a:lvl8pPr>
+            <a:lvl9pPr eaLnBrk="1" hangingPunct="1">
+              <a:defRPr>
+                <a:solidFill>
+                  <a:schemeClr val="tx2"/>
+                </a:solidFill>
+              </a:defRPr>
+            </a:lvl9pPr>
+          </a:lstStyle>
+          <a:p>
+            <a:r>
+              <a:rPr lang="en-US"/>
+              <a:t>Click to edit Master title style</a:t>
+            </a:r>
+            <a:endParaRPr lang="en-US" dirty="0"/>
+          </a:p>
+        </p:txBody>
+      </p:sp>
+      <p:sp>
+        <p:nvSpPr>
+          <p:cNvPr id="10" name="Rectangle 9">
+            <a:extLst>
+              <a:ext uri="{FF2B5EF4-FFF2-40B4-BE49-F238E27FC236}">
+                <a16:creationId xmlns:a16="http://schemas.microsoft.com/office/drawing/2014/main" id="{FEFDED35-D76A-F241-A584-B31944FD45F7}"/>
               </a:ext>
             </a:extLst>
           </p:cNvPr>
@@ -10366,10 +11972,10 @@
       </p:sp>
       <p:sp>
         <p:nvSpPr>
-          <p:cNvPr id="12" name="Title 1">
+          <p:cNvPr id="13" name="Title 1">
             <a:extLst>
               <a:ext uri="{FF2B5EF4-FFF2-40B4-BE49-F238E27FC236}">
-                <a16:creationId xmlns:a16="http://schemas.microsoft.com/office/drawing/2014/main" id="{B40FAB25-E17C-4189-8846-137BC28A1EB3}"/>
+                <a16:creationId xmlns:a16="http://schemas.microsoft.com/office/drawing/2014/main" id="{81040B83-5FE9-954F-8058-FD4BA8FBE248}"/>
               </a:ext>
             </a:extLst>
           </p:cNvPr>
@@ -10475,7 +12081,7 @@
     </p:spTree>
     <p:extLst>
       <p:ext uri="{BB962C8B-B14F-4D97-AF65-F5344CB8AC3E}">
-        <p14:creationId xmlns:p14="http://schemas.microsoft.com/office/powerpoint/2010/main" val="709269958"/>
+        <p14:creationId xmlns:p14="http://schemas.microsoft.com/office/powerpoint/2010/main" val="2423158456"/>
       </p:ext>
     </p:extLst>
   </p:cSld>
@@ -10486,7 +12092,7 @@
 </file>
 
 <file path=ppt/slideLayouts/slideLayout4.xml><?xml version="1.0" encoding="utf-8"?>
-<p:sldLayout xmlns:a="http://schemas.openxmlformats.org/drawingml/2006/main" xmlns:r="http://schemas.openxmlformats.org/officeDocument/2006/relationships" xmlns:p="http://schemas.openxmlformats.org/presentationml/2006/main" preserve="1" userDrawn="1">
+<p:sldLayout xmlns:a="http://schemas.openxmlformats.org/drawingml/2006/main" xmlns:r="http://schemas.openxmlformats.org/officeDocument/2006/relationships" xmlns:p="http://schemas.openxmlformats.org/presentationml/2006/main" preserve="1">
   <p:cSld name="Two Content">
     <p:spTree>
       <p:nvGrpSpPr>
@@ -10683,7 +12289,7 @@
           <a:p>
             <a:r>
               <a:rPr lang="en-US"/>
-              <a:t>© 2020 FLLTutorials, Last edit 05/25/2020</a:t>
+              <a:t>Copyright © 2020 Prime Lessons (primelessons.org) CC-BY-NC-SA.  (Last edit: 12/14/2020)</a:t>
             </a:r>
             <a:endParaRPr lang="en-US" dirty="0"/>
           </a:p>
@@ -10732,6 +12338,136 @@
             <a:extLst>
               <a:ext uri="{FF2B5EF4-FFF2-40B4-BE49-F238E27FC236}">
                 <a16:creationId xmlns:a16="http://schemas.microsoft.com/office/drawing/2014/main" id="{BE3A7F9C-E99E-44C1-89A0-A6ED28ADCEF0}"/>
+              </a:ext>
+            </a:extLst>
+          </p:cNvPr>
+          <p:cNvCxnSpPr/>
+          <p:nvPr/>
+        </p:nvCxnSpPr>
+        <p:spPr>
+          <a:xfrm>
+            <a:off x="175260" y="6316935"/>
+            <a:ext cx="8831580" cy="0"/>
+          </a:xfrm>
+          <a:prstGeom prst="line">
+            <a:avLst/>
+          </a:prstGeom>
+        </p:spPr>
+        <p:style>
+          <a:lnRef idx="1">
+            <a:schemeClr val="dk1"/>
+          </a:lnRef>
+          <a:fillRef idx="0">
+            <a:schemeClr val="dk1"/>
+          </a:fillRef>
+          <a:effectRef idx="0">
+            <a:schemeClr val="dk1"/>
+          </a:effectRef>
+          <a:fontRef idx="minor">
+            <a:schemeClr val="tx1"/>
+          </a:fontRef>
+        </p:style>
+      </p:cxnSp>
+      <p:sp>
+        <p:nvSpPr>
+          <p:cNvPr id="15" name="Rectangle 14">
+            <a:extLst>
+              <a:ext uri="{FF2B5EF4-FFF2-40B4-BE49-F238E27FC236}">
+                <a16:creationId xmlns:a16="http://schemas.microsoft.com/office/drawing/2014/main" id="{8F86C8F5-3CD8-41C6-A6C4-EF53AE7214CB}"/>
+              </a:ext>
+            </a:extLst>
+          </p:cNvPr>
+          <p:cNvSpPr>
+            <a:spLocks noChangeAspect="1"/>
+          </p:cNvSpPr>
+          <p:nvPr/>
+        </p:nvSpPr>
+        <p:spPr>
+          <a:xfrm>
+            <a:off x="142200" y="249101"/>
+            <a:ext cx="8831579" cy="840455"/>
+          </a:xfrm>
+          <a:prstGeom prst="rect">
+            <a:avLst/>
+          </a:prstGeom>
+          <a:solidFill>
+            <a:schemeClr val="accent1"/>
+          </a:solidFill>
+          <a:ln>
+            <a:noFill/>
+          </a:ln>
+          <a:effectLst/>
+        </p:spPr>
+        <p:style>
+          <a:lnRef idx="1">
+            <a:schemeClr val="accent1"/>
+          </a:lnRef>
+          <a:fillRef idx="3">
+            <a:schemeClr val="accent1"/>
+          </a:fillRef>
+          <a:effectRef idx="2">
+            <a:schemeClr val="accent1"/>
+          </a:effectRef>
+          <a:fontRef idx="minor">
+            <a:schemeClr val="lt1"/>
+          </a:fontRef>
+        </p:style>
+        <p:txBody>
+          <a:bodyPr/>
+          <a:lstStyle/>
+          <a:p>
+            <a:endParaRPr lang="en-US" dirty="0"/>
+          </a:p>
+        </p:txBody>
+      </p:sp>
+      <p:sp>
+        <p:nvSpPr>
+          <p:cNvPr id="16" name="Title 1">
+            <a:extLst>
+              <a:ext uri="{FF2B5EF4-FFF2-40B4-BE49-F238E27FC236}">
+                <a16:creationId xmlns:a16="http://schemas.microsoft.com/office/drawing/2014/main" id="{389BF07E-558D-420A-943A-465BCC22754A}"/>
+              </a:ext>
+            </a:extLst>
+          </p:cNvPr>
+          <p:cNvSpPr>
+            <a:spLocks noGrp="1"/>
+          </p:cNvSpPr>
+          <p:nvPr>
+            <p:ph type="title"/>
+          </p:nvPr>
+        </p:nvSpPr>
+        <p:spPr>
+          <a:xfrm>
+            <a:off x="175260" y="292975"/>
+            <a:ext cx="8746864" cy="752706"/>
+          </a:xfrm>
+        </p:spPr>
+        <p:txBody>
+          <a:bodyPr anchor="t"/>
+          <a:lstStyle>
+            <a:lvl1pPr>
+              <a:defRPr>
+                <a:solidFill>
+                  <a:schemeClr val="tx1"/>
+                </a:solidFill>
+              </a:defRPr>
+            </a:lvl1pPr>
+          </a:lstStyle>
+          <a:p>
+            <a:r>
+              <a:rPr lang="en-US"/>
+              <a:t>Click to edit Master title style</a:t>
+            </a:r>
+            <a:endParaRPr lang="en-US" dirty="0"/>
+          </a:p>
+        </p:txBody>
+      </p:sp>
+      <p:cxnSp>
+        <p:nvCxnSpPr>
+          <p:cNvPr id="12" name="Straight Connector 11">
+            <a:extLst>
+              <a:ext uri="{FF2B5EF4-FFF2-40B4-BE49-F238E27FC236}">
+                <a16:creationId xmlns:a16="http://schemas.microsoft.com/office/drawing/2014/main" id="{3E85B05B-D42F-214B-B383-27DFC9D58DBC}"/>
               </a:ext>
             </a:extLst>
           </p:cNvPr>
@@ -10764,10 +12500,10 @@
       </p:cxnSp>
       <p:sp>
         <p:nvSpPr>
-          <p:cNvPr id="15" name="Rectangle 14">
+          <p:cNvPr id="13" name="Rectangle 12">
             <a:extLst>
               <a:ext uri="{FF2B5EF4-FFF2-40B4-BE49-F238E27FC236}">
-                <a16:creationId xmlns:a16="http://schemas.microsoft.com/office/drawing/2014/main" id="{8F86C8F5-3CD8-41C6-A6C4-EF53AE7214CB}"/>
+                <a16:creationId xmlns:a16="http://schemas.microsoft.com/office/drawing/2014/main" id="{9C0119B9-CF58-4A44-80BD-4DBB17B16DDF}"/>
               </a:ext>
             </a:extLst>
           </p:cNvPr>
@@ -10814,51 +12550,10 @@
           </a:p>
         </p:txBody>
       </p:sp>
-      <p:sp>
-        <p:nvSpPr>
-          <p:cNvPr id="16" name="Title 1">
-            <a:extLst>
-              <a:ext uri="{FF2B5EF4-FFF2-40B4-BE49-F238E27FC236}">
-                <a16:creationId xmlns:a16="http://schemas.microsoft.com/office/drawing/2014/main" id="{389BF07E-558D-420A-943A-465BCC22754A}"/>
-              </a:ext>
-            </a:extLst>
-          </p:cNvPr>
-          <p:cNvSpPr>
-            <a:spLocks noGrp="1"/>
-          </p:cNvSpPr>
-          <p:nvPr>
-            <p:ph type="title"/>
-          </p:nvPr>
-        </p:nvSpPr>
-        <p:spPr>
-          <a:xfrm>
-            <a:off x="175260" y="292975"/>
-            <a:ext cx="8746864" cy="752706"/>
-          </a:xfrm>
-        </p:spPr>
-        <p:txBody>
-          <a:bodyPr anchor="t"/>
-          <a:lstStyle>
-            <a:lvl1pPr>
-              <a:defRPr>
-                <a:solidFill>
-                  <a:schemeClr val="tx1"/>
-                </a:solidFill>
-              </a:defRPr>
-            </a:lvl1pPr>
-          </a:lstStyle>
-          <a:p>
-            <a:r>
-              <a:rPr lang="en-US" dirty="0"/>
-              <a:t>Click to edit Master title style</a:t>
-            </a:r>
-          </a:p>
-        </p:txBody>
-      </p:sp>
     </p:spTree>
     <p:extLst>
       <p:ext uri="{BB962C8B-B14F-4D97-AF65-F5344CB8AC3E}">
-        <p14:creationId xmlns:p14="http://schemas.microsoft.com/office/powerpoint/2010/main" val="2698762354"/>
+        <p14:creationId xmlns:p14="http://schemas.microsoft.com/office/powerpoint/2010/main" val="2391581679"/>
       </p:ext>
     </p:extLst>
   </p:cSld>
@@ -10869,7 +12564,7 @@
 </file>
 
 <file path=ppt/slideLayouts/slideLayout5.xml><?xml version="1.0" encoding="utf-8"?>
-<p:sldLayout xmlns:a="http://schemas.openxmlformats.org/drawingml/2006/main" xmlns:r="http://schemas.openxmlformats.org/officeDocument/2006/relationships" xmlns:p="http://schemas.openxmlformats.org/presentationml/2006/main" preserve="1" userDrawn="1">
+<p:sldLayout xmlns:a="http://schemas.openxmlformats.org/drawingml/2006/main" xmlns:r="http://schemas.openxmlformats.org/officeDocument/2006/relationships" xmlns:p="http://schemas.openxmlformats.org/presentationml/2006/main" preserve="1">
   <p:cSld name="Comparison">
     <p:spTree>
       <p:nvGrpSpPr>
@@ -11197,7 +12892,7 @@
           <a:p>
             <a:r>
               <a:rPr lang="en-US"/>
-              <a:t>© 2020 FLLTutorials, Last edit 05/25/2020</a:t>
+              <a:t>Copyright © 2020 Prime Lessons (primelessons.org) CC-BY-NC-SA.  (Last edit: 12/14/2020)</a:t>
             </a:r>
             <a:endParaRPr lang="en-US" dirty="0"/>
           </a:p>
@@ -11240,6 +12935,100 @@
             <a:extLst>
               <a:ext uri="{FF2B5EF4-FFF2-40B4-BE49-F238E27FC236}">
                 <a16:creationId xmlns:a16="http://schemas.microsoft.com/office/drawing/2014/main" id="{4E7E6853-34E8-4052-808F-422B5860D591}"/>
+              </a:ext>
+            </a:extLst>
+          </p:cNvPr>
+          <p:cNvSpPr>
+            <a:spLocks noChangeAspect="1"/>
+          </p:cNvSpPr>
+          <p:nvPr/>
+        </p:nvSpPr>
+        <p:spPr>
+          <a:xfrm>
+            <a:off x="142200" y="249101"/>
+            <a:ext cx="8831579" cy="840455"/>
+          </a:xfrm>
+          <a:prstGeom prst="rect">
+            <a:avLst/>
+          </a:prstGeom>
+          <a:solidFill>
+            <a:schemeClr val="accent1"/>
+          </a:solidFill>
+          <a:ln>
+            <a:noFill/>
+          </a:ln>
+          <a:effectLst/>
+        </p:spPr>
+        <p:style>
+          <a:lnRef idx="1">
+            <a:schemeClr val="accent1"/>
+          </a:lnRef>
+          <a:fillRef idx="3">
+            <a:schemeClr val="accent1"/>
+          </a:fillRef>
+          <a:effectRef idx="2">
+            <a:schemeClr val="accent1"/>
+          </a:effectRef>
+          <a:fontRef idx="minor">
+            <a:schemeClr val="lt1"/>
+          </a:fontRef>
+        </p:style>
+        <p:txBody>
+          <a:bodyPr/>
+          <a:lstStyle/>
+          <a:p>
+            <a:endParaRPr lang="en-US" dirty="0"/>
+          </a:p>
+        </p:txBody>
+      </p:sp>
+      <p:sp>
+        <p:nvSpPr>
+          <p:cNvPr id="15" name="Title 1">
+            <a:extLst>
+              <a:ext uri="{FF2B5EF4-FFF2-40B4-BE49-F238E27FC236}">
+                <a16:creationId xmlns:a16="http://schemas.microsoft.com/office/drawing/2014/main" id="{0EFA1566-CE68-450F-950A-CED460092EA8}"/>
+              </a:ext>
+            </a:extLst>
+          </p:cNvPr>
+          <p:cNvSpPr>
+            <a:spLocks noGrp="1"/>
+          </p:cNvSpPr>
+          <p:nvPr>
+            <p:ph type="title"/>
+          </p:nvPr>
+        </p:nvSpPr>
+        <p:spPr>
+          <a:xfrm>
+            <a:off x="175260" y="292975"/>
+            <a:ext cx="8746864" cy="752706"/>
+          </a:xfrm>
+        </p:spPr>
+        <p:txBody>
+          <a:bodyPr anchor="t"/>
+          <a:lstStyle>
+            <a:lvl1pPr>
+              <a:defRPr>
+                <a:solidFill>
+                  <a:schemeClr val="tx1"/>
+                </a:solidFill>
+              </a:defRPr>
+            </a:lvl1pPr>
+          </a:lstStyle>
+          <a:p>
+            <a:r>
+              <a:rPr lang="en-US"/>
+              <a:t>Click to edit Master title style</a:t>
+            </a:r>
+            <a:endParaRPr lang="en-US" dirty="0"/>
+          </a:p>
+        </p:txBody>
+      </p:sp>
+      <p:sp>
+        <p:nvSpPr>
+          <p:cNvPr id="11" name="Rectangle 10">
+            <a:extLst>
+              <a:ext uri="{FF2B5EF4-FFF2-40B4-BE49-F238E27FC236}">
+                <a16:creationId xmlns:a16="http://schemas.microsoft.com/office/drawing/2014/main" id="{F4F0B7D1-8467-6D4F-93ED-281DD6E27CE7}"/>
               </a:ext>
             </a:extLst>
           </p:cNvPr>
@@ -11286,51 +13075,10 @@
           </a:p>
         </p:txBody>
       </p:sp>
-      <p:sp>
-        <p:nvSpPr>
-          <p:cNvPr id="15" name="Title 1">
-            <a:extLst>
-              <a:ext uri="{FF2B5EF4-FFF2-40B4-BE49-F238E27FC236}">
-                <a16:creationId xmlns:a16="http://schemas.microsoft.com/office/drawing/2014/main" id="{0EFA1566-CE68-450F-950A-CED460092EA8}"/>
-              </a:ext>
-            </a:extLst>
-          </p:cNvPr>
-          <p:cNvSpPr>
-            <a:spLocks noGrp="1"/>
-          </p:cNvSpPr>
-          <p:nvPr>
-            <p:ph type="title"/>
-          </p:nvPr>
-        </p:nvSpPr>
-        <p:spPr>
-          <a:xfrm>
-            <a:off x="175260" y="292975"/>
-            <a:ext cx="8746864" cy="752706"/>
-          </a:xfrm>
-        </p:spPr>
-        <p:txBody>
-          <a:bodyPr anchor="t"/>
-          <a:lstStyle>
-            <a:lvl1pPr>
-              <a:defRPr>
-                <a:solidFill>
-                  <a:schemeClr val="tx1"/>
-                </a:solidFill>
-              </a:defRPr>
-            </a:lvl1pPr>
-          </a:lstStyle>
-          <a:p>
-            <a:r>
-              <a:rPr lang="en-US" dirty="0"/>
-              <a:t>Click to edit Master title style</a:t>
-            </a:r>
-          </a:p>
-        </p:txBody>
-      </p:sp>
     </p:spTree>
     <p:extLst>
       <p:ext uri="{BB962C8B-B14F-4D97-AF65-F5344CB8AC3E}">
-        <p14:creationId xmlns:p14="http://schemas.microsoft.com/office/powerpoint/2010/main" val="303082619"/>
+        <p14:creationId xmlns:p14="http://schemas.microsoft.com/office/powerpoint/2010/main" val="2328710995"/>
       </p:ext>
     </p:extLst>
   </p:cSld>
@@ -11341,7 +13089,7 @@
 </file>
 
 <file path=ppt/slideLayouts/slideLayout6.xml><?xml version="1.0" encoding="utf-8"?>
-<p:sldLayout xmlns:a="http://schemas.openxmlformats.org/drawingml/2006/main" xmlns:r="http://schemas.openxmlformats.org/officeDocument/2006/relationships" xmlns:p="http://schemas.openxmlformats.org/presentationml/2006/main" preserve="1" userDrawn="1">
+<p:sldLayout xmlns:a="http://schemas.openxmlformats.org/drawingml/2006/main" xmlns:r="http://schemas.openxmlformats.org/officeDocument/2006/relationships" xmlns:p="http://schemas.openxmlformats.org/presentationml/2006/main" preserve="1">
   <p:cSld name="Title Only">
     <p:spTree>
       <p:nvGrpSpPr>
@@ -11388,7 +13136,7 @@
           <a:p>
             <a:r>
               <a:rPr lang="en-US"/>
-              <a:t>© 2020 FLLTutorials, Last edit 05/25/2020</a:t>
+              <a:t>Copyright © 2020 Prime Lessons (primelessons.org) CC-BY-NC-SA.  (Last edit: 12/14/2020)</a:t>
             </a:r>
             <a:endParaRPr lang="en-US" dirty="0"/>
           </a:p>
@@ -11437,6 +13185,136 @@
             <a:extLst>
               <a:ext uri="{FF2B5EF4-FFF2-40B4-BE49-F238E27FC236}">
                 <a16:creationId xmlns:a16="http://schemas.microsoft.com/office/drawing/2014/main" id="{72068E05-BA91-41C0-82CA-8F2AD35C67E8}"/>
+              </a:ext>
+            </a:extLst>
+          </p:cNvPr>
+          <p:cNvCxnSpPr/>
+          <p:nvPr/>
+        </p:nvCxnSpPr>
+        <p:spPr>
+          <a:xfrm>
+            <a:off x="175260" y="6316935"/>
+            <a:ext cx="8831580" cy="0"/>
+          </a:xfrm>
+          <a:prstGeom prst="line">
+            <a:avLst/>
+          </a:prstGeom>
+        </p:spPr>
+        <p:style>
+          <a:lnRef idx="1">
+            <a:schemeClr val="dk1"/>
+          </a:lnRef>
+          <a:fillRef idx="0">
+            <a:schemeClr val="dk1"/>
+          </a:fillRef>
+          <a:effectRef idx="0">
+            <a:schemeClr val="dk1"/>
+          </a:effectRef>
+          <a:fontRef idx="minor">
+            <a:schemeClr val="tx1"/>
+          </a:fontRef>
+        </p:style>
+      </p:cxnSp>
+      <p:sp>
+        <p:nvSpPr>
+          <p:cNvPr id="13" name="Rectangle 12">
+            <a:extLst>
+              <a:ext uri="{FF2B5EF4-FFF2-40B4-BE49-F238E27FC236}">
+                <a16:creationId xmlns:a16="http://schemas.microsoft.com/office/drawing/2014/main" id="{B2971BF8-D77B-4814-931D-48F5EB38C3C1}"/>
+              </a:ext>
+            </a:extLst>
+          </p:cNvPr>
+          <p:cNvSpPr>
+            <a:spLocks noChangeAspect="1"/>
+          </p:cNvSpPr>
+          <p:nvPr/>
+        </p:nvSpPr>
+        <p:spPr>
+          <a:xfrm>
+            <a:off x="142200" y="249101"/>
+            <a:ext cx="8831579" cy="840455"/>
+          </a:xfrm>
+          <a:prstGeom prst="rect">
+            <a:avLst/>
+          </a:prstGeom>
+          <a:solidFill>
+            <a:schemeClr val="accent1"/>
+          </a:solidFill>
+          <a:ln>
+            <a:noFill/>
+          </a:ln>
+          <a:effectLst/>
+        </p:spPr>
+        <p:style>
+          <a:lnRef idx="1">
+            <a:schemeClr val="accent1"/>
+          </a:lnRef>
+          <a:fillRef idx="3">
+            <a:schemeClr val="accent1"/>
+          </a:fillRef>
+          <a:effectRef idx="2">
+            <a:schemeClr val="accent1"/>
+          </a:effectRef>
+          <a:fontRef idx="minor">
+            <a:schemeClr val="lt1"/>
+          </a:fontRef>
+        </p:style>
+        <p:txBody>
+          <a:bodyPr/>
+          <a:lstStyle/>
+          <a:p>
+            <a:endParaRPr lang="en-US" dirty="0"/>
+          </a:p>
+        </p:txBody>
+      </p:sp>
+      <p:sp>
+        <p:nvSpPr>
+          <p:cNvPr id="14" name="Title 1">
+            <a:extLst>
+              <a:ext uri="{FF2B5EF4-FFF2-40B4-BE49-F238E27FC236}">
+                <a16:creationId xmlns:a16="http://schemas.microsoft.com/office/drawing/2014/main" id="{37D59584-71E8-443A-AF13-6C99AD60823A}"/>
+              </a:ext>
+            </a:extLst>
+          </p:cNvPr>
+          <p:cNvSpPr>
+            <a:spLocks noGrp="1"/>
+          </p:cNvSpPr>
+          <p:nvPr>
+            <p:ph type="title"/>
+          </p:nvPr>
+        </p:nvSpPr>
+        <p:spPr>
+          <a:xfrm>
+            <a:off x="175260" y="292975"/>
+            <a:ext cx="8746864" cy="752706"/>
+          </a:xfrm>
+        </p:spPr>
+        <p:txBody>
+          <a:bodyPr anchor="t"/>
+          <a:lstStyle>
+            <a:lvl1pPr>
+              <a:defRPr>
+                <a:solidFill>
+                  <a:schemeClr val="tx1"/>
+                </a:solidFill>
+              </a:defRPr>
+            </a:lvl1pPr>
+          </a:lstStyle>
+          <a:p>
+            <a:r>
+              <a:rPr lang="en-US"/>
+              <a:t>Click to edit Master title style</a:t>
+            </a:r>
+            <a:endParaRPr lang="en-US" dirty="0"/>
+          </a:p>
+        </p:txBody>
+      </p:sp>
+      <p:cxnSp>
+        <p:nvCxnSpPr>
+          <p:cNvPr id="10" name="Straight Connector 9">
+            <a:extLst>
+              <a:ext uri="{FF2B5EF4-FFF2-40B4-BE49-F238E27FC236}">
+                <a16:creationId xmlns:a16="http://schemas.microsoft.com/office/drawing/2014/main" id="{D930EE71-5DA7-9A44-9E01-5FBE38EC6894}"/>
               </a:ext>
             </a:extLst>
           </p:cNvPr>
@@ -11469,10 +13347,10 @@
       </p:cxnSp>
       <p:sp>
         <p:nvSpPr>
-          <p:cNvPr id="13" name="Rectangle 12">
+          <p:cNvPr id="11" name="Rectangle 10">
             <a:extLst>
               <a:ext uri="{FF2B5EF4-FFF2-40B4-BE49-F238E27FC236}">
-                <a16:creationId xmlns:a16="http://schemas.microsoft.com/office/drawing/2014/main" id="{B2971BF8-D77B-4814-931D-48F5EB38C3C1}"/>
+                <a16:creationId xmlns:a16="http://schemas.microsoft.com/office/drawing/2014/main" id="{0478F305-2596-3A4A-AA51-04CF0A2454CD}"/>
               </a:ext>
             </a:extLst>
           </p:cNvPr>
@@ -11519,51 +13397,10 @@
           </a:p>
         </p:txBody>
       </p:sp>
-      <p:sp>
-        <p:nvSpPr>
-          <p:cNvPr id="14" name="Title 1">
-            <a:extLst>
-              <a:ext uri="{FF2B5EF4-FFF2-40B4-BE49-F238E27FC236}">
-                <a16:creationId xmlns:a16="http://schemas.microsoft.com/office/drawing/2014/main" id="{37D59584-71E8-443A-AF13-6C99AD60823A}"/>
-              </a:ext>
-            </a:extLst>
-          </p:cNvPr>
-          <p:cNvSpPr>
-            <a:spLocks noGrp="1"/>
-          </p:cNvSpPr>
-          <p:nvPr>
-            <p:ph type="title"/>
-          </p:nvPr>
-        </p:nvSpPr>
-        <p:spPr>
-          <a:xfrm>
-            <a:off x="175260" y="292975"/>
-            <a:ext cx="8746864" cy="752706"/>
-          </a:xfrm>
-        </p:spPr>
-        <p:txBody>
-          <a:bodyPr anchor="t"/>
-          <a:lstStyle>
-            <a:lvl1pPr>
-              <a:defRPr>
-                <a:solidFill>
-                  <a:schemeClr val="tx1"/>
-                </a:solidFill>
-              </a:defRPr>
-            </a:lvl1pPr>
-          </a:lstStyle>
-          <a:p>
-            <a:r>
-              <a:rPr lang="en-US" dirty="0"/>
-              <a:t>Click to edit Master title style</a:t>
-            </a:r>
-          </a:p>
-        </p:txBody>
-      </p:sp>
     </p:spTree>
     <p:extLst>
       <p:ext uri="{BB962C8B-B14F-4D97-AF65-F5344CB8AC3E}">
-        <p14:creationId xmlns:p14="http://schemas.microsoft.com/office/powerpoint/2010/main" val="997795342"/>
+        <p14:creationId xmlns:p14="http://schemas.microsoft.com/office/powerpoint/2010/main" val="1189653500"/>
       </p:ext>
     </p:extLst>
   </p:cSld>
@@ -11574,7 +13411,7 @@
 </file>
 
 <file path=ppt/slideLayouts/slideLayout7.xml><?xml version="1.0" encoding="utf-8"?>
-<p:sldLayout xmlns:a="http://schemas.openxmlformats.org/drawingml/2006/main" xmlns:r="http://schemas.openxmlformats.org/officeDocument/2006/relationships" xmlns:p="http://schemas.openxmlformats.org/presentationml/2006/main" preserve="1" userDrawn="1">
+<p:sldLayout xmlns:a="http://schemas.openxmlformats.org/drawingml/2006/main" xmlns:r="http://schemas.openxmlformats.org/officeDocument/2006/relationships" xmlns:p="http://schemas.openxmlformats.org/presentationml/2006/main" preserve="1">
   <p:cSld name="Blank">
     <p:spTree>
       <p:nvGrpSpPr>
@@ -11602,7 +13439,7 @@
           <p:cNvSpPr>
             <a:spLocks noChangeAspect="1"/>
           </p:cNvSpPr>
-          <p:nvPr userDrawn="1"/>
+          <p:nvPr/>
         </p:nvSpPr>
         <p:spPr>
           <a:xfrm>
@@ -11677,9 +13514,10 @@
           </a:lstStyle>
           <a:p>
             <a:r>
-              <a:rPr lang="en-US" dirty="0"/>
+              <a:rPr lang="en-US"/>
               <a:t>Click to edit Master title style</a:t>
             </a:r>
+            <a:endParaRPr lang="en-US" dirty="0"/>
           </a:p>
         </p:txBody>
       </p:sp>
@@ -11730,7 +13568,7 @@
             </a:extLst>
           </p:cNvPr>
           <p:cNvCxnSpPr/>
-          <p:nvPr userDrawn="1"/>
+          <p:nvPr/>
         </p:nvCxnSpPr>
         <p:spPr>
           <a:xfrm>
@@ -11787,16 +13625,104 @@
           <a:p>
             <a:r>
               <a:rPr lang="en-US"/>
-              <a:t>© 2020 FLLTutorials, Last edit 05/25/2020</a:t>
+              <a:t>Copyright © 2020 Prime Lessons (primelessons.org) CC-BY-NC-SA.  (Last edit: 12/14/2020)</a:t>
             </a:r>
             <a:endParaRPr lang="en-US" dirty="0"/>
           </a:p>
         </p:txBody>
       </p:sp>
+      <p:sp>
+        <p:nvSpPr>
+          <p:cNvPr id="7" name="Rectangle 6">
+            <a:extLst>
+              <a:ext uri="{FF2B5EF4-FFF2-40B4-BE49-F238E27FC236}">
+                <a16:creationId xmlns:a16="http://schemas.microsoft.com/office/drawing/2014/main" id="{88359123-22FE-184F-B72F-C1CD63156ABE}"/>
+              </a:ext>
+            </a:extLst>
+          </p:cNvPr>
+          <p:cNvSpPr>
+            <a:spLocks noChangeAspect="1"/>
+          </p:cNvSpPr>
+          <p:nvPr userDrawn="1"/>
+        </p:nvSpPr>
+        <p:spPr>
+          <a:xfrm>
+            <a:off x="142200" y="249101"/>
+            <a:ext cx="8831579" cy="840455"/>
+          </a:xfrm>
+          <a:prstGeom prst="rect">
+            <a:avLst/>
+          </a:prstGeom>
+          <a:solidFill>
+            <a:schemeClr val="accent1"/>
+          </a:solidFill>
+          <a:ln>
+            <a:noFill/>
+          </a:ln>
+          <a:effectLst/>
+        </p:spPr>
+        <p:style>
+          <a:lnRef idx="1">
+            <a:schemeClr val="accent1"/>
+          </a:lnRef>
+          <a:fillRef idx="3">
+            <a:schemeClr val="accent1"/>
+          </a:fillRef>
+          <a:effectRef idx="2">
+            <a:schemeClr val="accent1"/>
+          </a:effectRef>
+          <a:fontRef idx="minor">
+            <a:schemeClr val="lt1"/>
+          </a:fontRef>
+        </p:style>
+        <p:txBody>
+          <a:bodyPr/>
+          <a:lstStyle/>
+          <a:p>
+            <a:endParaRPr lang="en-US" dirty="0"/>
+          </a:p>
+        </p:txBody>
+      </p:sp>
+      <p:cxnSp>
+        <p:nvCxnSpPr>
+          <p:cNvPr id="13" name="Straight Connector 12">
+            <a:extLst>
+              <a:ext uri="{FF2B5EF4-FFF2-40B4-BE49-F238E27FC236}">
+                <a16:creationId xmlns:a16="http://schemas.microsoft.com/office/drawing/2014/main" id="{74A7D337-968D-8843-A212-0CAD8574A243}"/>
+              </a:ext>
+            </a:extLst>
+          </p:cNvPr>
+          <p:cNvCxnSpPr/>
+          <p:nvPr userDrawn="1"/>
+        </p:nvCxnSpPr>
+        <p:spPr>
+          <a:xfrm>
+            <a:off x="175260" y="6316935"/>
+            <a:ext cx="8831580" cy="0"/>
+          </a:xfrm>
+          <a:prstGeom prst="line">
+            <a:avLst/>
+          </a:prstGeom>
+        </p:spPr>
+        <p:style>
+          <a:lnRef idx="1">
+            <a:schemeClr val="dk1"/>
+          </a:lnRef>
+          <a:fillRef idx="0">
+            <a:schemeClr val="dk1"/>
+          </a:fillRef>
+          <a:effectRef idx="0">
+            <a:schemeClr val="dk1"/>
+          </a:effectRef>
+          <a:fontRef idx="minor">
+            <a:schemeClr val="tx1"/>
+          </a:fontRef>
+        </p:style>
+      </p:cxnSp>
     </p:spTree>
     <p:extLst>
       <p:ext uri="{BB962C8B-B14F-4D97-AF65-F5344CB8AC3E}">
-        <p14:creationId xmlns:p14="http://schemas.microsoft.com/office/powerpoint/2010/main" val="2961518194"/>
+        <p14:creationId xmlns:p14="http://schemas.microsoft.com/office/powerpoint/2010/main" val="4115016242"/>
       </p:ext>
     </p:extLst>
   </p:cSld>
@@ -12169,7 +14095,7 @@
           <a:p>
             <a:r>
               <a:rPr lang="en-US"/>
-              <a:t>© 2020 FLLTutorials, Last edit 05/25/2020</a:t>
+              <a:t>Copyright © 2020 Prime Lessons (primelessons.org) CC-BY-NC-SA.  (Last edit: 12/14/2020)</a:t>
             </a:r>
           </a:p>
         </p:txBody>
@@ -12219,7 +14145,7 @@
     </p:spTree>
     <p:extLst>
       <p:ext uri="{BB962C8B-B14F-4D97-AF65-F5344CB8AC3E}">
-        <p14:creationId xmlns:p14="http://schemas.microsoft.com/office/powerpoint/2010/main" val="4019911693"/>
+        <p14:creationId xmlns:p14="http://schemas.microsoft.com/office/powerpoint/2010/main" val="2768116918"/>
       </p:ext>
     </p:extLst>
   </p:cSld>
@@ -12470,7 +14396,7 @@
           <a:p>
             <a:r>
               <a:rPr lang="en-US"/>
-              <a:t>© 2020 FLLTutorials, Last edit 05/25/2020</a:t>
+              <a:t>Copyright © 2020 Prime Lessons (primelessons.org) CC-BY-NC-SA.  (Last edit: 12/14/2020)</a:t>
             </a:r>
             <a:endParaRPr lang="en-US" dirty="0"/>
           </a:p>
@@ -12510,7 +14436,7 @@
     </p:spTree>
     <p:extLst>
       <p:ext uri="{BB962C8B-B14F-4D97-AF65-F5344CB8AC3E}">
-        <p14:creationId xmlns:p14="http://schemas.microsoft.com/office/powerpoint/2010/main" val="2749694223"/>
+        <p14:creationId xmlns:p14="http://schemas.microsoft.com/office/powerpoint/2010/main" val="1338198604"/>
       </p:ext>
     </p:extLst>
   </p:cSld>
@@ -12568,9 +14494,10 @@
           <a:lstStyle/>
           <a:p>
             <a:r>
-              <a:rPr lang="en-US" dirty="0"/>
+              <a:rPr lang="en-US"/>
               <a:t>Click to edit Master title style</a:t>
             </a:r>
+            <a:endParaRPr lang="en-US" dirty="0"/>
           </a:p>
         </p:txBody>
       </p:sp>
@@ -12601,37 +14528,38 @@
           <a:p>
             <a:pPr lvl="0"/>
             <a:r>
-              <a:rPr lang="en-US" dirty="0"/>
+              <a:rPr lang="en-US"/>
               <a:t>Click to edit Master text styles</a:t>
             </a:r>
           </a:p>
           <a:p>
             <a:pPr lvl="1"/>
             <a:r>
-              <a:rPr lang="en-US" dirty="0"/>
+              <a:rPr lang="en-US"/>
               <a:t>Second level</a:t>
             </a:r>
           </a:p>
           <a:p>
             <a:pPr lvl="2"/>
             <a:r>
-              <a:rPr lang="en-US" dirty="0"/>
+              <a:rPr lang="en-US"/>
               <a:t>Third level</a:t>
             </a:r>
           </a:p>
           <a:p>
             <a:pPr lvl="3"/>
             <a:r>
-              <a:rPr lang="en-US" dirty="0"/>
+              <a:rPr lang="en-US"/>
               <a:t>Fourth level</a:t>
             </a:r>
           </a:p>
           <a:p>
             <a:pPr lvl="4"/>
             <a:r>
-              <a:rPr lang="en-US" dirty="0"/>
+              <a:rPr lang="en-US"/>
               <a:t>Fifth level</a:t>
             </a:r>
+            <a:endParaRPr lang="en-US" dirty="0"/>
           </a:p>
         </p:txBody>
       </p:sp>
@@ -12650,7 +14578,7 @@
             <a:avLst/>
           </a:prstGeom>
           <a:solidFill>
-            <a:srgbClr val="65D7FF"/>
+            <a:schemeClr val="tx1"/>
           </a:solidFill>
           <a:ln>
             <a:noFill/>
@@ -12694,7 +14622,7 @@
             <a:avLst/>
           </a:prstGeom>
           <a:solidFill>
-            <a:srgbClr val="FFD500"/>
+            <a:srgbClr val="0EAE9F"/>
           </a:solidFill>
           <a:ln>
             <a:noFill/>
@@ -12731,7 +14659,7 @@
             <a:avLst/>
           </a:prstGeom>
           <a:solidFill>
-            <a:srgbClr val="961BDB"/>
+            <a:srgbClr val="FFD500"/>
           </a:solidFill>
           <a:ln>
             <a:noFill/>
@@ -12772,7 +14700,7 @@
         <p:spPr>
           <a:xfrm>
             <a:off x="88409" y="6266485"/>
-            <a:ext cx="4870585" cy="365125"/>
+            <a:ext cx="7599835" cy="365125"/>
           </a:xfrm>
           <a:prstGeom prst="rect">
             <a:avLst/>
@@ -12788,7 +14716,7 @@
           <a:p>
             <a:r>
               <a:rPr lang="en-US"/>
-              <a:t>© 2020 FLLTutorials, Last edit 05/25/2020</a:t>
+              <a:t>Copyright © 2020 Prime Lessons (primelessons.org) CC-BY-NC-SA.  (Last edit: 12/14/2020)</a:t>
             </a:r>
             <a:endParaRPr lang="en-US" dirty="0"/>
           </a:p>
@@ -12846,6 +14774,42 @@
             </a:extLst>
           </p:cNvPr>
           <p:cNvCxnSpPr/>
+          <p:nvPr/>
+        </p:nvCxnSpPr>
+        <p:spPr>
+          <a:xfrm>
+            <a:off x="175260" y="6316935"/>
+            <a:ext cx="8831580" cy="0"/>
+          </a:xfrm>
+          <a:prstGeom prst="line">
+            <a:avLst/>
+          </a:prstGeom>
+        </p:spPr>
+        <p:style>
+          <a:lnRef idx="1">
+            <a:schemeClr val="dk1"/>
+          </a:lnRef>
+          <a:fillRef idx="0">
+            <a:schemeClr val="dk1"/>
+          </a:fillRef>
+          <a:effectRef idx="0">
+            <a:schemeClr val="dk1"/>
+          </a:effectRef>
+          <a:fontRef idx="minor">
+            <a:schemeClr val="tx1"/>
+          </a:fontRef>
+        </p:style>
+      </p:cxnSp>
+      <p:cxnSp>
+        <p:nvCxnSpPr>
+          <p:cNvPr id="15" name="Straight Connector 14">
+            <a:extLst>
+              <a:ext uri="{FF2B5EF4-FFF2-40B4-BE49-F238E27FC236}">
+                <a16:creationId xmlns:a16="http://schemas.microsoft.com/office/drawing/2014/main" id="{039AE665-3020-034F-9170-128BA7C9DF3C}"/>
+              </a:ext>
+            </a:extLst>
+          </p:cNvPr>
+          <p:cNvCxnSpPr/>
           <p:nvPr userDrawn="1"/>
         </p:nvCxnSpPr>
         <p:spPr>
@@ -12875,23 +14839,27 @@
     </p:spTree>
     <p:extLst>
       <p:ext uri="{BB962C8B-B14F-4D97-AF65-F5344CB8AC3E}">
-        <p14:creationId xmlns:p14="http://schemas.microsoft.com/office/powerpoint/2010/main" val="3144911534"/>
+        <p14:creationId xmlns:p14="http://schemas.microsoft.com/office/powerpoint/2010/main" val="2971787662"/>
       </p:ext>
     </p:extLst>
   </p:cSld>
   <p:clrMap bg1="lt1" tx1="dk1" bg2="lt2" tx2="dk2" accent1="accent1" accent2="accent2" accent3="accent3" accent4="accent4" accent5="accent5" accent6="accent6" hlink="hlink" folHlink="folHlink"/>
   <p:sldLayoutIdLst>
-    <p:sldLayoutId id="2147483762" r:id="rId1"/>
-    <p:sldLayoutId id="2147483763" r:id="rId2"/>
-    <p:sldLayoutId id="2147483764" r:id="rId3"/>
-    <p:sldLayoutId id="2147483765" r:id="rId4"/>
-    <p:sldLayoutId id="2147483766" r:id="rId5"/>
-    <p:sldLayoutId id="2147483767" r:id="rId6"/>
-    <p:sldLayoutId id="2147483768" r:id="rId7"/>
-    <p:sldLayoutId id="2147483769" r:id="rId8"/>
-    <p:sldLayoutId id="2147483770" r:id="rId9"/>
-    <p:sldLayoutId id="2147483771" r:id="rId10"/>
-    <p:sldLayoutId id="2147483772" r:id="rId11"/>
+    <p:sldLayoutId id="2147483774" r:id="rId1"/>
+    <p:sldLayoutId id="2147483775" r:id="rId2"/>
+    <p:sldLayoutId id="2147483776" r:id="rId3"/>
+    <p:sldLayoutId id="2147483777" r:id="rId4"/>
+    <p:sldLayoutId id="2147483778" r:id="rId5"/>
+    <p:sldLayoutId id="2147483779" r:id="rId6"/>
+    <p:sldLayoutId id="2147483780" r:id="rId7"/>
+    <p:sldLayoutId id="2147483781" r:id="rId8"/>
+    <p:sldLayoutId id="2147483782" r:id="rId9"/>
+    <p:sldLayoutId id="2147483783" r:id="rId10"/>
+    <p:sldLayoutId id="2147483784" r:id="rId11"/>
+    <p:sldLayoutId id="2147483765" r:id="rId12"/>
+    <p:sldLayoutId id="2147483766" r:id="rId13"/>
+    <p:sldLayoutId id="2147483767" r:id="rId14"/>
+    <p:sldLayoutId id="2147483768" r:id="rId15"/>
   </p:sldLayoutIdLst>
   <p:hf hdr="0" dt="0"/>
   <p:txStyles>
@@ -13371,6 +15339,34 @@
       </p:grpSpPr>
       <p:sp>
         <p:nvSpPr>
+          <p:cNvPr id="2" name="Title 1">
+            <a:extLst>
+              <a:ext uri="{FF2B5EF4-FFF2-40B4-BE49-F238E27FC236}">
+                <a16:creationId xmlns:a16="http://schemas.microsoft.com/office/drawing/2014/main" id="{4ED4512D-FB62-CB43-BB5F-61172570E21D}"/>
+              </a:ext>
+            </a:extLst>
+          </p:cNvPr>
+          <p:cNvSpPr>
+            <a:spLocks noGrp="1"/>
+          </p:cNvSpPr>
+          <p:nvPr>
+            <p:ph type="title"/>
+          </p:nvPr>
+        </p:nvSpPr>
+        <p:spPr/>
+        <p:txBody>
+          <a:bodyPr/>
+          <a:lstStyle/>
+          <a:p>
+            <a:r>
+              <a:rPr lang="en-US" dirty="0"/>
+              <a:t>Pseudocode</a:t>
+            </a:r>
+          </a:p>
+        </p:txBody>
+      </p:sp>
+      <p:sp>
+        <p:nvSpPr>
           <p:cNvPr id="3" name="Content Placeholder 2">
             <a:extLst>
               <a:ext uri="{FF2B5EF4-FFF2-40B4-BE49-F238E27FC236}">
@@ -13510,35 +15506,7 @@
           <a:p>
             <a:r>
               <a:rPr lang="en-US"/>
-              <a:t>© 2020 FLLTutorials, Last edit 05/25/2020</a:t>
-            </a:r>
-          </a:p>
-        </p:txBody>
-      </p:sp>
-      <p:sp>
-        <p:nvSpPr>
-          <p:cNvPr id="2" name="Title 1">
-            <a:extLst>
-              <a:ext uri="{FF2B5EF4-FFF2-40B4-BE49-F238E27FC236}">
-                <a16:creationId xmlns:a16="http://schemas.microsoft.com/office/drawing/2014/main" id="{4ED4512D-FB62-CB43-BB5F-61172570E21D}"/>
-              </a:ext>
-            </a:extLst>
-          </p:cNvPr>
-          <p:cNvSpPr>
-            <a:spLocks noGrp="1"/>
-          </p:cNvSpPr>
-          <p:nvPr>
-            <p:ph type="title"/>
-          </p:nvPr>
-        </p:nvSpPr>
-        <p:spPr/>
-        <p:txBody>
-          <a:bodyPr/>
-          <a:lstStyle/>
-          <a:p>
-            <a:r>
-              <a:rPr lang="en-US" dirty="0"/>
-              <a:t>Pseudocode</a:t>
+              <a:t>Copyright © 2020 Prime Lessons (primelessons.org) CC-BY-NC-SA.  (Last edit: 12/14/2020)</a:t>
             </a:r>
           </a:p>
         </p:txBody>
@@ -13616,6 +15584,34 @@
       </p:grpSpPr>
       <p:sp>
         <p:nvSpPr>
+          <p:cNvPr id="2" name="Title 1">
+            <a:extLst>
+              <a:ext uri="{FF2B5EF4-FFF2-40B4-BE49-F238E27FC236}">
+                <a16:creationId xmlns:a16="http://schemas.microsoft.com/office/drawing/2014/main" id="{CE38652A-AFF8-E44D-B98E-2E83AEEAA9F9}"/>
+              </a:ext>
+            </a:extLst>
+          </p:cNvPr>
+          <p:cNvSpPr>
+            <a:spLocks noGrp="1"/>
+          </p:cNvSpPr>
+          <p:nvPr>
+            <p:ph type="title"/>
+          </p:nvPr>
+        </p:nvSpPr>
+        <p:spPr/>
+        <p:txBody>
+          <a:bodyPr/>
+          <a:lstStyle/>
+          <a:p>
+            <a:r>
+              <a:rPr lang="en-US" dirty="0"/>
+              <a:t>Code - Proportional</a:t>
+            </a:r>
+          </a:p>
+        </p:txBody>
+      </p:sp>
+      <p:sp>
+        <p:nvSpPr>
           <p:cNvPr id="9" name="Content Placeholder 8">
             <a:extLst>
               <a:ext uri="{FF2B5EF4-FFF2-40B4-BE49-F238E27FC236}">
@@ -13665,7 +15661,7 @@
           <a:p>
             <a:r>
               <a:rPr lang="en-US"/>
-              <a:t>© 2020 FLLTutorials, Last edit 05/25/2020</a:t>
+              <a:t>Copyright © 2020 Prime Lessons (primelessons.org) CC-BY-NC-SA.  (Last edit: 12/14/2020)</a:t>
             </a:r>
             <a:endParaRPr lang="en-US" dirty="0"/>
           </a:p>
@@ -13673,10 +15669,10 @@
       </p:sp>
       <p:sp>
         <p:nvSpPr>
-          <p:cNvPr id="2" name="Title 1">
+          <p:cNvPr id="3" name="Slide Number Placeholder 2">
             <a:extLst>
               <a:ext uri="{FF2B5EF4-FFF2-40B4-BE49-F238E27FC236}">
-                <a16:creationId xmlns:a16="http://schemas.microsoft.com/office/drawing/2014/main" id="{CE38652A-AFF8-E44D-B98E-2E83AEEAA9F9}"/>
+                <a16:creationId xmlns:a16="http://schemas.microsoft.com/office/drawing/2014/main" id="{A73E2D40-B517-4337-B547-2362040C5CCC}"/>
               </a:ext>
             </a:extLst>
           </p:cNvPr>
@@ -13684,7 +15680,7 @@
             <a:spLocks noGrp="1"/>
           </p:cNvSpPr>
           <p:nvPr>
-            <p:ph type="title"/>
+            <p:ph type="sldNum" sz="quarter" idx="12"/>
           </p:nvPr>
         </p:nvSpPr>
         <p:spPr/>
@@ -13692,10 +15688,11 @@
           <a:bodyPr/>
           <a:lstStyle/>
           <a:p>
-            <a:r>
-              <a:rPr lang="en-US" dirty="0"/>
-              <a:t>Code - Proportional</a:t>
-            </a:r>
+            <a:fld id="{BBD74847-7BE4-4E4D-8159-51DF7B93C616}" type="slidenum">
+              <a:rPr lang="en-US" smtClean="0"/>
+              <a:t>11</a:t>
+            </a:fld>
+            <a:endParaRPr lang="en-US"/>
           </a:p>
         </p:txBody>
       </p:sp>
@@ -13821,35 +15818,6 @@
           </a:prstGeom>
         </p:spPr>
       </p:pic>
-      <p:sp>
-        <p:nvSpPr>
-          <p:cNvPr id="3" name="Slide Number Placeholder 2">
-            <a:extLst>
-              <a:ext uri="{FF2B5EF4-FFF2-40B4-BE49-F238E27FC236}">
-                <a16:creationId xmlns:a16="http://schemas.microsoft.com/office/drawing/2014/main" id="{A73E2D40-B517-4337-B547-2362040C5CCC}"/>
-              </a:ext>
-            </a:extLst>
-          </p:cNvPr>
-          <p:cNvSpPr>
-            <a:spLocks noGrp="1"/>
-          </p:cNvSpPr>
-          <p:nvPr>
-            <p:ph type="sldNum" sz="quarter" idx="12"/>
-          </p:nvPr>
-        </p:nvSpPr>
-        <p:spPr/>
-        <p:txBody>
-          <a:bodyPr/>
-          <a:lstStyle/>
-          <a:p>
-            <a:fld id="{BBD74847-7BE4-4E4D-8159-51DF7B93C616}" type="slidenum">
-              <a:rPr lang="en-US" smtClean="0"/>
-              <a:t>11</a:t>
-            </a:fld>
-            <a:endParaRPr lang="en-US"/>
-          </a:p>
-        </p:txBody>
-      </p:sp>
     </p:spTree>
     <p:extLst>
       <p:ext uri="{BB962C8B-B14F-4D97-AF65-F5344CB8AC3E}">
@@ -13894,6 +15862,34 @@
       </p:grpSpPr>
       <p:sp>
         <p:nvSpPr>
+          <p:cNvPr id="2" name="Title 1">
+            <a:extLst>
+              <a:ext uri="{FF2B5EF4-FFF2-40B4-BE49-F238E27FC236}">
+                <a16:creationId xmlns:a16="http://schemas.microsoft.com/office/drawing/2014/main" id="{D31ECA48-28F2-1949-BCAC-C8BFB46DDC12}"/>
+              </a:ext>
+            </a:extLst>
+          </p:cNvPr>
+          <p:cNvSpPr>
+            <a:spLocks noGrp="1"/>
+          </p:cNvSpPr>
+          <p:nvPr>
+            <p:ph type="title"/>
+          </p:nvPr>
+        </p:nvSpPr>
+        <p:spPr/>
+        <p:txBody>
+          <a:bodyPr/>
+          <a:lstStyle/>
+          <a:p>
+            <a:r>
+              <a:rPr lang="en-US" dirty="0"/>
+              <a:t>Code - Integral</a:t>
+            </a:r>
+          </a:p>
+        </p:txBody>
+      </p:sp>
+      <p:sp>
+        <p:nvSpPr>
           <p:cNvPr id="12" name="Content Placeholder 11">
             <a:extLst>
               <a:ext uri="{FF2B5EF4-FFF2-40B4-BE49-F238E27FC236}">
@@ -13959,17 +15955,17 @@
           <a:p>
             <a:r>
               <a:rPr lang="en-US"/>
-              <a:t>© 2020 FLLTutorials, Last edit 05/25/2020</a:t>
+              <a:t>Copyright © 2020 Prime Lessons (primelessons.org) CC-BY-NC-SA.  (Last edit: 12/14/2020)</a:t>
             </a:r>
           </a:p>
         </p:txBody>
       </p:sp>
       <p:sp>
         <p:nvSpPr>
-          <p:cNvPr id="2" name="Title 1">
+          <p:cNvPr id="3" name="Slide Number Placeholder 2">
             <a:extLst>
               <a:ext uri="{FF2B5EF4-FFF2-40B4-BE49-F238E27FC236}">
-                <a16:creationId xmlns:a16="http://schemas.microsoft.com/office/drawing/2014/main" id="{D31ECA48-28F2-1949-BCAC-C8BFB46DDC12}"/>
+                <a16:creationId xmlns:a16="http://schemas.microsoft.com/office/drawing/2014/main" id="{79C75F50-573A-439F-BAAC-69BCD048F5F5}"/>
               </a:ext>
             </a:extLst>
           </p:cNvPr>
@@ -13977,7 +15973,7 @@
             <a:spLocks noGrp="1"/>
           </p:cNvSpPr>
           <p:nvPr>
-            <p:ph type="title"/>
+            <p:ph type="sldNum" sz="quarter" idx="12"/>
           </p:nvPr>
         </p:nvSpPr>
         <p:spPr/>
@@ -13985,10 +15981,11 @@
           <a:bodyPr/>
           <a:lstStyle/>
           <a:p>
-            <a:r>
-              <a:rPr lang="en-US" dirty="0"/>
-              <a:t>Code - Integral</a:t>
-            </a:r>
+            <a:fld id="{BBD74847-7BE4-4E4D-8159-51DF7B93C616}" type="slidenum">
+              <a:rPr lang="en-US" smtClean="0"/>
+              <a:t>12</a:t>
+            </a:fld>
+            <a:endParaRPr lang="en-US"/>
           </a:p>
         </p:txBody>
       </p:sp>
@@ -14110,35 +16107,6 @@
           </a:prstGeom>
         </p:spPr>
       </p:pic>
-      <p:sp>
-        <p:nvSpPr>
-          <p:cNvPr id="3" name="Slide Number Placeholder 2">
-            <a:extLst>
-              <a:ext uri="{FF2B5EF4-FFF2-40B4-BE49-F238E27FC236}">
-                <a16:creationId xmlns:a16="http://schemas.microsoft.com/office/drawing/2014/main" id="{79C75F50-573A-439F-BAAC-69BCD048F5F5}"/>
-              </a:ext>
-            </a:extLst>
-          </p:cNvPr>
-          <p:cNvSpPr>
-            <a:spLocks noGrp="1"/>
-          </p:cNvSpPr>
-          <p:nvPr>
-            <p:ph type="sldNum" sz="quarter" idx="12"/>
-          </p:nvPr>
-        </p:nvSpPr>
-        <p:spPr/>
-        <p:txBody>
-          <a:bodyPr/>
-          <a:lstStyle/>
-          <a:p>
-            <a:fld id="{BBD74847-7BE4-4E4D-8159-51DF7B93C616}" type="slidenum">
-              <a:rPr lang="en-US" smtClean="0"/>
-              <a:t>12</a:t>
-            </a:fld>
-            <a:endParaRPr lang="en-US"/>
-          </a:p>
-        </p:txBody>
-      </p:sp>
     </p:spTree>
     <p:extLst>
       <p:ext uri="{BB962C8B-B14F-4D97-AF65-F5344CB8AC3E}">
@@ -14183,6 +16151,34 @@
       </p:grpSpPr>
       <p:sp>
         <p:nvSpPr>
+          <p:cNvPr id="2" name="Title 1">
+            <a:extLst>
+              <a:ext uri="{FF2B5EF4-FFF2-40B4-BE49-F238E27FC236}">
+                <a16:creationId xmlns:a16="http://schemas.microsoft.com/office/drawing/2014/main" id="{DD855F3B-2D7E-F442-80BD-4DF17A1AB6B9}"/>
+              </a:ext>
+            </a:extLst>
+          </p:cNvPr>
+          <p:cNvSpPr>
+            <a:spLocks noGrp="1"/>
+          </p:cNvSpPr>
+          <p:nvPr>
+            <p:ph type="title"/>
+          </p:nvPr>
+        </p:nvSpPr>
+        <p:spPr/>
+        <p:txBody>
+          <a:bodyPr/>
+          <a:lstStyle/>
+          <a:p>
+            <a:r>
+              <a:rPr lang="en-US" dirty="0"/>
+              <a:t>Code - Derivative</a:t>
+            </a:r>
+          </a:p>
+        </p:txBody>
+      </p:sp>
+      <p:sp>
+        <p:nvSpPr>
           <p:cNvPr id="15" name="Content Placeholder 12">
             <a:extLst>
               <a:ext uri="{FF2B5EF4-FFF2-40B4-BE49-F238E27FC236}">
@@ -14239,7 +16235,7 @@
           <a:p>
             <a:r>
               <a:rPr lang="en-US"/>
-              <a:t>© 2020 FLLTutorials, Last edit 05/25/2020</a:t>
+              <a:t>Copyright © 2020 Prime Lessons (primelessons.org) CC-BY-NC-SA.  (Last edit: 12/14/2020)</a:t>
             </a:r>
             <a:endParaRPr lang="en-US" dirty="0"/>
           </a:p>
@@ -14247,10 +16243,10 @@
       </p:sp>
       <p:sp>
         <p:nvSpPr>
-          <p:cNvPr id="2" name="Title 1">
+          <p:cNvPr id="3" name="Slide Number Placeholder 2">
             <a:extLst>
               <a:ext uri="{FF2B5EF4-FFF2-40B4-BE49-F238E27FC236}">
-                <a16:creationId xmlns:a16="http://schemas.microsoft.com/office/drawing/2014/main" id="{DD855F3B-2D7E-F442-80BD-4DF17A1AB6B9}"/>
+                <a16:creationId xmlns:a16="http://schemas.microsoft.com/office/drawing/2014/main" id="{B77F4E43-1D00-4F9E-A8A6-97C509F7F4F5}"/>
               </a:ext>
             </a:extLst>
           </p:cNvPr>
@@ -14258,7 +16254,7 @@
             <a:spLocks noGrp="1"/>
           </p:cNvSpPr>
           <p:nvPr>
-            <p:ph type="title"/>
+            <p:ph type="sldNum" sz="quarter" idx="12"/>
           </p:nvPr>
         </p:nvSpPr>
         <p:spPr/>
@@ -14266,10 +16262,11 @@
           <a:bodyPr/>
           <a:lstStyle/>
           <a:p>
-            <a:r>
-              <a:rPr lang="en-US" dirty="0"/>
-              <a:t>Code - Derivative</a:t>
-            </a:r>
+            <a:fld id="{BBD74847-7BE4-4E4D-8159-51DF7B93C616}" type="slidenum">
+              <a:rPr lang="en-US" smtClean="0"/>
+              <a:t>13</a:t>
+            </a:fld>
+            <a:endParaRPr lang="en-US"/>
           </a:p>
         </p:txBody>
       </p:sp>
@@ -14398,35 +16395,6 @@
           </a:prstGeom>
         </p:spPr>
       </p:pic>
-      <p:sp>
-        <p:nvSpPr>
-          <p:cNvPr id="3" name="Slide Number Placeholder 2">
-            <a:extLst>
-              <a:ext uri="{FF2B5EF4-FFF2-40B4-BE49-F238E27FC236}">
-                <a16:creationId xmlns:a16="http://schemas.microsoft.com/office/drawing/2014/main" id="{B77F4E43-1D00-4F9E-A8A6-97C509F7F4F5}"/>
-              </a:ext>
-            </a:extLst>
-          </p:cNvPr>
-          <p:cNvSpPr>
-            <a:spLocks noGrp="1"/>
-          </p:cNvSpPr>
-          <p:nvPr>
-            <p:ph type="sldNum" sz="quarter" idx="12"/>
-          </p:nvPr>
-        </p:nvSpPr>
-        <p:spPr/>
-        <p:txBody>
-          <a:bodyPr/>
-          <a:lstStyle/>
-          <a:p>
-            <a:fld id="{BBD74847-7BE4-4E4D-8159-51DF7B93C616}" type="slidenum">
-              <a:rPr lang="en-US" smtClean="0"/>
-              <a:t>13</a:t>
-            </a:fld>
-            <a:endParaRPr lang="en-US"/>
-          </a:p>
-        </p:txBody>
-      </p:sp>
     </p:spTree>
     <p:extLst>
       <p:ext uri="{BB962C8B-B14F-4D97-AF65-F5344CB8AC3E}">
@@ -14471,6 +16439,34 @@
       </p:grpSpPr>
       <p:sp>
         <p:nvSpPr>
+          <p:cNvPr id="2" name="Title 1">
+            <a:extLst>
+              <a:ext uri="{FF2B5EF4-FFF2-40B4-BE49-F238E27FC236}">
+                <a16:creationId xmlns:a16="http://schemas.microsoft.com/office/drawing/2014/main" id="{F2A4DF29-AFEB-6541-873F-14091C7D7AD9}"/>
+              </a:ext>
+            </a:extLst>
+          </p:cNvPr>
+          <p:cNvSpPr>
+            <a:spLocks noGrp="1"/>
+          </p:cNvSpPr>
+          <p:nvPr>
+            <p:ph type="title"/>
+          </p:nvPr>
+        </p:nvSpPr>
+        <p:spPr/>
+        <p:txBody>
+          <a:bodyPr/>
+          <a:lstStyle/>
+          <a:p>
+            <a:r>
+              <a:rPr lang="en-US" dirty="0"/>
+              <a:t>Putting it all Together</a:t>
+            </a:r>
+          </a:p>
+        </p:txBody>
+      </p:sp>
+      <p:sp>
+        <p:nvSpPr>
           <p:cNvPr id="11" name="Content Placeholder 10">
             <a:extLst>
               <a:ext uri="{FF2B5EF4-FFF2-40B4-BE49-F238E27FC236}">
@@ -14542,17 +16538,17 @@
           <a:p>
             <a:r>
               <a:rPr lang="en-US"/>
-              <a:t>© 2020 FLLTutorials, Last edit 05/25/2020</a:t>
+              <a:t>Copyright © 2020 Prime Lessons (primelessons.org) CC-BY-NC-SA.  (Last edit: 12/14/2020)</a:t>
             </a:r>
           </a:p>
         </p:txBody>
       </p:sp>
       <p:sp>
         <p:nvSpPr>
-          <p:cNvPr id="2" name="Title 1">
+          <p:cNvPr id="3" name="Slide Number Placeholder 2">
             <a:extLst>
               <a:ext uri="{FF2B5EF4-FFF2-40B4-BE49-F238E27FC236}">
-                <a16:creationId xmlns:a16="http://schemas.microsoft.com/office/drawing/2014/main" id="{F2A4DF29-AFEB-6541-873F-14091C7D7AD9}"/>
+                <a16:creationId xmlns:a16="http://schemas.microsoft.com/office/drawing/2014/main" id="{04A5318C-C037-4B4E-BAD9-DD22637AA1A8}"/>
               </a:ext>
             </a:extLst>
           </p:cNvPr>
@@ -14560,7 +16556,7 @@
             <a:spLocks noGrp="1"/>
           </p:cNvSpPr>
           <p:nvPr>
-            <p:ph type="title"/>
+            <p:ph type="sldNum" sz="quarter" idx="12"/>
           </p:nvPr>
         </p:nvSpPr>
         <p:spPr/>
@@ -14568,10 +16564,11 @@
           <a:bodyPr/>
           <a:lstStyle/>
           <a:p>
-            <a:r>
-              <a:rPr lang="en-US" dirty="0"/>
-              <a:t>Putting it all Together</a:t>
-            </a:r>
+            <a:fld id="{BBD74847-7BE4-4E4D-8159-51DF7B93C616}" type="slidenum">
+              <a:rPr lang="en-US" smtClean="0"/>
+              <a:t>14</a:t>
+            </a:fld>
+            <a:endParaRPr lang="en-US"/>
           </a:p>
         </p:txBody>
       </p:sp>
@@ -14643,35 +16640,6 @@
           </a:prstGeom>
         </p:spPr>
       </p:pic>
-      <p:sp>
-        <p:nvSpPr>
-          <p:cNvPr id="3" name="Slide Number Placeholder 2">
-            <a:extLst>
-              <a:ext uri="{FF2B5EF4-FFF2-40B4-BE49-F238E27FC236}">
-                <a16:creationId xmlns:a16="http://schemas.microsoft.com/office/drawing/2014/main" id="{04A5318C-C037-4B4E-BAD9-DD22637AA1A8}"/>
-              </a:ext>
-            </a:extLst>
-          </p:cNvPr>
-          <p:cNvSpPr>
-            <a:spLocks noGrp="1"/>
-          </p:cNvSpPr>
-          <p:nvPr>
-            <p:ph type="sldNum" sz="quarter" idx="12"/>
-          </p:nvPr>
-        </p:nvSpPr>
-        <p:spPr/>
-        <p:txBody>
-          <a:bodyPr/>
-          <a:lstStyle/>
-          <a:p>
-            <a:fld id="{BBD74847-7BE4-4E4D-8159-51DF7B93C616}" type="slidenum">
-              <a:rPr lang="en-US" smtClean="0"/>
-              <a:t>14</a:t>
-            </a:fld>
-            <a:endParaRPr lang="en-US"/>
-          </a:p>
-        </p:txBody>
-      </p:sp>
     </p:spTree>
     <p:extLst>
       <p:ext uri="{BB962C8B-B14F-4D97-AF65-F5344CB8AC3E}">
@@ -14716,6 +16684,34 @@
       </p:grpSpPr>
       <p:sp>
         <p:nvSpPr>
+          <p:cNvPr id="2" name="Title 1">
+            <a:extLst>
+              <a:ext uri="{FF2B5EF4-FFF2-40B4-BE49-F238E27FC236}">
+                <a16:creationId xmlns:a16="http://schemas.microsoft.com/office/drawing/2014/main" id="{8C08BCB5-E4FB-1743-B265-2FD167AE5D55}"/>
+              </a:ext>
+            </a:extLst>
+          </p:cNvPr>
+          <p:cNvSpPr>
+            <a:spLocks noGrp="1"/>
+          </p:cNvSpPr>
+          <p:nvPr>
+            <p:ph type="title"/>
+          </p:nvPr>
+        </p:nvSpPr>
+        <p:spPr/>
+        <p:txBody>
+          <a:bodyPr/>
+          <a:lstStyle/>
+          <a:p>
+            <a:r>
+              <a:rPr lang="en-US" dirty="0"/>
+              <a:t>Full Code</a:t>
+            </a:r>
+          </a:p>
+        </p:txBody>
+      </p:sp>
+      <p:sp>
+        <p:nvSpPr>
           <p:cNvPr id="13" name="Content Placeholder 12">
             <a:extLst>
               <a:ext uri="{FF2B5EF4-FFF2-40B4-BE49-F238E27FC236}">
@@ -14778,17 +16774,17 @@
           <a:p>
             <a:r>
               <a:rPr lang="en-US"/>
-              <a:t>© 2020 FLLTutorials, Last edit 05/25/2020</a:t>
+              <a:t>Copyright © 2020 Prime Lessons (primelessons.org) CC-BY-NC-SA.  (Last edit: 12/14/2020)</a:t>
             </a:r>
           </a:p>
         </p:txBody>
       </p:sp>
       <p:sp>
         <p:nvSpPr>
-          <p:cNvPr id="2" name="Title 1">
+          <p:cNvPr id="3" name="Slide Number Placeholder 2">
             <a:extLst>
               <a:ext uri="{FF2B5EF4-FFF2-40B4-BE49-F238E27FC236}">
-                <a16:creationId xmlns:a16="http://schemas.microsoft.com/office/drawing/2014/main" id="{8C08BCB5-E4FB-1743-B265-2FD167AE5D55}"/>
+                <a16:creationId xmlns:a16="http://schemas.microsoft.com/office/drawing/2014/main" id="{5FB9F941-A375-4CCC-90D7-0F5C73B47F9C}"/>
               </a:ext>
             </a:extLst>
           </p:cNvPr>
@@ -14796,7 +16792,7 @@
             <a:spLocks noGrp="1"/>
           </p:cNvSpPr>
           <p:nvPr>
-            <p:ph type="title"/>
+            <p:ph type="sldNum" sz="quarter" idx="12"/>
           </p:nvPr>
         </p:nvSpPr>
         <p:spPr/>
@@ -14804,10 +16800,11 @@
           <a:bodyPr/>
           <a:lstStyle/>
           <a:p>
-            <a:r>
-              <a:rPr lang="en-US" dirty="0"/>
-              <a:t>Full Code</a:t>
-            </a:r>
+            <a:fld id="{BBD74847-7BE4-4E4D-8159-51DF7B93C616}" type="slidenum">
+              <a:rPr lang="en-US" smtClean="0"/>
+              <a:t>15</a:t>
+            </a:fld>
+            <a:endParaRPr lang="en-US"/>
           </a:p>
         </p:txBody>
       </p:sp>
@@ -14841,35 +16838,6 @@
           </a:prstGeom>
         </p:spPr>
       </p:pic>
-      <p:sp>
-        <p:nvSpPr>
-          <p:cNvPr id="3" name="Slide Number Placeholder 2">
-            <a:extLst>
-              <a:ext uri="{FF2B5EF4-FFF2-40B4-BE49-F238E27FC236}">
-                <a16:creationId xmlns:a16="http://schemas.microsoft.com/office/drawing/2014/main" id="{5FB9F941-A375-4CCC-90D7-0F5C73B47F9C}"/>
-              </a:ext>
-            </a:extLst>
-          </p:cNvPr>
-          <p:cNvSpPr>
-            <a:spLocks noGrp="1"/>
-          </p:cNvSpPr>
-          <p:nvPr>
-            <p:ph type="sldNum" sz="quarter" idx="12"/>
-          </p:nvPr>
-        </p:nvSpPr>
-        <p:spPr/>
-        <p:txBody>
-          <a:bodyPr/>
-          <a:lstStyle/>
-          <a:p>
-            <a:fld id="{BBD74847-7BE4-4E4D-8159-51DF7B93C616}" type="slidenum">
-              <a:rPr lang="en-US" smtClean="0"/>
-              <a:t>15</a:t>
-            </a:fld>
-            <a:endParaRPr lang="en-US"/>
-          </a:p>
-        </p:txBody>
-      </p:sp>
     </p:spTree>
     <p:extLst>
       <p:ext uri="{BB962C8B-B14F-4D97-AF65-F5344CB8AC3E}">
@@ -14914,6 +16882,35 @@
       </p:grpSpPr>
       <p:sp>
         <p:nvSpPr>
+          <p:cNvPr id="5" name="Title 4">
+            <a:extLst>
+              <a:ext uri="{FF2B5EF4-FFF2-40B4-BE49-F238E27FC236}">
+                <a16:creationId xmlns:a16="http://schemas.microsoft.com/office/drawing/2014/main" id="{038D74F9-CFF5-B247-BE99-3959E6CA3F69}"/>
+              </a:ext>
+            </a:extLst>
+          </p:cNvPr>
+          <p:cNvSpPr>
+            <a:spLocks noGrp="1"/>
+          </p:cNvSpPr>
+          <p:nvPr>
+            <p:ph type="title"/>
+          </p:nvPr>
+        </p:nvSpPr>
+        <p:spPr/>
+        <p:txBody>
+          <a:bodyPr/>
+          <a:lstStyle/>
+          <a:p>
+            <a:r>
+              <a:rPr lang="en-US"/>
+              <a:t>Full Code</a:t>
+            </a:r>
+            <a:endParaRPr lang="en-US" dirty="0"/>
+          </a:p>
+        </p:txBody>
+      </p:sp>
+      <p:sp>
+        <p:nvSpPr>
           <p:cNvPr id="3" name="Footer Placeholder 2">
             <a:extLst>
               <a:ext uri="{FF2B5EF4-FFF2-40B4-BE49-F238E27FC236}">
@@ -14935,17 +16932,17 @@
           <a:p>
             <a:r>
               <a:rPr lang="en-US"/>
-              <a:t>© 2020 FLLTutorials, Last edit 05/25/2020</a:t>
+              <a:t>Copyright © 2020 Prime Lessons (primelessons.org) CC-BY-NC-SA.  (Last edit: 12/14/2020)</a:t>
             </a:r>
           </a:p>
         </p:txBody>
       </p:sp>
       <p:sp>
         <p:nvSpPr>
-          <p:cNvPr id="5" name="Title 4">
+          <p:cNvPr id="220" name="Slide Number Placeholder 219">
             <a:extLst>
               <a:ext uri="{FF2B5EF4-FFF2-40B4-BE49-F238E27FC236}">
-                <a16:creationId xmlns:a16="http://schemas.microsoft.com/office/drawing/2014/main" id="{038D74F9-CFF5-B247-BE99-3959E6CA3F69}"/>
+                <a16:creationId xmlns:a16="http://schemas.microsoft.com/office/drawing/2014/main" id="{4FADA013-DC2A-4A37-8AE2-48DF3D34050B}"/>
               </a:ext>
             </a:extLst>
           </p:cNvPr>
@@ -14953,7 +16950,7 @@
             <a:spLocks noGrp="1"/>
           </p:cNvSpPr>
           <p:nvPr>
-            <p:ph type="title"/>
+            <p:ph type="sldNum" sz="quarter" idx="12"/>
           </p:nvPr>
         </p:nvSpPr>
         <p:spPr/>
@@ -14961,11 +16958,11 @@
           <a:bodyPr/>
           <a:lstStyle/>
           <a:p>
-            <a:r>
-              <a:rPr lang="en-US"/>
-              <a:t>Full Code</a:t>
-            </a:r>
-            <a:endParaRPr lang="en-US" dirty="0"/>
+            <a:fld id="{BBD74847-7BE4-4E4D-8159-51DF7B93C616}" type="slidenum">
+              <a:rPr lang="en-US" smtClean="0"/>
+              <a:t>16</a:t>
+            </a:fld>
+            <a:endParaRPr lang="en-US"/>
           </a:p>
         </p:txBody>
       </p:sp>
@@ -15034,35 +17031,6 @@
           </a:prstGeom>
         </p:spPr>
       </p:pic>
-      <p:sp>
-        <p:nvSpPr>
-          <p:cNvPr id="220" name="Slide Number Placeholder 219">
-            <a:extLst>
-              <a:ext uri="{FF2B5EF4-FFF2-40B4-BE49-F238E27FC236}">
-                <a16:creationId xmlns:a16="http://schemas.microsoft.com/office/drawing/2014/main" id="{4FADA013-DC2A-4A37-8AE2-48DF3D34050B}"/>
-              </a:ext>
-            </a:extLst>
-          </p:cNvPr>
-          <p:cNvSpPr>
-            <a:spLocks noGrp="1"/>
-          </p:cNvSpPr>
-          <p:nvPr>
-            <p:ph type="sldNum" sz="quarter" idx="12"/>
-          </p:nvPr>
-        </p:nvSpPr>
-        <p:spPr/>
-        <p:txBody>
-          <a:bodyPr/>
-          <a:lstStyle/>
-          <a:p>
-            <a:fld id="{BBD74847-7BE4-4E4D-8159-51DF7B93C616}" type="slidenum">
-              <a:rPr lang="en-US" smtClean="0"/>
-              <a:t>16</a:t>
-            </a:fld>
-            <a:endParaRPr lang="en-US"/>
-          </a:p>
-        </p:txBody>
-      </p:sp>
     </p:spTree>
     <p:extLst>
       <p:ext uri="{BB962C8B-B14F-4D97-AF65-F5344CB8AC3E}">
@@ -15095,6 +17063,34 @@
       </p:grpSpPr>
       <p:sp>
         <p:nvSpPr>
+          <p:cNvPr id="2" name="Title 1">
+            <a:extLst>
+              <a:ext uri="{FF2B5EF4-FFF2-40B4-BE49-F238E27FC236}">
+                <a16:creationId xmlns:a16="http://schemas.microsoft.com/office/drawing/2014/main" id="{8C08BCB5-E4FB-1743-B265-2FD167AE5D55}"/>
+              </a:ext>
+            </a:extLst>
+          </p:cNvPr>
+          <p:cNvSpPr>
+            <a:spLocks noGrp="1"/>
+          </p:cNvSpPr>
+          <p:nvPr>
+            <p:ph type="title"/>
+          </p:nvPr>
+        </p:nvSpPr>
+        <p:spPr/>
+        <p:txBody>
+          <a:bodyPr/>
+          <a:lstStyle/>
+          <a:p>
+            <a:r>
+              <a:rPr lang="en-US" dirty="0"/>
+              <a:t>Key Step: Tuning The PID constants</a:t>
+            </a:r>
+          </a:p>
+        </p:txBody>
+      </p:sp>
+      <p:sp>
+        <p:nvSpPr>
           <p:cNvPr id="13" name="Content Placeholder 12">
             <a:extLst>
               <a:ext uri="{FF2B5EF4-FFF2-40B4-BE49-F238E27FC236}">
@@ -15206,35 +17202,7 @@
           <a:p>
             <a:r>
               <a:rPr lang="en-US"/>
-              <a:t>© 2020 FLLTutorials, Last edit 05/25/2020</a:t>
-            </a:r>
-          </a:p>
-        </p:txBody>
-      </p:sp>
-      <p:sp>
-        <p:nvSpPr>
-          <p:cNvPr id="2" name="Title 1">
-            <a:extLst>
-              <a:ext uri="{FF2B5EF4-FFF2-40B4-BE49-F238E27FC236}">
-                <a16:creationId xmlns:a16="http://schemas.microsoft.com/office/drawing/2014/main" id="{8C08BCB5-E4FB-1743-B265-2FD167AE5D55}"/>
-              </a:ext>
-            </a:extLst>
-          </p:cNvPr>
-          <p:cNvSpPr>
-            <a:spLocks noGrp="1"/>
-          </p:cNvSpPr>
-          <p:nvPr>
-            <p:ph type="title"/>
-          </p:nvPr>
-        </p:nvSpPr>
-        <p:spPr/>
-        <p:txBody>
-          <a:bodyPr/>
-          <a:lstStyle/>
-          <a:p>
-            <a:r>
-              <a:rPr lang="en-US" dirty="0"/>
-              <a:t>Key Step: Tuning The PID constants</a:t>
+              <a:t>Copyright © 2020 Prime Lessons (primelessons.org) CC-BY-NC-SA.  (Last edit: 12/14/2020)</a:t>
             </a:r>
           </a:p>
         </p:txBody>
@@ -15312,34 +17280,6 @@
       </p:grpSpPr>
       <p:sp>
         <p:nvSpPr>
-          <p:cNvPr id="2" name="Title 1">
-            <a:extLst>
-              <a:ext uri="{FF2B5EF4-FFF2-40B4-BE49-F238E27FC236}">
-                <a16:creationId xmlns:a16="http://schemas.microsoft.com/office/drawing/2014/main" id="{80C316F7-8906-684E-8AE3-92B8F1628095}"/>
-              </a:ext>
-            </a:extLst>
-          </p:cNvPr>
-          <p:cNvSpPr>
-            <a:spLocks noGrp="1"/>
-          </p:cNvSpPr>
-          <p:nvPr>
-            <p:ph type="title"/>
-          </p:nvPr>
-        </p:nvSpPr>
-        <p:spPr/>
-        <p:txBody>
-          <a:bodyPr/>
-          <a:lstStyle/>
-          <a:p>
-            <a:r>
-              <a:rPr lang="en-US" dirty="0"/>
-              <a:t>Evaluating Line followers</a:t>
-            </a:r>
-          </a:p>
-        </p:txBody>
-      </p:sp>
-      <p:sp>
-        <p:nvSpPr>
           <p:cNvPr id="11" name="Text Placeholder 10">
             <a:extLst>
               <a:ext uri="{FF2B5EF4-FFF2-40B4-BE49-F238E27FC236}">
@@ -15531,7 +17471,7 @@
           <a:p>
             <a:r>
               <a:rPr lang="en-US"/>
-              <a:t>© 2020 FLLTutorials, Last edit 05/25/2020</a:t>
+              <a:t>Copyright © 2020 Prime Lessons (primelessons.org) CC-BY-NC-SA.  (Last edit: 12/14/2020)</a:t>
             </a:r>
             <a:endParaRPr lang="en-US" dirty="0"/>
           </a:p>
@@ -15563,6 +17503,34 @@
               <a:t>18</a:t>
             </a:fld>
             <a:endParaRPr lang="en-US"/>
+          </a:p>
+        </p:txBody>
+      </p:sp>
+      <p:sp>
+        <p:nvSpPr>
+          <p:cNvPr id="2" name="Title 1">
+            <a:extLst>
+              <a:ext uri="{FF2B5EF4-FFF2-40B4-BE49-F238E27FC236}">
+                <a16:creationId xmlns:a16="http://schemas.microsoft.com/office/drawing/2014/main" id="{80C316F7-8906-684E-8AE3-92B8F1628095}"/>
+              </a:ext>
+            </a:extLst>
+          </p:cNvPr>
+          <p:cNvSpPr>
+            <a:spLocks noGrp="1"/>
+          </p:cNvSpPr>
+          <p:nvPr>
+            <p:ph type="title"/>
+          </p:nvPr>
+        </p:nvSpPr>
+        <p:spPr/>
+        <p:txBody>
+          <a:bodyPr/>
+          <a:lstStyle/>
+          <a:p>
+            <a:r>
+              <a:rPr lang="en-US" dirty="0"/>
+              <a:t>Evaluating Line followers</a:t>
+            </a:r>
           </a:p>
         </p:txBody>
       </p:sp>
@@ -15654,7 +17622,15 @@
           <a:p>
             <a:r>
               <a:rPr lang="en-US" sz="1600" dirty="0"/>
-              <a:t>This lesson was created by Sanjay Seshan and Arvind Seshan for SPIKE Prime Lessons</a:t>
+              <a:t>This lesson was created by Sanjay Seshan and Arvind </a:t>
+            </a:r>
+            <a:r>
+              <a:rPr lang="en-US" sz="1600" dirty="0" err="1"/>
+              <a:t>Seshan</a:t>
+            </a:r>
+            <a:r>
+              <a:rPr lang="en-US" sz="1600" dirty="0"/>
+              <a:t> for Prime Lessons</a:t>
             </a:r>
           </a:p>
           <a:p>
@@ -15682,9 +17658,38 @@
           <a:p>
             <a:r>
               <a:rPr lang="en-US"/>
-              <a:t>© 2020 FLLTutorials, Last edit 05/25/2020</a:t>
+              <a:t>Copyright © 2020 Prime Lessons (primelessons.org) CC-BY-NC-SA.  (Last edit: 12/14/2020)</a:t>
             </a:r>
             <a:endParaRPr lang="en-US" dirty="0"/>
+          </a:p>
+        </p:txBody>
+      </p:sp>
+      <p:sp>
+        <p:nvSpPr>
+          <p:cNvPr id="7" name="Slide Number Placeholder 6">
+            <a:extLst>
+              <a:ext uri="{FF2B5EF4-FFF2-40B4-BE49-F238E27FC236}">
+                <a16:creationId xmlns:a16="http://schemas.microsoft.com/office/drawing/2014/main" id="{F6739919-47A8-43E0-85A2-F648492C26DE}"/>
+              </a:ext>
+            </a:extLst>
+          </p:cNvPr>
+          <p:cNvSpPr>
+            <a:spLocks noGrp="1"/>
+          </p:cNvSpPr>
+          <p:nvPr>
+            <p:ph type="sldNum" sz="quarter" idx="12"/>
+          </p:nvPr>
+        </p:nvSpPr>
+        <p:spPr/>
+        <p:txBody>
+          <a:bodyPr/>
+          <a:lstStyle/>
+          <a:p>
+            <a:fld id="{BBD74847-7BE4-4E4D-8159-51DF7B93C616}" type="slidenum">
+              <a:rPr lang="en-US" smtClean="0"/>
+              <a:t>19</a:t>
+            </a:fld>
+            <a:endParaRPr lang="en-US"/>
           </a:p>
         </p:txBody>
       </p:sp>
@@ -15713,7 +17718,7 @@
           <a:effectLst/>
           <a:extLst>
             <a:ext uri="{91240B29-F687-4f45-9708-019B960494DF}">
-              <a14:hiddenLine xmlns:a14="http://schemas.microsoft.com/office/drawing/2010/main" xmlns="" w="9525">
+              <a14:hiddenLine xmlns="" xmlns:a14="http://schemas.microsoft.com/office/drawing/2010/main" w="9525">
                 <a:solidFill>
                   <a:schemeClr val="tx1"/>
                 </a:solidFill>
@@ -15723,7 +17728,7 @@
               </a14:hiddenLine>
             </a:ext>
             <a:ext uri="{AF507438-7753-43e0-B8FC-AC1667EBCBE1}">
-              <a14:hiddenEffects xmlns:a14="http://schemas.microsoft.com/office/drawing/2010/main" xmlns="">
+              <a14:hiddenEffects xmlns="" xmlns:a14="http://schemas.microsoft.com/office/drawing/2010/main">
                 <a:effectLst>
                   <a:outerShdw dist="35921" dir="2700000" algn="ctr" rotWithShape="0">
                     <a:schemeClr val="bg2"/>
@@ -16064,7 +18069,7 @@
           <a:noFill/>
           <a:extLst>
             <a:ext uri="{909E8E84-426E-40dd-AFC4-6F175D3DCCD1}">
-              <a14:hiddenFill xmlns:a14="http://schemas.microsoft.com/office/drawing/2010/main" xmlns="">
+              <a14:hiddenFill xmlns="" xmlns:a14="http://schemas.microsoft.com/office/drawing/2010/main">
                 <a:solidFill>
                   <a:srgbClr val="FFFFFF"/>
                 </a:solidFill>
@@ -16073,35 +18078,6 @@
           </a:extLst>
         </p:spPr>
       </p:pic>
-      <p:sp>
-        <p:nvSpPr>
-          <p:cNvPr id="7" name="Slide Number Placeholder 6">
-            <a:extLst>
-              <a:ext uri="{FF2B5EF4-FFF2-40B4-BE49-F238E27FC236}">
-                <a16:creationId xmlns:a16="http://schemas.microsoft.com/office/drawing/2014/main" id="{F6739919-47A8-43E0-85A2-F648492C26DE}"/>
-              </a:ext>
-            </a:extLst>
-          </p:cNvPr>
-          <p:cNvSpPr>
-            <a:spLocks noGrp="1"/>
-          </p:cNvSpPr>
-          <p:nvPr>
-            <p:ph type="sldNum" sz="quarter" idx="12"/>
-          </p:nvPr>
-        </p:nvSpPr>
-        <p:spPr/>
-        <p:txBody>
-          <a:bodyPr/>
-          <a:lstStyle/>
-          <a:p>
-            <a:fld id="{BBD74847-7BE4-4E4D-8159-51DF7B93C616}" type="slidenum">
-              <a:rPr lang="en-US" smtClean="0"/>
-              <a:t>19</a:t>
-            </a:fld>
-            <a:endParaRPr lang="en-US"/>
-          </a:p>
-        </p:txBody>
-      </p:sp>
     </p:spTree>
     <p:extLst>
       <p:ext uri="{BB962C8B-B14F-4D97-AF65-F5344CB8AC3E}">
@@ -16219,7 +18195,7 @@
           <a:p>
             <a:r>
               <a:rPr lang="en-US"/>
-              <a:t>© 2020 FLLTutorials, Last edit 05/25/2020</a:t>
+              <a:t>Copyright © 2020 Prime Lessons (primelessons.org) CC-BY-NC-SA.  (Last edit: 12/14/2020)</a:t>
             </a:r>
           </a:p>
         </p:txBody>
@@ -16285,36 +18261,6 @@
       </p:grpSpPr>
       <p:sp>
         <p:nvSpPr>
-          <p:cNvPr id="6" name="Title 5">
-            <a:extLst>
-              <a:ext uri="{FF2B5EF4-FFF2-40B4-BE49-F238E27FC236}">
-                <a16:creationId xmlns:a16="http://schemas.microsoft.com/office/drawing/2014/main" id="{DEE447EA-3777-5F45-BC08-5638AC0E9F94}"/>
-              </a:ext>
-            </a:extLst>
-          </p:cNvPr>
-          <p:cNvSpPr>
-            <a:spLocks noGrp="1"/>
-          </p:cNvSpPr>
-          <p:nvPr>
-            <p:ph type="title"/>
-          </p:nvPr>
-        </p:nvSpPr>
-        <p:spPr/>
-        <p:txBody>
-          <a:bodyPr>
-            <a:normAutofit fontScale="90000"/>
-          </a:bodyPr>
-          <a:lstStyle/>
-          <a:p>
-            <a:r>
-              <a:rPr lang="en-US" dirty="0"/>
-              <a:t>When does Proportional Control Have Trouble?</a:t>
-            </a:r>
-          </a:p>
-        </p:txBody>
-      </p:sp>
-      <p:sp>
-        <p:nvSpPr>
           <p:cNvPr id="7" name="Text Placeholder 6">
             <a:extLst>
               <a:ext uri="{FF2B5EF4-FFF2-40B4-BE49-F238E27FC236}">
@@ -16596,7 +18542,66 @@
           <a:p>
             <a:r>
               <a:rPr lang="en-US"/>
-              <a:t>© 2020 FLLTutorials, Last edit 05/25/2020</a:t>
+              <a:t>Copyright © 2020 Prime Lessons (primelessons.org) CC-BY-NC-SA.  (Last edit: 12/14/2020)</a:t>
+            </a:r>
+          </a:p>
+        </p:txBody>
+      </p:sp>
+      <p:sp>
+        <p:nvSpPr>
+          <p:cNvPr id="2" name="Slide Number Placeholder 1">
+            <a:extLst>
+              <a:ext uri="{FF2B5EF4-FFF2-40B4-BE49-F238E27FC236}">
+                <a16:creationId xmlns:a16="http://schemas.microsoft.com/office/drawing/2014/main" id="{B5D8D617-977B-4159-AC8D-AC20DDBB1594}"/>
+              </a:ext>
+            </a:extLst>
+          </p:cNvPr>
+          <p:cNvSpPr>
+            <a:spLocks noGrp="1"/>
+          </p:cNvSpPr>
+          <p:nvPr>
+            <p:ph type="sldNum" sz="quarter" idx="12"/>
+          </p:nvPr>
+        </p:nvSpPr>
+        <p:spPr/>
+        <p:txBody>
+          <a:bodyPr/>
+          <a:lstStyle/>
+          <a:p>
+            <a:fld id="{BBD74847-7BE4-4E4D-8159-51DF7B93C616}" type="slidenum">
+              <a:rPr lang="en-US" smtClean="0"/>
+              <a:t>3</a:t>
+            </a:fld>
+            <a:endParaRPr lang="en-US"/>
+          </a:p>
+        </p:txBody>
+      </p:sp>
+      <p:sp>
+        <p:nvSpPr>
+          <p:cNvPr id="6" name="Title 5">
+            <a:extLst>
+              <a:ext uri="{FF2B5EF4-FFF2-40B4-BE49-F238E27FC236}">
+                <a16:creationId xmlns:a16="http://schemas.microsoft.com/office/drawing/2014/main" id="{DEE447EA-3777-5F45-BC08-5638AC0E9F94}"/>
+              </a:ext>
+            </a:extLst>
+          </p:cNvPr>
+          <p:cNvSpPr>
+            <a:spLocks noGrp="1"/>
+          </p:cNvSpPr>
+          <p:nvPr>
+            <p:ph type="title"/>
+          </p:nvPr>
+        </p:nvSpPr>
+        <p:spPr/>
+        <p:txBody>
+          <a:bodyPr>
+            <a:normAutofit fontScale="90000"/>
+          </a:bodyPr>
+          <a:lstStyle/>
+          <a:p>
+            <a:r>
+              <a:rPr lang="en-US" dirty="0"/>
+              <a:t>When does Proportional Control Have Trouble?</a:t>
             </a:r>
           </a:p>
         </p:txBody>
@@ -18171,35 +20176,6 @@
               </a:rPr>
               <a:t>100%</a:t>
             </a:r>
-          </a:p>
-        </p:txBody>
-      </p:sp>
-      <p:sp>
-        <p:nvSpPr>
-          <p:cNvPr id="2" name="Slide Number Placeholder 1">
-            <a:extLst>
-              <a:ext uri="{FF2B5EF4-FFF2-40B4-BE49-F238E27FC236}">
-                <a16:creationId xmlns:a16="http://schemas.microsoft.com/office/drawing/2014/main" id="{B5D8D617-977B-4159-AC8D-AC20DDBB1594}"/>
-              </a:ext>
-            </a:extLst>
-          </p:cNvPr>
-          <p:cNvSpPr>
-            <a:spLocks noGrp="1"/>
-          </p:cNvSpPr>
-          <p:nvPr>
-            <p:ph type="sldNum" sz="quarter" idx="12"/>
-          </p:nvPr>
-        </p:nvSpPr>
-        <p:spPr/>
-        <p:txBody>
-          <a:bodyPr/>
-          <a:lstStyle/>
-          <a:p>
-            <a:fld id="{BBD74847-7BE4-4E4D-8159-51DF7B93C616}" type="slidenum">
-              <a:rPr lang="en-US" smtClean="0"/>
-              <a:t>3</a:t>
-            </a:fld>
-            <a:endParaRPr lang="en-US"/>
           </a:p>
         </p:txBody>
       </p:sp>
@@ -19799,6 +21775,64 @@
       </p:sp>
       <p:sp>
         <p:nvSpPr>
+          <p:cNvPr id="8" name="Content Placeholder 7">
+            <a:extLst>
+              <a:ext uri="{FF2B5EF4-FFF2-40B4-BE49-F238E27FC236}">
+                <a16:creationId xmlns:a16="http://schemas.microsoft.com/office/drawing/2014/main" id="{B77CA7A5-2B6E-3F42-97AB-C53C2FF16ED9}"/>
+              </a:ext>
+            </a:extLst>
+          </p:cNvPr>
+          <p:cNvSpPr>
+            <a:spLocks noGrp="1"/>
+          </p:cNvSpPr>
+          <p:nvPr>
+            <p:ph sz="half" idx="2"/>
+          </p:nvPr>
+        </p:nvSpPr>
+        <p:spPr>
+          <a:xfrm>
+            <a:off x="458326" y="2458437"/>
+            <a:ext cx="3162736" cy="2201249"/>
+          </a:xfrm>
+        </p:spPr>
+        <p:txBody>
+          <a:bodyPr/>
+          <a:lstStyle/>
+          <a:p>
+            <a:pPr marL="0" indent="0">
+              <a:buNone/>
+            </a:pPr>
+            <a:r>
+              <a:rPr lang="en-US" dirty="0">
+                <a:sym typeface="Wingdings" pitchFamily="2" charset="2"/>
+              </a:rPr>
+              <a:t>Turning left/on line  turn right</a:t>
+            </a:r>
+          </a:p>
+          <a:p>
+            <a:pPr marL="0" indent="0">
+              <a:buNone/>
+            </a:pPr>
+            <a:r>
+              <a:rPr lang="en-US" dirty="0">
+                <a:sym typeface="Wingdings" pitchFamily="2" charset="2"/>
+              </a:rPr>
+              <a:t>Getting further from line  turn even more!</a:t>
+            </a:r>
+          </a:p>
+          <a:p>
+            <a:endParaRPr lang="en-US" dirty="0"/>
+          </a:p>
+          <a:p>
+            <a:pPr marL="0" indent="0">
+              <a:buNone/>
+            </a:pPr>
+            <a:endParaRPr lang="en-US" dirty="0"/>
+          </a:p>
+        </p:txBody>
+      </p:sp>
+      <p:sp>
+        <p:nvSpPr>
           <p:cNvPr id="9" name="Text Placeholder 8">
             <a:extLst>
               <a:ext uri="{FF2B5EF4-FFF2-40B4-BE49-F238E27FC236}">
@@ -19918,7 +21952,64 @@
           <a:p>
             <a:r>
               <a:rPr lang="en-US"/>
-              <a:t>© 2020 FLLTutorials, Last edit 05/25/2020</a:t>
+              <a:t>Copyright © 2020 Prime Lessons (primelessons.org) CC-BY-NC-SA.  (Last edit: 12/14/2020)</a:t>
+            </a:r>
+          </a:p>
+        </p:txBody>
+      </p:sp>
+      <p:sp>
+        <p:nvSpPr>
+          <p:cNvPr id="5" name="Slide Number Placeholder 4">
+            <a:extLst>
+              <a:ext uri="{FF2B5EF4-FFF2-40B4-BE49-F238E27FC236}">
+                <a16:creationId xmlns:a16="http://schemas.microsoft.com/office/drawing/2014/main" id="{6EE042C0-5520-4533-851C-6842D62EB2E8}"/>
+              </a:ext>
+            </a:extLst>
+          </p:cNvPr>
+          <p:cNvSpPr>
+            <a:spLocks noGrp="1"/>
+          </p:cNvSpPr>
+          <p:nvPr>
+            <p:ph type="sldNum" sz="quarter" idx="12"/>
+          </p:nvPr>
+        </p:nvSpPr>
+        <p:spPr/>
+        <p:txBody>
+          <a:bodyPr/>
+          <a:lstStyle/>
+          <a:p>
+            <a:fld id="{BBD74847-7BE4-4E4D-8159-51DF7B93C616}" type="slidenum">
+              <a:rPr lang="en-US" smtClean="0"/>
+              <a:t>4</a:t>
+            </a:fld>
+            <a:endParaRPr lang="en-US"/>
+          </a:p>
+        </p:txBody>
+      </p:sp>
+      <p:sp>
+        <p:nvSpPr>
+          <p:cNvPr id="12" name="Title 11">
+            <a:extLst>
+              <a:ext uri="{FF2B5EF4-FFF2-40B4-BE49-F238E27FC236}">
+                <a16:creationId xmlns:a16="http://schemas.microsoft.com/office/drawing/2014/main" id="{7FC70F47-CA62-5C40-9D83-733A271A5B31}"/>
+              </a:ext>
+            </a:extLst>
+          </p:cNvPr>
+          <p:cNvSpPr>
+            <a:spLocks noGrp="1"/>
+          </p:cNvSpPr>
+          <p:nvPr>
+            <p:ph type="title"/>
+          </p:nvPr>
+        </p:nvSpPr>
+        <p:spPr/>
+        <p:txBody>
+          <a:bodyPr/>
+          <a:lstStyle/>
+          <a:p>
+            <a:r>
+              <a:rPr lang="en-US" dirty="0"/>
+              <a:t>How can we fix Proportional Control?</a:t>
             </a:r>
           </a:p>
         </p:txBody>
@@ -21099,121 +23190,6 @@
           </a:p>
         </p:txBody>
       </p:sp>
-      <p:sp>
-        <p:nvSpPr>
-          <p:cNvPr id="12" name="Title 11">
-            <a:extLst>
-              <a:ext uri="{FF2B5EF4-FFF2-40B4-BE49-F238E27FC236}">
-                <a16:creationId xmlns:a16="http://schemas.microsoft.com/office/drawing/2014/main" id="{7FC70F47-CA62-5C40-9D83-733A271A5B31}"/>
-              </a:ext>
-            </a:extLst>
-          </p:cNvPr>
-          <p:cNvSpPr>
-            <a:spLocks noGrp="1"/>
-          </p:cNvSpPr>
-          <p:nvPr>
-            <p:ph type="title"/>
-          </p:nvPr>
-        </p:nvSpPr>
-        <p:spPr/>
-        <p:txBody>
-          <a:bodyPr/>
-          <a:lstStyle/>
-          <a:p>
-            <a:r>
-              <a:rPr lang="en-US" dirty="0"/>
-              <a:t>How can we fix Proportional Control?</a:t>
-            </a:r>
-          </a:p>
-        </p:txBody>
-      </p:sp>
-      <p:sp>
-        <p:nvSpPr>
-          <p:cNvPr id="8" name="Content Placeholder 7">
-            <a:extLst>
-              <a:ext uri="{FF2B5EF4-FFF2-40B4-BE49-F238E27FC236}">
-                <a16:creationId xmlns:a16="http://schemas.microsoft.com/office/drawing/2014/main" id="{B77CA7A5-2B6E-3F42-97AB-C53C2FF16ED9}"/>
-              </a:ext>
-            </a:extLst>
-          </p:cNvPr>
-          <p:cNvSpPr>
-            <a:spLocks noGrp="1"/>
-          </p:cNvSpPr>
-          <p:nvPr>
-            <p:ph sz="half" idx="2"/>
-          </p:nvPr>
-        </p:nvSpPr>
-        <p:spPr>
-          <a:xfrm>
-            <a:off x="458326" y="2458437"/>
-            <a:ext cx="3162736" cy="2201249"/>
-          </a:xfrm>
-        </p:spPr>
-        <p:txBody>
-          <a:bodyPr/>
-          <a:lstStyle/>
-          <a:p>
-            <a:pPr marL="0" indent="0">
-              <a:buNone/>
-            </a:pPr>
-            <a:r>
-              <a:rPr lang="en-US" dirty="0">
-                <a:sym typeface="Wingdings" pitchFamily="2" charset="2"/>
-              </a:rPr>
-              <a:t>Turning left/on line  turn right</a:t>
-            </a:r>
-          </a:p>
-          <a:p>
-            <a:pPr marL="0" indent="0">
-              <a:buNone/>
-            </a:pPr>
-            <a:r>
-              <a:rPr lang="en-US" dirty="0">
-                <a:sym typeface="Wingdings" pitchFamily="2" charset="2"/>
-              </a:rPr>
-              <a:t>Getting further from line  turn even more!</a:t>
-            </a:r>
-          </a:p>
-          <a:p>
-            <a:endParaRPr lang="en-US" dirty="0"/>
-          </a:p>
-          <a:p>
-            <a:pPr marL="0" indent="0">
-              <a:buNone/>
-            </a:pPr>
-            <a:endParaRPr lang="en-US" dirty="0"/>
-          </a:p>
-        </p:txBody>
-      </p:sp>
-      <p:sp>
-        <p:nvSpPr>
-          <p:cNvPr id="5" name="Slide Number Placeholder 4">
-            <a:extLst>
-              <a:ext uri="{FF2B5EF4-FFF2-40B4-BE49-F238E27FC236}">
-                <a16:creationId xmlns:a16="http://schemas.microsoft.com/office/drawing/2014/main" id="{6EE042C0-5520-4533-851C-6842D62EB2E8}"/>
-              </a:ext>
-            </a:extLst>
-          </p:cNvPr>
-          <p:cNvSpPr>
-            <a:spLocks noGrp="1"/>
-          </p:cNvSpPr>
-          <p:nvPr>
-            <p:ph type="sldNum" sz="quarter" idx="12"/>
-          </p:nvPr>
-        </p:nvSpPr>
-        <p:spPr/>
-        <p:txBody>
-          <a:bodyPr/>
-          <a:lstStyle/>
-          <a:p>
-            <a:fld id="{BBD74847-7BE4-4E4D-8159-51DF7B93C616}" type="slidenum">
-              <a:rPr lang="en-US" smtClean="0"/>
-              <a:t>4</a:t>
-            </a:fld>
-            <a:endParaRPr lang="en-US"/>
-          </a:p>
-        </p:txBody>
-      </p:sp>
     </p:spTree>
     <p:extLst>
       <p:ext uri="{BB962C8B-B14F-4D97-AF65-F5344CB8AC3E}">
@@ -21506,10 +23482,10 @@
       </p:grpSpPr>
       <p:sp>
         <p:nvSpPr>
-          <p:cNvPr id="2" name="Title 1">
+          <p:cNvPr id="9" name="Content Placeholder 7">
             <a:extLst>
               <a:ext uri="{FF2B5EF4-FFF2-40B4-BE49-F238E27FC236}">
-                <a16:creationId xmlns:a16="http://schemas.microsoft.com/office/drawing/2014/main" id="{0438B18F-011D-A647-B265-1FF2DCC9CED7}"/>
+                <a16:creationId xmlns:a16="http://schemas.microsoft.com/office/drawing/2014/main" id="{1EC5F1F4-E397-1E49-B510-1B2754CD68EA}"/>
               </a:ext>
             </a:extLst>
           </p:cNvPr>
@@ -21517,18 +23493,75 @@
             <a:spLocks noGrp="1"/>
           </p:cNvSpPr>
           <p:nvPr>
-            <p:ph type="title"/>
+            <p:ph sz="half" idx="2"/>
           </p:nvPr>
         </p:nvSpPr>
-        <p:spPr/>
+        <p:spPr>
+          <a:xfrm>
+            <a:off x="135954" y="2019152"/>
+            <a:ext cx="3296899" cy="3225627"/>
+          </a:xfrm>
+        </p:spPr>
         <p:txBody>
-          <a:bodyPr/>
+          <a:bodyPr>
+            <a:normAutofit/>
+          </a:bodyPr>
           <a:lstStyle/>
           <a:p>
-            <a:r>
-              <a:rPr lang="en-US" dirty="0"/>
-              <a:t>Integrals and Derivatives</a:t>
-            </a:r>
+            <a:pPr>
+              <a:buFont typeface="Arial" panose="020B0604020202020204" pitchFamily="34" charset="0"/>
+              <a:buChar char="•"/>
+            </a:pPr>
+            <a:r>
+              <a:rPr lang="en-US" dirty="0">
+                <a:sym typeface="Wingdings" pitchFamily="2" charset="2"/>
+              </a:rPr>
+              <a:t>If readings are: 75, 65, 55  what do you think the next reading will be?</a:t>
+            </a:r>
+          </a:p>
+          <a:p>
+            <a:pPr lvl="1">
+              <a:buFont typeface="Arial" panose="020B0604020202020204" pitchFamily="34" charset="0"/>
+              <a:buChar char="•"/>
+            </a:pPr>
+            <a:r>
+              <a:rPr lang="en-US" dirty="0">
+                <a:sym typeface="Wingdings" pitchFamily="2" charset="2"/>
+              </a:rPr>
+              <a:t>What if the readings were 57, 56, 55…</a:t>
+            </a:r>
+          </a:p>
+          <a:p>
+            <a:pPr>
+              <a:buFont typeface="Arial" panose="020B0604020202020204" pitchFamily="34" charset="0"/>
+              <a:buChar char="•"/>
+            </a:pPr>
+            <a:r>
+              <a:rPr lang="en-US" dirty="0">
+                <a:sym typeface="Wingdings" pitchFamily="2" charset="2"/>
+              </a:rPr>
+              <a:t>What information did you use to guess?</a:t>
+            </a:r>
+          </a:p>
+          <a:p>
+            <a:pPr>
+              <a:buFont typeface="Arial" panose="020B0604020202020204" pitchFamily="34" charset="0"/>
+              <a:buChar char="•"/>
+            </a:pPr>
+            <a:r>
+              <a:rPr lang="en-US" dirty="0">
+                <a:sym typeface="Wingdings" pitchFamily="2" charset="2"/>
+              </a:rPr>
+              <a:t>Derivative  the rate at which a value is changing</a:t>
+            </a:r>
+            <a:endParaRPr lang="en-US" dirty="0"/>
+          </a:p>
+          <a:p>
+            <a:pPr>
+              <a:buFont typeface="Arial" panose="020B0604020202020204" pitchFamily="34" charset="0"/>
+              <a:buChar char="•"/>
+            </a:pPr>
+            <a:endParaRPr lang="en-US" dirty="0"/>
           </a:p>
         </p:txBody>
       </p:sp>
@@ -21681,9 +23714,66 @@
           <a:p>
             <a:r>
               <a:rPr lang="en-US"/>
-              <a:t>© 2020 FLLTutorials, Last edit 05/25/2020</a:t>
+              <a:t>Copyright © 2020 Prime Lessons (primelessons.org) CC-BY-NC-SA.  (Last edit: 12/14/2020)</a:t>
             </a:r>
             <a:endParaRPr lang="en-US" dirty="0"/>
+          </a:p>
+        </p:txBody>
+      </p:sp>
+      <p:sp>
+        <p:nvSpPr>
+          <p:cNvPr id="3" name="Slide Number Placeholder 2">
+            <a:extLst>
+              <a:ext uri="{FF2B5EF4-FFF2-40B4-BE49-F238E27FC236}">
+                <a16:creationId xmlns:a16="http://schemas.microsoft.com/office/drawing/2014/main" id="{5D1F31EA-FCF2-4342-9B86-3F2CBCDA52D4}"/>
+              </a:ext>
+            </a:extLst>
+          </p:cNvPr>
+          <p:cNvSpPr>
+            <a:spLocks noGrp="1"/>
+          </p:cNvSpPr>
+          <p:nvPr>
+            <p:ph type="sldNum" sz="quarter" idx="12"/>
+          </p:nvPr>
+        </p:nvSpPr>
+        <p:spPr/>
+        <p:txBody>
+          <a:bodyPr/>
+          <a:lstStyle/>
+          <a:p>
+            <a:fld id="{BBD74847-7BE4-4E4D-8159-51DF7B93C616}" type="slidenum">
+              <a:rPr lang="en-US" smtClean="0"/>
+              <a:t>5</a:t>
+            </a:fld>
+            <a:endParaRPr lang="en-US"/>
+          </a:p>
+        </p:txBody>
+      </p:sp>
+      <p:sp>
+        <p:nvSpPr>
+          <p:cNvPr id="2" name="Title 1">
+            <a:extLst>
+              <a:ext uri="{FF2B5EF4-FFF2-40B4-BE49-F238E27FC236}">
+                <a16:creationId xmlns:a16="http://schemas.microsoft.com/office/drawing/2014/main" id="{0438B18F-011D-A647-B265-1FF2DCC9CED7}"/>
+              </a:ext>
+            </a:extLst>
+          </p:cNvPr>
+          <p:cNvSpPr>
+            <a:spLocks noGrp="1"/>
+          </p:cNvSpPr>
+          <p:nvPr>
+            <p:ph type="title"/>
+          </p:nvPr>
+        </p:nvSpPr>
+        <p:spPr/>
+        <p:txBody>
+          <a:bodyPr/>
+          <a:lstStyle/>
+          <a:p>
+            <a:r>
+              <a:rPr lang="en-US" dirty="0"/>
+              <a:t>Integrals and Derivatives</a:t>
+            </a:r>
           </a:p>
         </p:txBody>
       </p:sp>
@@ -22863,120 +24953,6 @@
           </a:p>
         </p:txBody>
       </p:sp>
-      <p:sp>
-        <p:nvSpPr>
-          <p:cNvPr id="9" name="Content Placeholder 7">
-            <a:extLst>
-              <a:ext uri="{FF2B5EF4-FFF2-40B4-BE49-F238E27FC236}">
-                <a16:creationId xmlns:a16="http://schemas.microsoft.com/office/drawing/2014/main" id="{1EC5F1F4-E397-1E49-B510-1B2754CD68EA}"/>
-              </a:ext>
-            </a:extLst>
-          </p:cNvPr>
-          <p:cNvSpPr>
-            <a:spLocks noGrp="1"/>
-          </p:cNvSpPr>
-          <p:nvPr>
-            <p:ph sz="half" idx="2"/>
-          </p:nvPr>
-        </p:nvSpPr>
-        <p:spPr>
-          <a:xfrm>
-            <a:off x="135954" y="2019152"/>
-            <a:ext cx="3296899" cy="3225627"/>
-          </a:xfrm>
-        </p:spPr>
-        <p:txBody>
-          <a:bodyPr>
-            <a:normAutofit/>
-          </a:bodyPr>
-          <a:lstStyle/>
-          <a:p>
-            <a:pPr>
-              <a:buFont typeface="Arial" panose="020B0604020202020204" pitchFamily="34" charset="0"/>
-              <a:buChar char="•"/>
-            </a:pPr>
-            <a:r>
-              <a:rPr lang="en-US" dirty="0">
-                <a:sym typeface="Wingdings" pitchFamily="2" charset="2"/>
-              </a:rPr>
-              <a:t>If readings are: 75, 65, 55  what do you think the next reading will be?</a:t>
-            </a:r>
-          </a:p>
-          <a:p>
-            <a:pPr lvl="1">
-              <a:buFont typeface="Arial" panose="020B0604020202020204" pitchFamily="34" charset="0"/>
-              <a:buChar char="•"/>
-            </a:pPr>
-            <a:r>
-              <a:rPr lang="en-US" dirty="0">
-                <a:sym typeface="Wingdings" pitchFamily="2" charset="2"/>
-              </a:rPr>
-              <a:t>What if the readings were 57, 56, 55…</a:t>
-            </a:r>
-          </a:p>
-          <a:p>
-            <a:pPr>
-              <a:buFont typeface="Arial" panose="020B0604020202020204" pitchFamily="34" charset="0"/>
-              <a:buChar char="•"/>
-            </a:pPr>
-            <a:r>
-              <a:rPr lang="en-US" dirty="0">
-                <a:sym typeface="Wingdings" pitchFamily="2" charset="2"/>
-              </a:rPr>
-              <a:t>What information did you use to guess?</a:t>
-            </a:r>
-          </a:p>
-          <a:p>
-            <a:pPr>
-              <a:buFont typeface="Arial" panose="020B0604020202020204" pitchFamily="34" charset="0"/>
-              <a:buChar char="•"/>
-            </a:pPr>
-            <a:r>
-              <a:rPr lang="en-US" dirty="0">
-                <a:sym typeface="Wingdings" pitchFamily="2" charset="2"/>
-              </a:rPr>
-              <a:t>Derivative  the rate at which a value is changing</a:t>
-            </a:r>
-            <a:endParaRPr lang="en-US" dirty="0"/>
-          </a:p>
-          <a:p>
-            <a:pPr>
-              <a:buFont typeface="Arial" panose="020B0604020202020204" pitchFamily="34" charset="0"/>
-              <a:buChar char="•"/>
-            </a:pPr>
-            <a:endParaRPr lang="en-US" dirty="0"/>
-          </a:p>
-        </p:txBody>
-      </p:sp>
-      <p:sp>
-        <p:nvSpPr>
-          <p:cNvPr id="3" name="Slide Number Placeholder 2">
-            <a:extLst>
-              <a:ext uri="{FF2B5EF4-FFF2-40B4-BE49-F238E27FC236}">
-                <a16:creationId xmlns:a16="http://schemas.microsoft.com/office/drawing/2014/main" id="{5D1F31EA-FCF2-4342-9B86-3F2CBCDA52D4}"/>
-              </a:ext>
-            </a:extLst>
-          </p:cNvPr>
-          <p:cNvSpPr>
-            <a:spLocks noGrp="1"/>
-          </p:cNvSpPr>
-          <p:nvPr>
-            <p:ph type="sldNum" sz="quarter" idx="12"/>
-          </p:nvPr>
-        </p:nvSpPr>
-        <p:spPr/>
-        <p:txBody>
-          <a:bodyPr/>
-          <a:lstStyle/>
-          <a:p>
-            <a:fld id="{BBD74847-7BE4-4E4D-8159-51DF7B93C616}" type="slidenum">
-              <a:rPr lang="en-US" smtClean="0"/>
-              <a:t>5</a:t>
-            </a:fld>
-            <a:endParaRPr lang="en-US"/>
-          </a:p>
-        </p:txBody>
-      </p:sp>
     </p:spTree>
     <p:extLst>
       <p:ext uri="{BB962C8B-B14F-4D97-AF65-F5344CB8AC3E}">
@@ -23498,6 +25474,34 @@
       </p:grpSpPr>
       <p:sp>
         <p:nvSpPr>
+          <p:cNvPr id="2" name="Title 1">
+            <a:extLst>
+              <a:ext uri="{FF2B5EF4-FFF2-40B4-BE49-F238E27FC236}">
+                <a16:creationId xmlns:a16="http://schemas.microsoft.com/office/drawing/2014/main" id="{4402BD92-8E35-9446-8450-299F5F4F9A76}"/>
+              </a:ext>
+            </a:extLst>
+          </p:cNvPr>
+          <p:cNvSpPr>
+            <a:spLocks noGrp="1"/>
+          </p:cNvSpPr>
+          <p:nvPr>
+            <p:ph type="title"/>
+          </p:nvPr>
+        </p:nvSpPr>
+        <p:spPr/>
+        <p:txBody>
+          <a:bodyPr/>
+          <a:lstStyle/>
+          <a:p>
+            <a:r>
+              <a:rPr lang="en-US" dirty="0"/>
+              <a:t>What is PID?   </a:t>
+            </a:r>
+          </a:p>
+        </p:txBody>
+      </p:sp>
+      <p:sp>
+        <p:nvSpPr>
           <p:cNvPr id="3" name="Content Placeholder 2">
             <a:extLst>
               <a:ext uri="{FF2B5EF4-FFF2-40B4-BE49-F238E27FC236}">
@@ -23611,35 +25615,7 @@
           <a:p>
             <a:r>
               <a:rPr lang="en-US"/>
-              <a:t>© 2020 FLLTutorials, Last edit 05/25/2020</a:t>
-            </a:r>
-          </a:p>
-        </p:txBody>
-      </p:sp>
-      <p:sp>
-        <p:nvSpPr>
-          <p:cNvPr id="2" name="Title 1">
-            <a:extLst>
-              <a:ext uri="{FF2B5EF4-FFF2-40B4-BE49-F238E27FC236}">
-                <a16:creationId xmlns:a16="http://schemas.microsoft.com/office/drawing/2014/main" id="{4402BD92-8E35-9446-8450-299F5F4F9A76}"/>
-              </a:ext>
-            </a:extLst>
-          </p:cNvPr>
-          <p:cNvSpPr>
-            <a:spLocks noGrp="1"/>
-          </p:cNvSpPr>
-          <p:nvPr>
-            <p:ph type="title"/>
-          </p:nvPr>
-        </p:nvSpPr>
-        <p:spPr/>
-        <p:txBody>
-          <a:bodyPr/>
-          <a:lstStyle/>
-          <a:p>
-            <a:r>
-              <a:rPr lang="en-US" dirty="0"/>
-              <a:t>What is PID?   </a:t>
+              <a:t>Copyright © 2020 Prime Lessons (primelessons.org) CC-BY-NC-SA.  (Last edit: 12/14/2020)</a:t>
             </a:r>
           </a:p>
         </p:txBody>
@@ -23717,6 +25693,34 @@
       </p:grpSpPr>
       <p:sp>
         <p:nvSpPr>
+          <p:cNvPr id="2" name="Title 1">
+            <a:extLst>
+              <a:ext uri="{FF2B5EF4-FFF2-40B4-BE49-F238E27FC236}">
+                <a16:creationId xmlns:a16="http://schemas.microsoft.com/office/drawing/2014/main" id="{8266187B-6AE4-2943-97EC-D0A0590F50F1}"/>
+              </a:ext>
+            </a:extLst>
+          </p:cNvPr>
+          <p:cNvSpPr>
+            <a:spLocks noGrp="1"/>
+          </p:cNvSpPr>
+          <p:nvPr>
+            <p:ph type="title"/>
+          </p:nvPr>
+        </p:nvSpPr>
+        <p:spPr/>
+        <p:txBody>
+          <a:bodyPr/>
+          <a:lstStyle/>
+          <a:p>
+            <a:r>
+              <a:rPr lang="en-US" dirty="0"/>
+              <a:t>Error</a:t>
+            </a:r>
+          </a:p>
+        </p:txBody>
+      </p:sp>
+      <p:sp>
+        <p:nvSpPr>
           <p:cNvPr id="3" name="Content Placeholder 2">
             <a:extLst>
               <a:ext uri="{FF2B5EF4-FFF2-40B4-BE49-F238E27FC236}">
@@ -23791,7 +25795,7 @@
           <a:p>
             <a:r>
               <a:rPr lang="en-US"/>
-              <a:t>© 2020 FLLTutorials, Last edit 05/25/2020</a:t>
+              <a:t>Copyright © 2020 Prime Lessons (primelessons.org) CC-BY-NC-SA.  (Last edit: 12/14/2020)</a:t>
             </a:r>
             <a:endParaRPr lang="en-US" dirty="0"/>
           </a:p>
@@ -23799,10 +25803,10 @@
       </p:sp>
       <p:sp>
         <p:nvSpPr>
-          <p:cNvPr id="2" name="Title 1">
+          <p:cNvPr id="5" name="Slide Number Placeholder 4">
             <a:extLst>
               <a:ext uri="{FF2B5EF4-FFF2-40B4-BE49-F238E27FC236}">
-                <a16:creationId xmlns:a16="http://schemas.microsoft.com/office/drawing/2014/main" id="{8266187B-6AE4-2943-97EC-D0A0590F50F1}"/>
+                <a16:creationId xmlns:a16="http://schemas.microsoft.com/office/drawing/2014/main" id="{F3696755-F3E6-4524-8C44-46F08E5FEC93}"/>
               </a:ext>
             </a:extLst>
           </p:cNvPr>
@@ -23810,7 +25814,7 @@
             <a:spLocks noGrp="1"/>
           </p:cNvSpPr>
           <p:nvPr>
-            <p:ph type="title"/>
+            <p:ph type="sldNum" sz="quarter" idx="12"/>
           </p:nvPr>
         </p:nvSpPr>
         <p:spPr/>
@@ -23818,10 +25822,11 @@
           <a:bodyPr/>
           <a:lstStyle/>
           <a:p>
-            <a:r>
-              <a:rPr lang="en-US" dirty="0"/>
-              <a:t>Error</a:t>
-            </a:r>
+            <a:fld id="{BBD74847-7BE4-4E4D-8159-51DF7B93C616}" type="slidenum">
+              <a:rPr lang="en-US" smtClean="0"/>
+              <a:t>7</a:t>
+            </a:fld>
+            <a:endParaRPr lang="en-US"/>
           </a:p>
         </p:txBody>
       </p:sp>
@@ -24048,35 +26053,6 @@
           </a:fontRef>
         </p:style>
       </p:cxnSp>
-      <p:sp>
-        <p:nvSpPr>
-          <p:cNvPr id="5" name="Slide Number Placeholder 4">
-            <a:extLst>
-              <a:ext uri="{FF2B5EF4-FFF2-40B4-BE49-F238E27FC236}">
-                <a16:creationId xmlns:a16="http://schemas.microsoft.com/office/drawing/2014/main" id="{F3696755-F3E6-4524-8C44-46F08E5FEC93}"/>
-              </a:ext>
-            </a:extLst>
-          </p:cNvPr>
-          <p:cNvSpPr>
-            <a:spLocks noGrp="1"/>
-          </p:cNvSpPr>
-          <p:nvPr>
-            <p:ph type="sldNum" sz="quarter" idx="12"/>
-          </p:nvPr>
-        </p:nvSpPr>
-        <p:spPr/>
-        <p:txBody>
-          <a:bodyPr/>
-          <a:lstStyle/>
-          <a:p>
-            <a:fld id="{BBD74847-7BE4-4E4D-8159-51DF7B93C616}" type="slidenum">
-              <a:rPr lang="en-US" smtClean="0"/>
-              <a:t>7</a:t>
-            </a:fld>
-            <a:endParaRPr lang="en-US"/>
-          </a:p>
-        </p:txBody>
-      </p:sp>
     </p:spTree>
     <p:extLst>
       <p:ext uri="{BB962C8B-B14F-4D97-AF65-F5344CB8AC3E}">
@@ -24121,6 +26097,34 @@
       </p:grpSpPr>
       <p:sp>
         <p:nvSpPr>
+          <p:cNvPr id="2" name="Title 1">
+            <a:extLst>
+              <a:ext uri="{FF2B5EF4-FFF2-40B4-BE49-F238E27FC236}">
+                <a16:creationId xmlns:a16="http://schemas.microsoft.com/office/drawing/2014/main" id="{D9BB527D-5917-4F40-927B-40967E0E6CE7}"/>
+              </a:ext>
+            </a:extLst>
+          </p:cNvPr>
+          <p:cNvSpPr>
+            <a:spLocks noGrp="1"/>
+          </p:cNvSpPr>
+          <p:nvPr>
+            <p:ph type="title"/>
+          </p:nvPr>
+        </p:nvSpPr>
+        <p:spPr/>
+        <p:txBody>
+          <a:bodyPr/>
+          <a:lstStyle/>
+          <a:p>
+            <a:r>
+              <a:rPr lang="en-US" dirty="0"/>
+              <a:t>Integral</a:t>
+            </a:r>
+          </a:p>
+        </p:txBody>
+      </p:sp>
+      <p:sp>
+        <p:nvSpPr>
           <p:cNvPr id="3" name="Content Placeholder 2">
             <a:extLst>
               <a:ext uri="{FF2B5EF4-FFF2-40B4-BE49-F238E27FC236}">
@@ -24210,17 +26214,17 @@
           <a:p>
             <a:r>
               <a:rPr lang="en-US"/>
-              <a:t>© 2020 FLLTutorials, Last edit 05/25/2020</a:t>
+              <a:t>Copyright © 2020 Prime Lessons (primelessons.org) CC-BY-NC-SA.  (Last edit: 12/14/2020)</a:t>
             </a:r>
           </a:p>
         </p:txBody>
       </p:sp>
       <p:sp>
         <p:nvSpPr>
-          <p:cNvPr id="2" name="Title 1">
+          <p:cNvPr id="5" name="Slide Number Placeholder 4">
             <a:extLst>
               <a:ext uri="{FF2B5EF4-FFF2-40B4-BE49-F238E27FC236}">
-                <a16:creationId xmlns:a16="http://schemas.microsoft.com/office/drawing/2014/main" id="{D9BB527D-5917-4F40-927B-40967E0E6CE7}"/>
+                <a16:creationId xmlns:a16="http://schemas.microsoft.com/office/drawing/2014/main" id="{EB5B0C5F-2DF3-46FA-B0CC-402ECDB99B60}"/>
               </a:ext>
             </a:extLst>
           </p:cNvPr>
@@ -24228,7 +26232,7 @@
             <a:spLocks noGrp="1"/>
           </p:cNvSpPr>
           <p:nvPr>
-            <p:ph type="title"/>
+            <p:ph type="sldNum" sz="quarter" idx="12"/>
           </p:nvPr>
         </p:nvSpPr>
         <p:spPr/>
@@ -24236,10 +26240,11 @@
           <a:bodyPr/>
           <a:lstStyle/>
           <a:p>
-            <a:r>
-              <a:rPr lang="en-US" dirty="0"/>
-              <a:t>Integral</a:t>
-            </a:r>
+            <a:fld id="{BBD74847-7BE4-4E4D-8159-51DF7B93C616}" type="slidenum">
+              <a:rPr lang="en-US" smtClean="0"/>
+              <a:t>8</a:t>
+            </a:fld>
+            <a:endParaRPr lang="en-US"/>
           </a:p>
         </p:txBody>
       </p:sp>
@@ -24291,35 +26296,6 @@
           </a:graphicData>
         </a:graphic>
       </p:graphicFrame>
-      <p:sp>
-        <p:nvSpPr>
-          <p:cNvPr id="5" name="Slide Number Placeholder 4">
-            <a:extLst>
-              <a:ext uri="{FF2B5EF4-FFF2-40B4-BE49-F238E27FC236}">
-                <a16:creationId xmlns:a16="http://schemas.microsoft.com/office/drawing/2014/main" id="{EB5B0C5F-2DF3-46FA-B0CC-402ECDB99B60}"/>
-              </a:ext>
-            </a:extLst>
-          </p:cNvPr>
-          <p:cNvSpPr>
-            <a:spLocks noGrp="1"/>
-          </p:cNvSpPr>
-          <p:nvPr>
-            <p:ph type="sldNum" sz="quarter" idx="12"/>
-          </p:nvPr>
-        </p:nvSpPr>
-        <p:spPr/>
-        <p:txBody>
-          <a:bodyPr/>
-          <a:lstStyle/>
-          <a:p>
-            <a:fld id="{BBD74847-7BE4-4E4D-8159-51DF7B93C616}" type="slidenum">
-              <a:rPr lang="en-US" smtClean="0"/>
-              <a:t>8</a:t>
-            </a:fld>
-            <a:endParaRPr lang="en-US"/>
-          </a:p>
-        </p:txBody>
-      </p:sp>
     </p:spTree>
     <p:extLst>
       <p:ext uri="{BB962C8B-B14F-4D97-AF65-F5344CB8AC3E}">
@@ -24364,6 +26340,34 @@
       </p:grpSpPr>
       <p:sp>
         <p:nvSpPr>
+          <p:cNvPr id="2" name="Title 1">
+            <a:extLst>
+              <a:ext uri="{FF2B5EF4-FFF2-40B4-BE49-F238E27FC236}">
+                <a16:creationId xmlns:a16="http://schemas.microsoft.com/office/drawing/2014/main" id="{8F041D0E-5012-F240-AD2F-A4413AD76CB9}"/>
+              </a:ext>
+            </a:extLst>
+          </p:cNvPr>
+          <p:cNvSpPr>
+            <a:spLocks noGrp="1"/>
+          </p:cNvSpPr>
+          <p:nvPr>
+            <p:ph type="title"/>
+          </p:nvPr>
+        </p:nvSpPr>
+        <p:spPr/>
+        <p:txBody>
+          <a:bodyPr/>
+          <a:lstStyle/>
+          <a:p>
+            <a:r>
+              <a:rPr lang="en-US" dirty="0"/>
+              <a:t>Derivative</a:t>
+            </a:r>
+          </a:p>
+        </p:txBody>
+      </p:sp>
+      <p:sp>
+        <p:nvSpPr>
           <p:cNvPr id="3" name="Content Placeholder 2">
             <a:extLst>
               <a:ext uri="{FF2B5EF4-FFF2-40B4-BE49-F238E27FC236}">
@@ -24455,26 +26459,19 @@
           <a:lstStyle/>
           <a:p>
             <a:r>
-              <a:rPr lang="en-US" dirty="0"/>
-              <a:t>© 2020 </a:t>
-            </a:r>
-            <a:r>
-              <a:rPr lang="en-US" dirty="0" err="1"/>
-              <a:t>FLLTutorials</a:t>
-            </a:r>
-            <a:r>
-              <a:rPr lang="en-US" dirty="0"/>
-              <a:t>, Last edit 05/25/2020</a:t>
-            </a:r>
+              <a:rPr lang="en-US"/>
+              <a:t>Copyright © 2020 Prime Lessons (primelessons.org) CC-BY-NC-SA.  (Last edit: 12/14/2020)</a:t>
+            </a:r>
+            <a:endParaRPr lang="en-US" dirty="0"/>
           </a:p>
         </p:txBody>
       </p:sp>
       <p:sp>
         <p:nvSpPr>
-          <p:cNvPr id="2" name="Title 1">
+          <p:cNvPr id="13" name="Slide Number Placeholder 12">
             <a:extLst>
               <a:ext uri="{FF2B5EF4-FFF2-40B4-BE49-F238E27FC236}">
-                <a16:creationId xmlns:a16="http://schemas.microsoft.com/office/drawing/2014/main" id="{8F041D0E-5012-F240-AD2F-A4413AD76CB9}"/>
+                <a16:creationId xmlns:a16="http://schemas.microsoft.com/office/drawing/2014/main" id="{9722330A-AA40-44D0-A214-A9AC70165192}"/>
               </a:ext>
             </a:extLst>
           </p:cNvPr>
@@ -24482,7 +26479,7 @@
             <a:spLocks noGrp="1"/>
           </p:cNvSpPr>
           <p:nvPr>
-            <p:ph type="title"/>
+            <p:ph type="sldNum" sz="quarter" idx="12"/>
           </p:nvPr>
         </p:nvSpPr>
         <p:spPr/>
@@ -24490,10 +26487,11 @@
           <a:bodyPr/>
           <a:lstStyle/>
           <a:p>
-            <a:r>
-              <a:rPr lang="en-US" dirty="0"/>
-              <a:t>Derivative</a:t>
-            </a:r>
+            <a:fld id="{BBD74847-7BE4-4E4D-8159-51DF7B93C616}" type="slidenum">
+              <a:rPr lang="en-US" smtClean="0"/>
+              <a:t>9</a:t>
+            </a:fld>
+            <a:endParaRPr lang="en-US"/>
           </a:p>
         </p:txBody>
       </p:sp>
@@ -24739,35 +26737,6 @@
           </a:graphicData>
         </a:graphic>
       </p:graphicFrame>
-      <p:sp>
-        <p:nvSpPr>
-          <p:cNvPr id="13" name="Slide Number Placeholder 12">
-            <a:extLst>
-              <a:ext uri="{FF2B5EF4-FFF2-40B4-BE49-F238E27FC236}">
-                <a16:creationId xmlns:a16="http://schemas.microsoft.com/office/drawing/2014/main" id="{9722330A-AA40-44D0-A214-A9AC70165192}"/>
-              </a:ext>
-            </a:extLst>
-          </p:cNvPr>
-          <p:cNvSpPr>
-            <a:spLocks noGrp="1"/>
-          </p:cNvSpPr>
-          <p:nvPr>
-            <p:ph type="sldNum" sz="quarter" idx="12"/>
-          </p:nvPr>
-        </p:nvSpPr>
-        <p:spPr/>
-        <p:txBody>
-          <a:bodyPr/>
-          <a:lstStyle/>
-          <a:p>
-            <a:fld id="{BBD74847-7BE4-4E4D-8159-51DF7B93C616}" type="slidenum">
-              <a:rPr lang="en-US" smtClean="0"/>
-              <a:t>9</a:t>
-            </a:fld>
-            <a:endParaRPr lang="en-US"/>
-          </a:p>
-        </p:txBody>
-      </p:sp>
     </p:spTree>
     <p:extLst>
       <p:ext uri="{BB962C8B-B14F-4D97-AF65-F5344CB8AC3E}">
@@ -24814,7 +26783,7 @@
 <file path=ppt/theme/theme1.xml><?xml version="1.0" encoding="utf-8"?>
 <a:theme xmlns:a="http://schemas.openxmlformats.org/drawingml/2006/main" name="Dividend">
   <a:themeElements>
-    <a:clrScheme name="Spike Prime Lessons">
+    <a:clrScheme name="Custom 1">
       <a:dk1>
         <a:srgbClr val="000000"/>
       </a:dk1>
@@ -24825,31 +26794,31 @@
         <a:srgbClr val="000000"/>
       </a:dk2>
       <a:lt2>
-        <a:srgbClr val="FFFFFF"/>
+        <a:srgbClr val="F8F8F8"/>
       </a:lt2>
       <a:accent1>
-        <a:srgbClr val="FFD500"/>
+        <a:srgbClr val="DDDDDD"/>
       </a:accent1>
       <a:accent2>
-        <a:srgbClr val="961BDB"/>
+        <a:srgbClr val="B2B2B2"/>
       </a:accent2>
       <a:accent3>
-        <a:srgbClr val="FF0000"/>
+        <a:srgbClr val="969696"/>
       </a:accent3>
       <a:accent4>
-        <a:srgbClr val="65D7FF"/>
+        <a:srgbClr val="000000"/>
       </a:accent4>
       <a:accent5>
-        <a:srgbClr val="5B9BD5"/>
+        <a:srgbClr val="5F5F5F"/>
       </a:accent5>
       <a:accent6>
-        <a:srgbClr val="70AD47"/>
+        <a:srgbClr val="4D4D4D"/>
       </a:accent6>
       <a:hlink>
-        <a:srgbClr val="961BDB"/>
+        <a:srgbClr val="5F5F5F"/>
       </a:hlink>
       <a:folHlink>
-        <a:srgbClr val="65D7FF"/>
+        <a:srgbClr val="919191"/>
       </a:folHlink>
     </a:clrScheme>
     <a:fontScheme name="Dividend">
@@ -25074,7 +27043,7 @@
   <a:extraClrSchemeLst/>
   <a:extLst>
     <a:ext uri="{05A4C25C-085E-4340-85A3-A5531E510DB2}">
-      <thm15:themeFamily xmlns:thm15="http://schemas.microsoft.com/office/thememl/2012/main" name="Spike Prime Template.potx" id="{C1D969FE-89B1-4BE4-BDFA-C32471023150}" vid="{4149DA99-3325-4DAE-8A1C-4D0296C099A1}"/>
+      <thm15:themeFamily xmlns:thm15="http://schemas.microsoft.com/office/thememl/2012/main" name="HowtoUse" id="{7DD8E111-BC3A-4444-A06C-BD4DCB2344B2}" vid="{5D8D2880-D206-C442-A283-BCAB763DE85D}"/>
     </a:ext>
   </a:extLst>
 </a:theme>
